--- a/発表用スライド/1821144_yoshii_thesis_ver2.pptx
+++ b/発表用スライド/1821144_yoshii_thesis_ver2.pptx
@@ -5,7 +5,7 @@
     <p:sldMasterId id="2147483660" r:id="rId1"/>
   </p:sldMasterIdLst>
   <p:notesMasterIdLst>
-    <p:notesMasterId r:id="rId14"/>
+    <p:notesMasterId r:id="rId12"/>
   </p:notesMasterIdLst>
   <p:sldIdLst>
     <p:sldId id="270" r:id="rId2"/>
@@ -13,13 +13,11 @@
     <p:sldId id="258" r:id="rId4"/>
     <p:sldId id="260" r:id="rId5"/>
     <p:sldId id="261" r:id="rId6"/>
-    <p:sldId id="262" r:id="rId7"/>
-    <p:sldId id="259" r:id="rId8"/>
-    <p:sldId id="265" r:id="rId9"/>
-    <p:sldId id="267" r:id="rId10"/>
-    <p:sldId id="271" r:id="rId11"/>
-    <p:sldId id="272" r:id="rId12"/>
-    <p:sldId id="268" r:id="rId13"/>
+    <p:sldId id="273" r:id="rId7"/>
+    <p:sldId id="274" r:id="rId8"/>
+    <p:sldId id="262" r:id="rId9"/>
+    <p:sldId id="259" r:id="rId10"/>
+    <p:sldId id="265" r:id="rId11"/>
   </p:sldIdLst>
   <p:sldSz cx="9144000" cy="6858000" type="screen4x3"/>
   <p:notesSz cx="6858000" cy="9144000"/>
@@ -237,7 +235,7 @@
           <a:p>
             <a:fld id="{27571B5F-C8EC-4379-AD76-80FD414F3861}" type="datetimeFigureOut">
               <a:rPr kumimoji="1" lang="ja-JP" altLang="en-US" smtClean="0"/>
-              <a:t>2021/10/25</a:t>
+              <a:t>2021/11/1</a:t>
             </a:fld>
             <a:endParaRPr kumimoji="1" lang="ja-JP" altLang="en-US"/>
           </a:p>
@@ -667,7 +665,7 @@
           <a:p>
             <a:fld id="{22C6F9C5-C6AA-409B-AF03-98D7346F1423}" type="datetime1">
               <a:rPr kumimoji="1" lang="ja-JP" altLang="en-US" smtClean="0"/>
-              <a:t>2021/10/25</a:t>
+              <a:t>2021/11/1</a:t>
             </a:fld>
             <a:endParaRPr kumimoji="1" lang="ja-JP" altLang="en-US"/>
           </a:p>
@@ -870,7 +868,7 @@
           <a:p>
             <a:fld id="{22E0F957-B7A6-49B1-8F7C-E83B3F2002DA}" type="datetime1">
               <a:rPr kumimoji="1" lang="ja-JP" altLang="en-US" smtClean="0"/>
-              <a:t>2021/10/25</a:t>
+              <a:t>2021/11/1</a:t>
             </a:fld>
             <a:endParaRPr kumimoji="1" lang="ja-JP" altLang="en-US"/>
           </a:p>
@@ -1083,7 +1081,7 @@
           <a:p>
             <a:fld id="{DE6F7DB3-2648-413C-8B2E-93728F539CCD}" type="datetime1">
               <a:rPr kumimoji="1" lang="ja-JP" altLang="en-US" smtClean="0"/>
-              <a:t>2021/10/25</a:t>
+              <a:t>2021/11/1</a:t>
             </a:fld>
             <a:endParaRPr kumimoji="1" lang="ja-JP" altLang="en-US"/>
           </a:p>
@@ -1286,7 +1284,7 @@
           <a:p>
             <a:fld id="{A2D1DE2A-14E7-4A39-B37E-D38A93E354FC}" type="datetime1">
               <a:rPr kumimoji="1" lang="ja-JP" altLang="en-US" smtClean="0"/>
-              <a:t>2021/10/25</a:t>
+              <a:t>2021/11/1</a:t>
             </a:fld>
             <a:endParaRPr kumimoji="1" lang="ja-JP" altLang="en-US"/>
           </a:p>
@@ -1535,7 +1533,7 @@
           <a:p>
             <a:fld id="{991EEB29-6570-4D17-BF07-A0C0B34BA0FB}" type="datetime1">
               <a:rPr kumimoji="1" lang="ja-JP" altLang="en-US" smtClean="0"/>
-              <a:t>2021/10/25</a:t>
+              <a:t>2021/11/1</a:t>
             </a:fld>
             <a:endParaRPr kumimoji="1" lang="ja-JP" altLang="en-US"/>
           </a:p>
@@ -1832,7 +1830,7 @@
           <a:p>
             <a:fld id="{892B6420-66A4-43C3-BA46-EBDFB60516F0}" type="datetime1">
               <a:rPr kumimoji="1" lang="ja-JP" altLang="en-US" smtClean="0"/>
-              <a:t>2021/10/25</a:t>
+              <a:t>2021/11/1</a:t>
             </a:fld>
             <a:endParaRPr kumimoji="1" lang="ja-JP" altLang="en-US"/>
           </a:p>
@@ -2264,7 +2262,7 @@
           <a:p>
             <a:fld id="{5BE63C90-8833-49EB-8DFB-3A87587C56DF}" type="datetime1">
               <a:rPr kumimoji="1" lang="ja-JP" altLang="en-US" smtClean="0"/>
-              <a:t>2021/10/25</a:t>
+              <a:t>2021/11/1</a:t>
             </a:fld>
             <a:endParaRPr kumimoji="1" lang="ja-JP" altLang="en-US"/>
           </a:p>
@@ -2383,7 +2381,7 @@
           <a:p>
             <a:fld id="{FDB7B118-9258-4B93-98B1-2227223B18EF}" type="datetime1">
               <a:rPr kumimoji="1" lang="ja-JP" altLang="en-US" smtClean="0"/>
-              <a:t>2021/10/25</a:t>
+              <a:t>2021/11/1</a:t>
             </a:fld>
             <a:endParaRPr kumimoji="1" lang="ja-JP" altLang="en-US"/>
           </a:p>
@@ -2479,7 +2477,7 @@
           <a:p>
             <a:fld id="{9C334A37-8FFC-49D6-A0F3-FC06101E023C}" type="datetime1">
               <a:rPr kumimoji="1" lang="ja-JP" altLang="en-US" smtClean="0"/>
-              <a:t>2021/10/25</a:t>
+              <a:t>2021/11/1</a:t>
             </a:fld>
             <a:endParaRPr kumimoji="1" lang="ja-JP" altLang="en-US"/>
           </a:p>
@@ -2789,7 +2787,7 @@
           <a:p>
             <a:fld id="{0FAD949F-32A5-4343-9078-C3A89D3064D3}" type="datetime1">
               <a:rPr kumimoji="1" lang="ja-JP" altLang="en-US" smtClean="0"/>
-              <a:t>2021/10/25</a:t>
+              <a:t>2021/11/1</a:t>
             </a:fld>
             <a:endParaRPr kumimoji="1" lang="ja-JP" altLang="en-US"/>
           </a:p>
@@ -3047,7 +3045,7 @@
           <a:p>
             <a:fld id="{58C4534D-9999-497B-9C6B-5769B1D800E5}" type="datetime1">
               <a:rPr kumimoji="1" lang="ja-JP" altLang="en-US" smtClean="0"/>
-              <a:t>2021/10/25</a:t>
+              <a:t>2021/11/1</a:t>
             </a:fld>
             <a:endParaRPr kumimoji="1" lang="ja-JP" altLang="en-US"/>
           </a:p>
@@ -3293,7 +3291,7 @@
           <a:p>
             <a:fld id="{D73E1257-0E7D-4620-84B9-7FC7BB2FC946}" type="datetime1">
               <a:rPr kumimoji="1" lang="ja-JP" altLang="en-US" smtClean="0"/>
-              <a:t>2021/10/25</a:t>
+              <a:t>2021/11/1</a:t>
             </a:fld>
             <a:endParaRPr kumimoji="1" lang="ja-JP" altLang="en-US"/>
           </a:p>
@@ -3847,20 +3845,83 @@
         </p:nvSpPr>
         <p:spPr/>
         <p:txBody>
-          <a:bodyPr>
-            <a:normAutofit/>
-          </a:bodyPr>
-          <a:lstStyle/>
-          <a:p>
-            <a:r>
-              <a:rPr kumimoji="1" lang="en-US" altLang="ja-JP" sz="3600" dirty="0" err="1" smtClean="0"/>
-              <a:t>librosa</a:t>
-            </a:r>
-            <a:r>
-              <a:rPr kumimoji="1" lang="ja-JP" altLang="en-US" sz="3600" dirty="0" smtClean="0"/>
-              <a:t>インストール時のエラー</a:t>
-            </a:r>
-            <a:endParaRPr kumimoji="1" lang="ja-JP" altLang="en-US" sz="3600" dirty="0"/>
+          <a:bodyPr/>
+          <a:lstStyle/>
+          <a:p>
+            <a:r>
+              <a:rPr kumimoji="1" lang="ja-JP" altLang="en-US" dirty="0" smtClean="0"/>
+              <a:t>前期までの進捗</a:t>
+            </a:r>
+            <a:endParaRPr kumimoji="1" lang="ja-JP" altLang="en-US" dirty="0"/>
+          </a:p>
+        </p:txBody>
+      </p:sp>
+      <p:sp>
+        <p:nvSpPr>
+          <p:cNvPr id="3" name="コンテンツ プレースホルダー 2"/>
+          <p:cNvSpPr>
+            <a:spLocks noGrp="1"/>
+          </p:cNvSpPr>
+          <p:nvPr>
+            <p:ph idx="1"/>
+          </p:nvPr>
+        </p:nvSpPr>
+        <p:spPr/>
+        <p:txBody>
+          <a:bodyPr/>
+          <a:lstStyle/>
+          <a:p>
+            <a:r>
+              <a:rPr lang="ja-JP" altLang="en-US" dirty="0"/>
+              <a:t>楽曲</a:t>
+            </a:r>
+            <a:r>
+              <a:rPr kumimoji="1" lang="ja-JP" altLang="en-US" dirty="0"/>
+              <a:t>データを横軸に時間</a:t>
+            </a:r>
+            <a:r>
+              <a:rPr lang="ja-JP" altLang="en-US" dirty="0"/>
+              <a:t>，</a:t>
+            </a:r>
+            <a:r>
+              <a:rPr kumimoji="1" lang="ja-JP" altLang="en-US" dirty="0"/>
+              <a:t>縦軸に周波数を表した</a:t>
+            </a:r>
+            <a:r>
+              <a:rPr lang="en-US" altLang="ja-JP" dirty="0"/>
+              <a:t/>
+            </a:r>
+            <a:br>
+              <a:rPr lang="en-US" altLang="ja-JP" dirty="0"/>
+            </a:br>
+            <a:r>
+              <a:rPr kumimoji="1" lang="ja-JP" altLang="en-US" dirty="0"/>
+              <a:t>スペクトログラム</a:t>
+            </a:r>
+            <a:r>
+              <a:rPr lang="ja-JP" altLang="en-US" dirty="0"/>
+              <a:t>に</a:t>
+            </a:r>
+            <a:r>
+              <a:rPr kumimoji="1" lang="ja-JP" altLang="en-US" dirty="0"/>
+              <a:t>するプログラムの作成をした．</a:t>
+            </a:r>
+            <a:endParaRPr kumimoji="1" lang="en-US" altLang="ja-JP" dirty="0"/>
+          </a:p>
+          <a:p>
+            <a:r>
+              <a:rPr lang="ja-JP" altLang="en-US" dirty="0"/>
+              <a:t>深層学習</a:t>
+            </a:r>
+            <a:r>
+              <a:rPr lang="en-US" altLang="ja-JP" dirty="0"/>
+              <a:t>(Convolutional Neural Network)</a:t>
+            </a:r>
+            <a:r>
+              <a:rPr lang="ja-JP" altLang="en-US" dirty="0"/>
+              <a:t>で，印象の学習を行う予定である．</a:t>
+            </a:r>
+            <a:endParaRPr kumimoji="1" lang="ja-JP" altLang="en-US" dirty="0"/>
           </a:p>
         </p:txBody>
       </p:sp>
@@ -3890,48 +3951,28 @@
       </p:sp>
       <p:pic>
         <p:nvPicPr>
-          <p:cNvPr id="7" name="コンテンツ プレースホルダー 6"/>
-          <p:cNvPicPr>
-            <a:picLocks noGrp="1" noChangeAspect="1"/>
-          </p:cNvPicPr>
-          <p:nvPr>
-            <p:ph idx="1"/>
-          </p:nvPr>
-        </p:nvPicPr>
-        <p:blipFill>
-          <a:blip r:embed="rId2"/>
-          <a:stretch>
-            <a:fillRect/>
-          </a:stretch>
-        </p:blipFill>
-        <p:spPr>
-          <a:xfrm>
-            <a:off x="0" y="1027907"/>
-            <a:ext cx="8329232" cy="5470760"/>
-          </a:xfrm>
-          <a:prstGeom prst="rect">
-            <a:avLst/>
-          </a:prstGeom>
-        </p:spPr>
-      </p:pic>
-      <p:pic>
-        <p:nvPicPr>
-          <p:cNvPr id="8" name="図 7"/>
+          <p:cNvPr id="6" name="図 5"/>
           <p:cNvPicPr>
             <a:picLocks noChangeAspect="1"/>
           </p:cNvPicPr>
           <p:nvPr/>
         </p:nvPicPr>
         <p:blipFill>
-          <a:blip r:embed="rId3"/>
+          <a:blip r:embed="rId2">
+            <a:extLst>
+              <a:ext uri="{28A0092B-C50C-407E-A947-70E740481C1C}">
+                <a14:useLocalDpi xmlns:a14="http://schemas.microsoft.com/office/drawing/2010/main" val="0"/>
+              </a:ext>
+            </a:extLst>
+          </a:blip>
           <a:stretch>
             <a:fillRect/>
           </a:stretch>
         </p:blipFill>
         <p:spPr>
           <a:xfrm>
-            <a:off x="1846650" y="-537540"/>
-            <a:ext cx="7111232" cy="4670759"/>
+            <a:off x="628650" y="3735002"/>
+            <a:ext cx="7324760" cy="2621349"/>
           </a:xfrm>
           <a:prstGeom prst="rect">
             <a:avLst/>
@@ -3941,321 +3982,7 @@
     </p:spTree>
     <p:extLst>
       <p:ext uri="{BB962C8B-B14F-4D97-AF65-F5344CB8AC3E}">
-        <p14:creationId xmlns:p14="http://schemas.microsoft.com/office/powerpoint/2010/main" val="1646661858"/>
-      </p:ext>
-    </p:extLst>
-  </p:cSld>
-  <p:clrMapOvr>
-    <a:masterClrMapping/>
-  </p:clrMapOvr>
-  <p:timing>
-    <p:tnLst>
-      <p:par>
-        <p:cTn id="1" dur="indefinite" restart="never" nodeType="tmRoot"/>
-      </p:par>
-    </p:tnLst>
-  </p:timing>
-</p:sld>
-</file>
-
-<file path=ppt/slides/slide11.xml><?xml version="1.0" encoding="utf-8"?>
-<p:sld xmlns:a="http://schemas.openxmlformats.org/drawingml/2006/main" xmlns:r="http://schemas.openxmlformats.org/officeDocument/2006/relationships" xmlns:p="http://schemas.openxmlformats.org/presentationml/2006/main">
-  <p:cSld>
-    <p:spTree>
-      <p:nvGrpSpPr>
-        <p:cNvPr id="1" name=""/>
-        <p:cNvGrpSpPr/>
-        <p:nvPr/>
-      </p:nvGrpSpPr>
-      <p:grpSpPr>
-        <a:xfrm>
-          <a:off x="0" y="0"/>
-          <a:ext cx="0" cy="0"/>
-          <a:chOff x="0" y="0"/>
-          <a:chExt cx="0" cy="0"/>
-        </a:xfrm>
-      </p:grpSpPr>
-      <p:sp>
-        <p:nvSpPr>
-          <p:cNvPr id="2" name="タイトル 1"/>
-          <p:cNvSpPr>
-            <a:spLocks noGrp="1"/>
-          </p:cNvSpPr>
-          <p:nvPr>
-            <p:ph type="title"/>
-          </p:nvPr>
-        </p:nvSpPr>
-        <p:spPr/>
-        <p:txBody>
-          <a:bodyPr/>
-          <a:lstStyle/>
-          <a:p>
-            <a:r>
-              <a:rPr lang="ja-JP" altLang="en-US" dirty="0"/>
-              <a:t>エラー</a:t>
-            </a:r>
-            <a:r>
-              <a:rPr lang="ja-JP" altLang="en-US" dirty="0" smtClean="0"/>
-              <a:t>を治すために行ったこと</a:t>
-            </a:r>
-            <a:r>
-              <a:rPr lang="en-US" altLang="ja-JP" dirty="0" smtClean="0"/>
-              <a:t>	</a:t>
-            </a:r>
-            <a:endParaRPr kumimoji="1" lang="ja-JP" altLang="en-US" dirty="0"/>
-          </a:p>
-        </p:txBody>
-      </p:sp>
-      <p:sp>
-        <p:nvSpPr>
-          <p:cNvPr id="3" name="コンテンツ プレースホルダー 2"/>
-          <p:cNvSpPr>
-            <a:spLocks noGrp="1"/>
-          </p:cNvSpPr>
-          <p:nvPr>
-            <p:ph idx="1"/>
-          </p:nvPr>
-        </p:nvSpPr>
-        <p:spPr/>
-        <p:txBody>
-          <a:bodyPr/>
-          <a:lstStyle/>
-          <a:p>
-            <a:pPr marL="0" indent="0">
-              <a:buNone/>
-            </a:pPr>
-            <a:r>
-              <a:rPr kumimoji="1" lang="ja-JP" altLang="en-US" dirty="0" smtClean="0"/>
-              <a:t>・</a:t>
-            </a:r>
-            <a:r>
-              <a:rPr kumimoji="1" lang="en-US" altLang="ja-JP" dirty="0" smtClean="0"/>
-              <a:t>Python</a:t>
-            </a:r>
-            <a:r>
-              <a:rPr kumimoji="1" lang="ja-JP" altLang="en-US" dirty="0" smtClean="0"/>
-              <a:t>を</a:t>
-            </a:r>
-            <a:r>
-              <a:rPr kumimoji="1" lang="en-US" altLang="ja-JP" dirty="0" smtClean="0"/>
-              <a:t>3.7.0</a:t>
-            </a:r>
-            <a:r>
-              <a:rPr kumimoji="1" lang="ja-JP" altLang="en-US" dirty="0" smtClean="0"/>
-              <a:t>から</a:t>
-            </a:r>
-            <a:r>
-              <a:rPr kumimoji="1" lang="en-US" altLang="ja-JP" dirty="0" smtClean="0"/>
-              <a:t>3.8.0</a:t>
-            </a:r>
-            <a:r>
-              <a:rPr kumimoji="1" lang="ja-JP" altLang="en-US" dirty="0" smtClean="0"/>
-              <a:t>にアップデート</a:t>
-            </a:r>
-            <a:endParaRPr kumimoji="1" lang="en-US" altLang="ja-JP" dirty="0" smtClean="0"/>
-          </a:p>
-          <a:p>
-            <a:pPr marL="0" indent="0">
-              <a:buNone/>
-            </a:pPr>
-            <a:endParaRPr kumimoji="1" lang="en-US" altLang="ja-JP" dirty="0" smtClean="0"/>
-          </a:p>
-          <a:p>
-            <a:pPr marL="0" indent="0">
-              <a:buNone/>
-            </a:pPr>
-            <a:r>
-              <a:rPr lang="ja-JP" altLang="en-US" dirty="0" smtClean="0"/>
-              <a:t>・再インストール</a:t>
-            </a:r>
-            <a:endParaRPr lang="en-US" altLang="ja-JP" dirty="0" smtClean="0"/>
-          </a:p>
-          <a:p>
-            <a:pPr marL="0" indent="0">
-              <a:buNone/>
-            </a:pPr>
-            <a:endParaRPr kumimoji="1" lang="en-US" altLang="ja-JP" dirty="0"/>
-          </a:p>
-          <a:p>
-            <a:pPr marL="0" indent="0">
-              <a:buNone/>
-            </a:pPr>
-            <a:r>
-              <a:rPr lang="ja-JP" altLang="en-US" dirty="0" smtClean="0"/>
-              <a:t>・</a:t>
-            </a:r>
-            <a:r>
-              <a:rPr lang="en-US" altLang="ja-JP" dirty="0" err="1" smtClean="0"/>
-              <a:t>librosa</a:t>
-            </a:r>
-            <a:r>
-              <a:rPr lang="ja-JP" altLang="en-US" dirty="0" smtClean="0"/>
-              <a:t>の</a:t>
-            </a:r>
-            <a:r>
-              <a:rPr lang="en-US" altLang="ja-JP" dirty="0" err="1" smtClean="0"/>
-              <a:t>git</a:t>
-            </a:r>
-            <a:r>
-              <a:rPr lang="ja-JP" altLang="en-US" dirty="0" smtClean="0"/>
-              <a:t>からクローンしてみる（実行中）</a:t>
-            </a:r>
-            <a:endParaRPr lang="en-US" altLang="ja-JP" dirty="0" smtClean="0"/>
-          </a:p>
-          <a:p>
-            <a:pPr marL="0" indent="0">
-              <a:buNone/>
-            </a:pPr>
-            <a:r>
-              <a:rPr kumimoji="1" lang="ja-JP" altLang="en-US" dirty="0" smtClean="0"/>
-              <a:t>→</a:t>
-            </a:r>
-            <a:r>
-              <a:rPr kumimoji="1" lang="en-US" altLang="ja-JP" dirty="0" smtClean="0"/>
-              <a:t>pip install</a:t>
-            </a:r>
-            <a:r>
-              <a:rPr kumimoji="1" lang="ja-JP" altLang="en-US" dirty="0" smtClean="0"/>
-              <a:t>にこだわりすぎて頭が固まっていた。</a:t>
-            </a:r>
-            <a:endParaRPr kumimoji="1" lang="ja-JP" altLang="en-US" dirty="0"/>
-          </a:p>
-        </p:txBody>
-      </p:sp>
-      <p:sp>
-        <p:nvSpPr>
-          <p:cNvPr id="4" name="スライド番号プレースホルダー 3"/>
-          <p:cNvSpPr>
-            <a:spLocks noGrp="1"/>
-          </p:cNvSpPr>
-          <p:nvPr>
-            <p:ph type="sldNum" sz="quarter" idx="12"/>
-          </p:nvPr>
-        </p:nvSpPr>
-        <p:spPr/>
-        <p:txBody>
-          <a:bodyPr/>
-          <a:lstStyle/>
-          <a:p>
-            <a:fld id="{B4451160-128F-4DAD-AE29-4A8CC0E7B9E9}" type="slidenum">
-              <a:rPr lang="ja-JP" altLang="en-US" smtClean="0"/>
-              <a:pPr/>
-              <a:t>11</a:t>
-            </a:fld>
-            <a:endParaRPr lang="ja-JP" altLang="en-US" dirty="0"/>
-          </a:p>
-        </p:txBody>
-      </p:sp>
-    </p:spTree>
-    <p:extLst>
-      <p:ext uri="{BB962C8B-B14F-4D97-AF65-F5344CB8AC3E}">
-        <p14:creationId xmlns:p14="http://schemas.microsoft.com/office/powerpoint/2010/main" val="4118337150"/>
-      </p:ext>
-    </p:extLst>
-  </p:cSld>
-  <p:clrMapOvr>
-    <a:masterClrMapping/>
-  </p:clrMapOvr>
-  <p:timing>
-    <p:tnLst>
-      <p:par>
-        <p:cTn id="1" dur="indefinite" restart="never" nodeType="tmRoot"/>
-      </p:par>
-    </p:tnLst>
-  </p:timing>
-</p:sld>
-</file>
-
-<file path=ppt/slides/slide12.xml><?xml version="1.0" encoding="utf-8"?>
-<p:sld xmlns:a="http://schemas.openxmlformats.org/drawingml/2006/main" xmlns:r="http://schemas.openxmlformats.org/officeDocument/2006/relationships" xmlns:p="http://schemas.openxmlformats.org/presentationml/2006/main">
-  <p:cSld>
-    <p:spTree>
-      <p:nvGrpSpPr>
-        <p:cNvPr id="1" name=""/>
-        <p:cNvGrpSpPr/>
-        <p:nvPr/>
-      </p:nvGrpSpPr>
-      <p:grpSpPr>
-        <a:xfrm>
-          <a:off x="0" y="0"/>
-          <a:ext cx="0" cy="0"/>
-          <a:chOff x="0" y="0"/>
-          <a:chExt cx="0" cy="0"/>
-        </a:xfrm>
-      </p:grpSpPr>
-      <p:sp>
-        <p:nvSpPr>
-          <p:cNvPr id="2" name="タイトル 1"/>
-          <p:cNvSpPr>
-            <a:spLocks noGrp="1"/>
-          </p:cNvSpPr>
-          <p:nvPr>
-            <p:ph type="title"/>
-          </p:nvPr>
-        </p:nvSpPr>
-        <p:spPr/>
-        <p:txBody>
-          <a:bodyPr/>
-          <a:lstStyle/>
-          <a:p>
-            <a:r>
-              <a:rPr lang="ja-JP" altLang="en-US" dirty="0"/>
-              <a:t>次回までの作業予定</a:t>
-            </a:r>
-            <a:endParaRPr kumimoji="1" lang="ja-JP" altLang="en-US" dirty="0"/>
-          </a:p>
-        </p:txBody>
-      </p:sp>
-      <p:sp>
-        <p:nvSpPr>
-          <p:cNvPr id="3" name="コンテンツ プレースホルダー 2"/>
-          <p:cNvSpPr>
-            <a:spLocks noGrp="1"/>
-          </p:cNvSpPr>
-          <p:nvPr>
-            <p:ph idx="1"/>
-          </p:nvPr>
-        </p:nvSpPr>
-        <p:spPr/>
-        <p:txBody>
-          <a:bodyPr/>
-          <a:lstStyle/>
-          <a:p>
-            <a:pPr marL="0" indent="0">
-              <a:buNone/>
-            </a:pPr>
-            <a:endParaRPr kumimoji="1" lang="ja-JP" altLang="en-US" dirty="0"/>
-          </a:p>
-        </p:txBody>
-      </p:sp>
-      <p:sp>
-        <p:nvSpPr>
-          <p:cNvPr id="4" name="スライド番号プレースホルダー 3"/>
-          <p:cNvSpPr>
-            <a:spLocks noGrp="1"/>
-          </p:cNvSpPr>
-          <p:nvPr>
-            <p:ph type="sldNum" sz="quarter" idx="12"/>
-          </p:nvPr>
-        </p:nvSpPr>
-        <p:spPr/>
-        <p:txBody>
-          <a:bodyPr/>
-          <a:lstStyle/>
-          <a:p>
-            <a:fld id="{B4451160-128F-4DAD-AE29-4A8CC0E7B9E9}" type="slidenum">
-              <a:rPr lang="ja-JP" altLang="en-US" smtClean="0"/>
-              <a:pPr/>
-              <a:t>12</a:t>
-            </a:fld>
-            <a:endParaRPr lang="ja-JP" altLang="en-US" dirty="0"/>
-          </a:p>
-        </p:txBody>
-      </p:sp>
-    </p:spTree>
-    <p:extLst>
-      <p:ext uri="{BB962C8B-B14F-4D97-AF65-F5344CB8AC3E}">
-        <p14:creationId xmlns:p14="http://schemas.microsoft.com/office/powerpoint/2010/main" val="1182900550"/>
+        <p14:creationId xmlns:p14="http://schemas.microsoft.com/office/powerpoint/2010/main" val="3872963283"/>
       </p:ext>
     </p:extLst>
   </p:cSld>
@@ -6112,6 +5839,376 @@
             <p:ph type="title"/>
           </p:nvPr>
         </p:nvSpPr>
+        <p:spPr/>
+        <p:txBody>
+          <a:bodyPr/>
+          <a:lstStyle/>
+          <a:p>
+            <a:r>
+              <a:rPr kumimoji="1" lang="ja-JP" altLang="en-US" dirty="0" smtClean="0"/>
+              <a:t>実験環境</a:t>
+            </a:r>
+            <a:endParaRPr kumimoji="1" lang="ja-JP" altLang="en-US" dirty="0"/>
+          </a:p>
+        </p:txBody>
+      </p:sp>
+      <p:graphicFrame>
+        <p:nvGraphicFramePr>
+          <p:cNvPr id="7" name="コンテンツ プレースホルダー 6"/>
+          <p:cNvGraphicFramePr>
+            <a:graphicFrameLocks noGrp="1"/>
+          </p:cNvGraphicFramePr>
+          <p:nvPr>
+            <p:ph idx="1"/>
+            <p:extLst>
+              <p:ext uri="{D42A27DB-BD31-4B8C-83A1-F6EECF244321}">
+                <p14:modId xmlns:p14="http://schemas.microsoft.com/office/powerpoint/2010/main" val="253861860"/>
+              </p:ext>
+            </p:extLst>
+          </p:nvPr>
+        </p:nvGraphicFramePr>
+        <p:xfrm>
+          <a:off x="628650" y="1825625"/>
+          <a:ext cx="7799733" cy="741680"/>
+        </p:xfrm>
+        <a:graphic>
+          <a:graphicData uri="http://schemas.openxmlformats.org/drawingml/2006/table">
+            <a:tbl>
+              <a:tblPr firstRow="1" bandRow="1">
+                <a:tableStyleId>{5C22544A-7EE6-4342-B048-85BDC9FD1C3A}</a:tableStyleId>
+              </a:tblPr>
+              <a:tblGrid>
+                <a:gridCol w="2599911">
+                  <a:extLst>
+                    <a:ext uri="{9D8B030D-6E8A-4147-A177-3AD203B41FA5}">
+                      <a16:colId xmlns:a16="http://schemas.microsoft.com/office/drawing/2014/main" val="1402794385"/>
+                    </a:ext>
+                  </a:extLst>
+                </a:gridCol>
+                <a:gridCol w="2599911">
+                  <a:extLst>
+                    <a:ext uri="{9D8B030D-6E8A-4147-A177-3AD203B41FA5}">
+                      <a16:colId xmlns:a16="http://schemas.microsoft.com/office/drawing/2014/main" val="88355118"/>
+                    </a:ext>
+                  </a:extLst>
+                </a:gridCol>
+                <a:gridCol w="2599911">
+                  <a:extLst>
+                    <a:ext uri="{9D8B030D-6E8A-4147-A177-3AD203B41FA5}">
+                      <a16:colId xmlns:a16="http://schemas.microsoft.com/office/drawing/2014/main" val="1273748139"/>
+                    </a:ext>
+                  </a:extLst>
+                </a:gridCol>
+              </a:tblGrid>
+              <a:tr h="370840">
+                <a:tc>
+                  <a:txBody>
+                    <a:bodyPr/>
+                    <a:lstStyle/>
+                    <a:p>
+                      <a:r>
+                        <a:rPr kumimoji="1" lang="ja-JP" altLang="en-US" dirty="0" smtClean="0"/>
+                        <a:t>機器名</a:t>
+                      </a:r>
+                      <a:endParaRPr kumimoji="1" lang="ja-JP" altLang="en-US" dirty="0"/>
+                    </a:p>
+                  </a:txBody>
+                  <a:tcPr/>
+                </a:tc>
+                <a:tc>
+                  <a:txBody>
+                    <a:bodyPr/>
+                    <a:lstStyle/>
+                    <a:p>
+                      <a:r>
+                        <a:rPr kumimoji="1" lang="ja-JP" altLang="en-US" dirty="0" smtClean="0"/>
+                        <a:t>台数</a:t>
+                      </a:r>
+                      <a:endParaRPr kumimoji="1" lang="ja-JP" altLang="en-US" dirty="0"/>
+                    </a:p>
+                  </a:txBody>
+                  <a:tcPr/>
+                </a:tc>
+                <a:tc>
+                  <a:txBody>
+                    <a:bodyPr/>
+                    <a:lstStyle/>
+                    <a:p>
+                      <a:r>
+                        <a:rPr kumimoji="1" lang="en-US" altLang="ja-JP" dirty="0" smtClean="0"/>
+                        <a:t>OS</a:t>
+                      </a:r>
+                      <a:endParaRPr kumimoji="1" lang="ja-JP" altLang="en-US" dirty="0"/>
+                    </a:p>
+                  </a:txBody>
+                  <a:tcPr/>
+                </a:tc>
+                <a:extLst>
+                  <a:ext uri="{0D108BD9-81ED-4DB2-BD59-A6C34878D82A}">
+                    <a16:rowId xmlns:a16="http://schemas.microsoft.com/office/drawing/2014/main" val="3682346588"/>
+                  </a:ext>
+                </a:extLst>
+              </a:tr>
+              <a:tr h="370840">
+                <a:tc>
+                  <a:txBody>
+                    <a:bodyPr/>
+                    <a:lstStyle/>
+                    <a:p>
+                      <a:r>
+                        <a:rPr kumimoji="1" lang="en-US" altLang="ja-JP" dirty="0" smtClean="0"/>
+                        <a:t>Raspberry</a:t>
+                      </a:r>
+                      <a:r>
+                        <a:rPr kumimoji="1" lang="en-US" altLang="ja-JP" baseline="0" dirty="0" smtClean="0"/>
+                        <a:t> pi 4B 2G</a:t>
+                      </a:r>
+                      <a:endParaRPr kumimoji="1" lang="ja-JP" altLang="en-US" dirty="0"/>
+                    </a:p>
+                  </a:txBody>
+                  <a:tcPr/>
+                </a:tc>
+                <a:tc>
+                  <a:txBody>
+                    <a:bodyPr/>
+                    <a:lstStyle/>
+                    <a:p>
+                      <a:r>
+                        <a:rPr kumimoji="1" lang="en-US" altLang="ja-JP" dirty="0" smtClean="0"/>
+                        <a:t>2</a:t>
+                      </a:r>
+                      <a:endParaRPr kumimoji="1" lang="ja-JP" altLang="en-US" dirty="0"/>
+                    </a:p>
+                  </a:txBody>
+                  <a:tcPr/>
+                </a:tc>
+                <a:tc>
+                  <a:txBody>
+                    <a:bodyPr/>
+                    <a:lstStyle/>
+                    <a:p>
+                      <a:r>
+                        <a:rPr kumimoji="1" lang="en-US" altLang="ja-JP" dirty="0" err="1" smtClean="0"/>
+                        <a:t>Raspbian</a:t>
+                      </a:r>
+                      <a:endParaRPr kumimoji="1" lang="en-US" altLang="ja-JP" dirty="0" smtClean="0"/>
+                    </a:p>
+                  </a:txBody>
+                  <a:tcPr/>
+                </a:tc>
+                <a:extLst>
+                  <a:ext uri="{0D108BD9-81ED-4DB2-BD59-A6C34878D82A}">
+                    <a16:rowId xmlns:a16="http://schemas.microsoft.com/office/drawing/2014/main" val="1746402446"/>
+                  </a:ext>
+                </a:extLst>
+              </a:tr>
+            </a:tbl>
+          </a:graphicData>
+        </a:graphic>
+      </p:graphicFrame>
+      <p:sp>
+        <p:nvSpPr>
+          <p:cNvPr id="4" name="スライド番号プレースホルダー 3"/>
+          <p:cNvSpPr>
+            <a:spLocks noGrp="1"/>
+          </p:cNvSpPr>
+          <p:nvPr>
+            <p:ph type="sldNum" sz="quarter" idx="12"/>
+          </p:nvPr>
+        </p:nvSpPr>
+        <p:spPr/>
+        <p:txBody>
+          <a:bodyPr/>
+          <a:lstStyle/>
+          <a:p>
+            <a:fld id="{B4451160-128F-4DAD-AE29-4A8CC0E7B9E9}" type="slidenum">
+              <a:rPr lang="ja-JP" altLang="en-US" smtClean="0"/>
+              <a:pPr/>
+              <a:t>6</a:t>
+            </a:fld>
+            <a:endParaRPr lang="ja-JP" altLang="en-US" dirty="0"/>
+          </a:p>
+        </p:txBody>
+      </p:sp>
+    </p:spTree>
+    <p:extLst>
+      <p:ext uri="{BB962C8B-B14F-4D97-AF65-F5344CB8AC3E}">
+        <p14:creationId xmlns:p14="http://schemas.microsoft.com/office/powerpoint/2010/main" val="857118555"/>
+      </p:ext>
+    </p:extLst>
+  </p:cSld>
+  <p:clrMapOvr>
+    <a:masterClrMapping/>
+  </p:clrMapOvr>
+</p:sld>
+</file>
+
+<file path=ppt/slides/slide7.xml><?xml version="1.0" encoding="utf-8"?>
+<p:sld xmlns:a="http://schemas.openxmlformats.org/drawingml/2006/main" xmlns:r="http://schemas.openxmlformats.org/officeDocument/2006/relationships" xmlns:p="http://schemas.openxmlformats.org/presentationml/2006/main">
+  <p:cSld>
+    <p:spTree>
+      <p:nvGrpSpPr>
+        <p:cNvPr id="1" name=""/>
+        <p:cNvGrpSpPr/>
+        <p:nvPr/>
+      </p:nvGrpSpPr>
+      <p:grpSpPr>
+        <a:xfrm>
+          <a:off x="0" y="0"/>
+          <a:ext cx="0" cy="0"/>
+          <a:chOff x="0" y="0"/>
+          <a:chExt cx="0" cy="0"/>
+        </a:xfrm>
+      </p:grpSpPr>
+      <p:sp>
+        <p:nvSpPr>
+          <p:cNvPr id="2" name="タイトル 1"/>
+          <p:cNvSpPr>
+            <a:spLocks noGrp="1"/>
+          </p:cNvSpPr>
+          <p:nvPr>
+            <p:ph type="title"/>
+          </p:nvPr>
+        </p:nvSpPr>
+        <p:spPr/>
+        <p:txBody>
+          <a:bodyPr/>
+          <a:lstStyle/>
+          <a:p>
+            <a:r>
+              <a:rPr kumimoji="1" lang="en-US" altLang="ja-JP" dirty="0" err="1" smtClean="0"/>
+              <a:t>LibROSA</a:t>
+            </a:r>
+            <a:endParaRPr kumimoji="1" lang="ja-JP" altLang="en-US" dirty="0"/>
+          </a:p>
+        </p:txBody>
+      </p:sp>
+      <p:sp>
+        <p:nvSpPr>
+          <p:cNvPr id="3" name="コンテンツ プレースホルダー 2"/>
+          <p:cNvSpPr>
+            <a:spLocks noGrp="1"/>
+          </p:cNvSpPr>
+          <p:nvPr>
+            <p:ph idx="1"/>
+          </p:nvPr>
+        </p:nvSpPr>
+        <p:spPr/>
+        <p:txBody>
+          <a:bodyPr/>
+          <a:lstStyle/>
+          <a:p>
+            <a:pPr marL="0" indent="0">
+              <a:buNone/>
+            </a:pPr>
+            <a:r>
+              <a:rPr kumimoji="1" lang="en-US" altLang="ja-JP" dirty="0" err="1" smtClean="0"/>
+              <a:t>LibROSA</a:t>
+            </a:r>
+            <a:r>
+              <a:rPr kumimoji="1" lang="ja-JP" altLang="en-US" dirty="0" smtClean="0"/>
+              <a:t>は</a:t>
+            </a:r>
+            <a:r>
+              <a:rPr lang="ja-JP" altLang="en-US" dirty="0"/>
+              <a:t>音楽と音声の解析のため</a:t>
+            </a:r>
+            <a:r>
+              <a:rPr lang="ja-JP" altLang="en-US" dirty="0" smtClean="0"/>
+              <a:t>の</a:t>
+            </a:r>
+            <a:r>
+              <a:rPr lang="en-US" altLang="ja-JP" dirty="0" smtClean="0"/>
+              <a:t>python</a:t>
+            </a:r>
+            <a:r>
+              <a:rPr lang="ja-JP" altLang="en-US" dirty="0" smtClean="0"/>
+              <a:t>パッケージ</a:t>
+            </a:r>
+            <a:endParaRPr lang="en-US" altLang="ja-JP" dirty="0" smtClean="0"/>
+          </a:p>
+          <a:p>
+            <a:pPr marL="0" indent="0">
+              <a:buNone/>
+            </a:pPr>
+            <a:endParaRPr kumimoji="1" lang="en-US" altLang="ja-JP" dirty="0"/>
+          </a:p>
+          <a:p>
+            <a:pPr marL="0" indent="0">
+              <a:buNone/>
+            </a:pPr>
+            <a:r>
+              <a:rPr lang="ja-JP" altLang="en-US" smtClean="0"/>
+              <a:t>スペクトル解析、店舗や博士の分析、画像出力など、音楽の分析に必要な機能があらかじめ実装されている。</a:t>
+            </a:r>
+            <a:endParaRPr kumimoji="1" lang="ja-JP" altLang="en-US" dirty="0"/>
+          </a:p>
+        </p:txBody>
+      </p:sp>
+      <p:sp>
+        <p:nvSpPr>
+          <p:cNvPr id="4" name="スライド番号プレースホルダー 3"/>
+          <p:cNvSpPr>
+            <a:spLocks noGrp="1"/>
+          </p:cNvSpPr>
+          <p:nvPr>
+            <p:ph type="sldNum" sz="quarter" idx="12"/>
+          </p:nvPr>
+        </p:nvSpPr>
+        <p:spPr/>
+        <p:txBody>
+          <a:bodyPr/>
+          <a:lstStyle/>
+          <a:p>
+            <a:fld id="{B4451160-128F-4DAD-AE29-4A8CC0E7B9E9}" type="slidenum">
+              <a:rPr lang="ja-JP" altLang="en-US" smtClean="0"/>
+              <a:pPr/>
+              <a:t>7</a:t>
+            </a:fld>
+            <a:endParaRPr lang="ja-JP" altLang="en-US" dirty="0"/>
+          </a:p>
+        </p:txBody>
+      </p:sp>
+    </p:spTree>
+    <p:extLst>
+      <p:ext uri="{BB962C8B-B14F-4D97-AF65-F5344CB8AC3E}">
+        <p14:creationId xmlns:p14="http://schemas.microsoft.com/office/powerpoint/2010/main" val="2966181659"/>
+      </p:ext>
+    </p:extLst>
+  </p:cSld>
+  <p:clrMapOvr>
+    <a:masterClrMapping/>
+  </p:clrMapOvr>
+</p:sld>
+</file>
+
+<file path=ppt/slides/slide8.xml><?xml version="1.0" encoding="utf-8"?>
+<p:sld xmlns:a="http://schemas.openxmlformats.org/drawingml/2006/main" xmlns:r="http://schemas.openxmlformats.org/officeDocument/2006/relationships" xmlns:p="http://schemas.openxmlformats.org/presentationml/2006/main">
+  <p:cSld>
+    <p:spTree>
+      <p:nvGrpSpPr>
+        <p:cNvPr id="1" name=""/>
+        <p:cNvGrpSpPr/>
+        <p:nvPr/>
+      </p:nvGrpSpPr>
+      <p:grpSpPr>
+        <a:xfrm>
+          <a:off x="0" y="0"/>
+          <a:ext cx="0" cy="0"/>
+          <a:chOff x="0" y="0"/>
+          <a:chExt cx="0" cy="0"/>
+        </a:xfrm>
+      </p:grpSpPr>
+      <p:sp>
+        <p:nvSpPr>
+          <p:cNvPr id="2" name="タイトル 1"/>
+          <p:cNvSpPr>
+            <a:spLocks noGrp="1"/>
+          </p:cNvSpPr>
+          <p:nvPr>
+            <p:ph type="title"/>
+          </p:nvPr>
+        </p:nvSpPr>
         <p:spPr>
           <a:xfrm>
             <a:off x="628650" y="365127"/>
@@ -6183,7 +6280,7 @@
           <a:p>
             <a:fld id="{B4451160-128F-4DAD-AE29-4A8CC0E7B9E9}" type="slidenum">
               <a:rPr kumimoji="1" lang="ja-JP" altLang="en-US" smtClean="0"/>
-              <a:t>6</a:t>
+              <a:t>8</a:t>
             </a:fld>
             <a:endParaRPr kumimoji="1" lang="ja-JP" altLang="en-US"/>
           </a:p>
@@ -6946,376 +7043,6 @@
     <p:extLst>
       <p:ext uri="{BB962C8B-B14F-4D97-AF65-F5344CB8AC3E}">
         <p14:creationId xmlns:p14="http://schemas.microsoft.com/office/powerpoint/2010/main" val="4224668961"/>
-      </p:ext>
-    </p:extLst>
-  </p:cSld>
-  <p:clrMapOvr>
-    <a:masterClrMapping/>
-  </p:clrMapOvr>
-  <p:timing>
-    <p:tnLst>
-      <p:par>
-        <p:cTn id="1" dur="indefinite" restart="never" nodeType="tmRoot"/>
-      </p:par>
-    </p:tnLst>
-  </p:timing>
-</p:sld>
-</file>
-
-<file path=ppt/slides/slide7.xml><?xml version="1.0" encoding="utf-8"?>
-<p:sld xmlns:a="http://schemas.openxmlformats.org/drawingml/2006/main" xmlns:r="http://schemas.openxmlformats.org/officeDocument/2006/relationships" xmlns:p="http://schemas.openxmlformats.org/presentationml/2006/main">
-  <p:cSld>
-    <p:spTree>
-      <p:nvGrpSpPr>
-        <p:cNvPr id="1" name=""/>
-        <p:cNvGrpSpPr/>
-        <p:nvPr/>
-      </p:nvGrpSpPr>
-      <p:grpSpPr>
-        <a:xfrm>
-          <a:off x="0" y="0"/>
-          <a:ext cx="0" cy="0"/>
-          <a:chOff x="0" y="0"/>
-          <a:chExt cx="0" cy="0"/>
-        </a:xfrm>
-      </p:grpSpPr>
-      <p:sp>
-        <p:nvSpPr>
-          <p:cNvPr id="2" name="タイトル 1"/>
-          <p:cNvSpPr>
-            <a:spLocks noGrp="1"/>
-          </p:cNvSpPr>
-          <p:nvPr>
-            <p:ph type="title"/>
-          </p:nvPr>
-        </p:nvSpPr>
-        <p:spPr/>
-        <p:txBody>
-          <a:bodyPr>
-            <a:normAutofit/>
-          </a:bodyPr>
-          <a:lstStyle/>
-          <a:p>
-            <a:r>
-              <a:rPr lang="ja-JP" altLang="en-US" sz="4000" dirty="0"/>
-              <a:t>印象による楽曲と動画のマッチング</a:t>
-            </a:r>
-            <a:endParaRPr kumimoji="1" lang="ja-JP" altLang="en-US" sz="4000" dirty="0"/>
-          </a:p>
-        </p:txBody>
-      </p:sp>
-      <p:sp>
-        <p:nvSpPr>
-          <p:cNvPr id="3" name="コンテンツ プレースホルダー 2"/>
-          <p:cNvSpPr>
-            <a:spLocks noGrp="1"/>
-          </p:cNvSpPr>
-          <p:nvPr>
-            <p:ph idx="1"/>
-          </p:nvPr>
-        </p:nvSpPr>
-        <p:spPr>
-          <a:xfrm>
-            <a:off x="314325" y="1847851"/>
-            <a:ext cx="8515350" cy="3228646"/>
-          </a:xfrm>
-        </p:spPr>
-        <p:txBody>
-          <a:bodyPr>
-            <a:normAutofit/>
-          </a:bodyPr>
-          <a:lstStyle/>
-          <a:p>
-            <a:r>
-              <a:rPr lang="ja-JP" altLang="en-US" dirty="0"/>
-              <a:t>楽曲</a:t>
-            </a:r>
-            <a:r>
-              <a:rPr kumimoji="1" lang="ja-JP" altLang="en-US" dirty="0"/>
-              <a:t>と動画を印象によりマッチングする．</a:t>
-            </a:r>
-            <a:r>
-              <a:rPr kumimoji="1" lang="en-US" altLang="ja-JP" dirty="0"/>
-              <a:t>	</a:t>
-            </a:r>
-          </a:p>
-          <a:p>
-            <a:pPr lvl="1"/>
-            <a:r>
-              <a:rPr lang="ja-JP" altLang="en-US" dirty="0"/>
-              <a:t>動画</a:t>
-            </a:r>
-            <a:r>
-              <a:rPr lang="en-US" altLang="ja-JP" dirty="0"/>
-              <a:t>:</a:t>
-            </a:r>
-            <a:r>
-              <a:rPr kumimoji="1" lang="ja-JP" altLang="en-US" dirty="0"/>
-              <a:t>観光地動画</a:t>
-            </a:r>
-            <a:endParaRPr kumimoji="1" lang="en-US" altLang="ja-JP" dirty="0"/>
-          </a:p>
-          <a:p>
-            <a:pPr lvl="1"/>
-            <a:r>
-              <a:rPr lang="ja-JP" altLang="en-US" dirty="0"/>
-              <a:t>楽曲</a:t>
-            </a:r>
-            <a:r>
-              <a:rPr lang="en-US" altLang="ja-JP" dirty="0"/>
-              <a:t>: </a:t>
-            </a:r>
-            <a:r>
-              <a:rPr lang="ja-JP" altLang="en-US" dirty="0"/>
-              <a:t>クラシックや</a:t>
-            </a:r>
-            <a:r>
-              <a:rPr lang="ja-JP" altLang="en-US" dirty="0" smtClean="0"/>
-              <a:t>インストルメンタルなど</a:t>
-            </a:r>
-          </a:p>
-          <a:p>
-            <a:r>
-              <a:rPr lang="ja-JP" altLang="en-US" dirty="0" smtClean="0"/>
-              <a:t>一時的に自分の主観で動画にジャンル分けをし</a:t>
-            </a:r>
-            <a:r>
-              <a:rPr lang="en-US" altLang="ja-JP" dirty="0" smtClean="0"/>
-              <a:t>,</a:t>
-            </a:r>
-            <a:r>
-              <a:rPr lang="ja-JP" altLang="en-US" dirty="0"/>
-              <a:t>ジャンル分け</a:t>
-            </a:r>
-            <a:r>
-              <a:rPr lang="ja-JP" altLang="en-US" dirty="0" smtClean="0"/>
-              <a:t>した音楽とのマッチングをする</a:t>
-            </a:r>
-            <a:r>
-              <a:rPr lang="en-US" altLang="ja-JP" dirty="0" smtClean="0"/>
-              <a:t>.</a:t>
-            </a:r>
-            <a:r>
-              <a:rPr lang="ja-JP" altLang="en-US" dirty="0" smtClean="0"/>
-              <a:t>ある程度完成し次第印象マッチングに挑戦する</a:t>
-            </a:r>
-            <a:r>
-              <a:rPr lang="en-US" altLang="ja-JP" dirty="0" smtClean="0"/>
-              <a:t>.</a:t>
-            </a:r>
-          </a:p>
-        </p:txBody>
-      </p:sp>
-      <p:sp>
-        <p:nvSpPr>
-          <p:cNvPr id="4" name="スライド番号プレースホルダー 3"/>
-          <p:cNvSpPr>
-            <a:spLocks noGrp="1"/>
-          </p:cNvSpPr>
-          <p:nvPr>
-            <p:ph type="sldNum" sz="quarter" idx="12"/>
-          </p:nvPr>
-        </p:nvSpPr>
-        <p:spPr/>
-        <p:txBody>
-          <a:bodyPr/>
-          <a:lstStyle/>
-          <a:p>
-            <a:fld id="{B4451160-128F-4DAD-AE29-4A8CC0E7B9E9}" type="slidenum">
-              <a:rPr kumimoji="1" lang="ja-JP" altLang="en-US" smtClean="0"/>
-              <a:t>7</a:t>
-            </a:fld>
-            <a:endParaRPr kumimoji="1" lang="ja-JP" altLang="en-US"/>
-          </a:p>
-        </p:txBody>
-      </p:sp>
-    </p:spTree>
-    <p:extLst>
-      <p:ext uri="{BB962C8B-B14F-4D97-AF65-F5344CB8AC3E}">
-        <p14:creationId xmlns:p14="http://schemas.microsoft.com/office/powerpoint/2010/main" val="1923407823"/>
-      </p:ext>
-    </p:extLst>
-  </p:cSld>
-  <p:clrMapOvr>
-    <a:masterClrMapping/>
-  </p:clrMapOvr>
-  <p:timing>
-    <p:tnLst>
-      <p:par>
-        <p:cTn id="1" dur="indefinite" restart="never" nodeType="tmRoot"/>
-      </p:par>
-    </p:tnLst>
-  </p:timing>
-</p:sld>
-</file>
-
-<file path=ppt/slides/slide8.xml><?xml version="1.0" encoding="utf-8"?>
-<p:sld xmlns:a="http://schemas.openxmlformats.org/drawingml/2006/main" xmlns:r="http://schemas.openxmlformats.org/officeDocument/2006/relationships" xmlns:p="http://schemas.openxmlformats.org/presentationml/2006/main">
-  <p:cSld>
-    <p:spTree>
-      <p:nvGrpSpPr>
-        <p:cNvPr id="1" name=""/>
-        <p:cNvGrpSpPr/>
-        <p:nvPr/>
-      </p:nvGrpSpPr>
-      <p:grpSpPr>
-        <a:xfrm>
-          <a:off x="0" y="0"/>
-          <a:ext cx="0" cy="0"/>
-          <a:chOff x="0" y="0"/>
-          <a:chExt cx="0" cy="0"/>
-        </a:xfrm>
-      </p:grpSpPr>
-      <p:sp>
-        <p:nvSpPr>
-          <p:cNvPr id="2" name="タイトル 1"/>
-          <p:cNvSpPr>
-            <a:spLocks noGrp="1"/>
-          </p:cNvSpPr>
-          <p:nvPr>
-            <p:ph type="title"/>
-          </p:nvPr>
-        </p:nvSpPr>
-        <p:spPr/>
-        <p:txBody>
-          <a:bodyPr/>
-          <a:lstStyle/>
-          <a:p>
-            <a:r>
-              <a:rPr kumimoji="1" lang="ja-JP" altLang="en-US" dirty="0" smtClean="0"/>
-              <a:t>前期までの進捗</a:t>
-            </a:r>
-            <a:endParaRPr kumimoji="1" lang="ja-JP" altLang="en-US" dirty="0"/>
-          </a:p>
-        </p:txBody>
-      </p:sp>
-      <p:sp>
-        <p:nvSpPr>
-          <p:cNvPr id="3" name="コンテンツ プレースホルダー 2"/>
-          <p:cNvSpPr>
-            <a:spLocks noGrp="1"/>
-          </p:cNvSpPr>
-          <p:nvPr>
-            <p:ph idx="1"/>
-          </p:nvPr>
-        </p:nvSpPr>
-        <p:spPr/>
-        <p:txBody>
-          <a:bodyPr/>
-          <a:lstStyle/>
-          <a:p>
-            <a:r>
-              <a:rPr lang="ja-JP" altLang="en-US" dirty="0"/>
-              <a:t>楽曲</a:t>
-            </a:r>
-            <a:r>
-              <a:rPr kumimoji="1" lang="ja-JP" altLang="en-US" dirty="0"/>
-              <a:t>データを横軸に時間</a:t>
-            </a:r>
-            <a:r>
-              <a:rPr lang="ja-JP" altLang="en-US" dirty="0"/>
-              <a:t>，</a:t>
-            </a:r>
-            <a:r>
-              <a:rPr kumimoji="1" lang="ja-JP" altLang="en-US" dirty="0"/>
-              <a:t>縦軸に周波数を表した</a:t>
-            </a:r>
-            <a:r>
-              <a:rPr lang="en-US" altLang="ja-JP" dirty="0"/>
-              <a:t/>
-            </a:r>
-            <a:br>
-              <a:rPr lang="en-US" altLang="ja-JP" dirty="0"/>
-            </a:br>
-            <a:r>
-              <a:rPr kumimoji="1" lang="ja-JP" altLang="en-US" dirty="0"/>
-              <a:t>スペクトログラム</a:t>
-            </a:r>
-            <a:r>
-              <a:rPr lang="ja-JP" altLang="en-US" dirty="0"/>
-              <a:t>に</a:t>
-            </a:r>
-            <a:r>
-              <a:rPr kumimoji="1" lang="ja-JP" altLang="en-US" dirty="0"/>
-              <a:t>するプログラムの作成をした．</a:t>
-            </a:r>
-            <a:endParaRPr kumimoji="1" lang="en-US" altLang="ja-JP" dirty="0"/>
-          </a:p>
-          <a:p>
-            <a:r>
-              <a:rPr lang="ja-JP" altLang="en-US" dirty="0"/>
-              <a:t>深層学習</a:t>
-            </a:r>
-            <a:r>
-              <a:rPr lang="en-US" altLang="ja-JP" dirty="0"/>
-              <a:t>(Convolutional Neural Network)</a:t>
-            </a:r>
-            <a:r>
-              <a:rPr lang="ja-JP" altLang="en-US" dirty="0"/>
-              <a:t>で，印象の学習を行う予定である．</a:t>
-            </a:r>
-            <a:endParaRPr kumimoji="1" lang="ja-JP" altLang="en-US" dirty="0"/>
-          </a:p>
-        </p:txBody>
-      </p:sp>
-      <p:sp>
-        <p:nvSpPr>
-          <p:cNvPr id="4" name="スライド番号プレースホルダー 3"/>
-          <p:cNvSpPr>
-            <a:spLocks noGrp="1"/>
-          </p:cNvSpPr>
-          <p:nvPr>
-            <p:ph type="sldNum" sz="quarter" idx="12"/>
-          </p:nvPr>
-        </p:nvSpPr>
-        <p:spPr/>
-        <p:txBody>
-          <a:bodyPr/>
-          <a:lstStyle/>
-          <a:p>
-            <a:fld id="{B4451160-128F-4DAD-AE29-4A8CC0E7B9E9}" type="slidenum">
-              <a:rPr lang="ja-JP" altLang="en-US" smtClean="0"/>
-              <a:pPr/>
-              <a:t>8</a:t>
-            </a:fld>
-            <a:endParaRPr lang="ja-JP" altLang="en-US" dirty="0"/>
-          </a:p>
-        </p:txBody>
-      </p:sp>
-      <p:pic>
-        <p:nvPicPr>
-          <p:cNvPr id="6" name="図 5"/>
-          <p:cNvPicPr>
-            <a:picLocks noChangeAspect="1"/>
-          </p:cNvPicPr>
-          <p:nvPr/>
-        </p:nvPicPr>
-        <p:blipFill>
-          <a:blip r:embed="rId2">
-            <a:extLst>
-              <a:ext uri="{28A0092B-C50C-407E-A947-70E740481C1C}">
-                <a14:useLocalDpi xmlns:a14="http://schemas.microsoft.com/office/drawing/2010/main" val="0"/>
-              </a:ext>
-            </a:extLst>
-          </a:blip>
-          <a:stretch>
-            <a:fillRect/>
-          </a:stretch>
-        </p:blipFill>
-        <p:spPr>
-          <a:xfrm>
-            <a:off x="628650" y="3735002"/>
-            <a:ext cx="7324760" cy="2621349"/>
-          </a:xfrm>
-          <a:prstGeom prst="rect">
-            <a:avLst/>
-          </a:prstGeom>
-        </p:spPr>
-      </p:pic>
-    </p:spTree>
-    <p:extLst>
-      <p:ext uri="{BB962C8B-B14F-4D97-AF65-F5344CB8AC3E}">
-        <p14:creationId xmlns:p14="http://schemas.microsoft.com/office/powerpoint/2010/main" val="3872963283"/>
       </p:ext>
     </p:extLst>
   </p:cSld>
@@ -7361,166 +7088,118 @@
         </p:nvSpPr>
         <p:spPr/>
         <p:txBody>
-          <a:bodyPr/>
-          <a:lstStyle/>
-          <a:p>
-            <a:r>
-              <a:rPr lang="ja-JP" altLang="en-US" dirty="0"/>
-              <a:t>今週</a:t>
-            </a:r>
-            <a:r>
-              <a:rPr lang="ja-JP" altLang="en-US" dirty="0" smtClean="0"/>
-              <a:t>の進捗</a:t>
-            </a:r>
-            <a:endParaRPr kumimoji="1" lang="ja-JP" altLang="en-US" dirty="0"/>
-          </a:p>
-        </p:txBody>
-      </p:sp>
-      <p:sp>
-        <p:nvSpPr>
-          <p:cNvPr id="3" name="コンテンツ プレースホルダー 2"/>
-          <p:cNvSpPr>
-            <a:spLocks noGrp="1"/>
-          </p:cNvSpPr>
-          <p:nvPr>
-            <p:ph idx="1"/>
-          </p:nvPr>
-        </p:nvSpPr>
-        <p:spPr>
-          <a:xfrm>
-            <a:off x="628650" y="1463040"/>
-            <a:ext cx="7886700" cy="4643562"/>
-          </a:xfrm>
-        </p:spPr>
-        <p:txBody>
           <a:bodyPr>
             <a:normAutofit/>
           </a:bodyPr>
           <a:lstStyle/>
           <a:p>
-            <a:pPr marL="0" indent="0">
-              <a:buNone/>
-            </a:pPr>
+            <a:r>
+              <a:rPr lang="ja-JP" altLang="en-US" sz="4000" dirty="0"/>
+              <a:t>印象による楽曲と動画のマッチング</a:t>
+            </a:r>
+            <a:endParaRPr kumimoji="1" lang="ja-JP" altLang="en-US" sz="4000" dirty="0"/>
+          </a:p>
+        </p:txBody>
+      </p:sp>
+      <p:sp>
+        <p:nvSpPr>
+          <p:cNvPr id="3" name="コンテンツ プレースホルダー 2"/>
+          <p:cNvSpPr>
+            <a:spLocks noGrp="1"/>
+          </p:cNvSpPr>
+          <p:nvPr>
+            <p:ph idx="1"/>
+          </p:nvPr>
+        </p:nvSpPr>
+        <p:spPr>
+          <a:xfrm>
+            <a:off x="314325" y="1847851"/>
+            <a:ext cx="8515350" cy="3228646"/>
+          </a:xfrm>
+        </p:spPr>
+        <p:txBody>
+          <a:bodyPr>
+            <a:normAutofit/>
+          </a:bodyPr>
+          <a:lstStyle/>
+          <a:p>
+            <a:r>
+              <a:rPr lang="ja-JP" altLang="en-US" dirty="0"/>
+              <a:t>楽曲</a:t>
+            </a:r>
+            <a:r>
+              <a:rPr kumimoji="1" lang="ja-JP" altLang="en-US" dirty="0"/>
+              <a:t>と動画を印象によりマッチングする．</a:t>
+            </a:r>
+            <a:r>
+              <a:rPr kumimoji="1" lang="en-US" altLang="ja-JP" dirty="0"/>
+              <a:t>	</a:t>
+            </a:r>
+          </a:p>
+          <a:p>
+            <a:pPr lvl="1"/>
+            <a:r>
+              <a:rPr lang="ja-JP" altLang="en-US" dirty="0"/>
+              <a:t>動画</a:t>
+            </a:r>
+            <a:r>
+              <a:rPr lang="en-US" altLang="ja-JP" dirty="0"/>
+              <a:t>:</a:t>
+            </a:r>
+            <a:r>
+              <a:rPr kumimoji="1" lang="ja-JP" altLang="en-US" dirty="0"/>
+              <a:t>観光地動画</a:t>
+            </a:r>
+            <a:endParaRPr kumimoji="1" lang="en-US" altLang="ja-JP" dirty="0"/>
+          </a:p>
+          <a:p>
+            <a:pPr lvl="1"/>
+            <a:r>
+              <a:rPr lang="ja-JP" altLang="en-US" dirty="0"/>
+              <a:t>楽曲</a:t>
+            </a:r>
+            <a:r>
+              <a:rPr lang="en-US" altLang="ja-JP" dirty="0"/>
+              <a:t>: </a:t>
+            </a:r>
+            <a:r>
+              <a:rPr lang="ja-JP" altLang="en-US" dirty="0"/>
+              <a:t>クラシックや</a:t>
+            </a:r>
             <a:r>
               <a:rPr lang="ja-JP" altLang="en-US" dirty="0" smtClean="0"/>
-              <a:t>・</a:t>
-            </a:r>
-            <a:r>
-              <a:rPr lang="en-US" altLang="ja-JP" dirty="0" err="1" smtClean="0"/>
-              <a:t>raspberrypi</a:t>
-            </a:r>
-            <a:r>
-              <a:rPr lang="ja-JP" altLang="en-US" dirty="0" smtClean="0"/>
-              <a:t>に</a:t>
-            </a:r>
-            <a:r>
-              <a:rPr lang="en-US" altLang="ja-JP" dirty="0" err="1" smtClean="0"/>
-              <a:t>github</a:t>
-            </a:r>
-            <a:r>
-              <a:rPr lang="ja-JP" altLang="en-US" dirty="0" smtClean="0"/>
-              <a:t>からクローンしてディレクトリを作成</a:t>
-            </a:r>
-            <a:endParaRPr kumimoji="1" lang="en-US" altLang="ja-JP" dirty="0" smtClean="0"/>
-          </a:p>
-          <a:p>
-            <a:pPr marL="0" indent="0">
-              <a:buNone/>
-            </a:pPr>
-            <a:endParaRPr lang="en-US" altLang="ja-JP" dirty="0"/>
-          </a:p>
-          <a:p>
-            <a:pPr marL="0" indent="0">
-              <a:buNone/>
-            </a:pPr>
-            <a:r>
-              <a:rPr kumimoji="1" lang="ja-JP" altLang="en-US" dirty="0" smtClean="0"/>
-              <a:t>・ジュピターノートブックで作成したプログラムを</a:t>
-            </a:r>
-            <a:r>
-              <a:rPr kumimoji="1" lang="en-US" altLang="ja-JP" dirty="0" smtClean="0"/>
-              <a:t>raspberry pi</a:t>
-            </a:r>
-            <a:r>
-              <a:rPr kumimoji="1" lang="ja-JP" altLang="en-US" dirty="0" smtClean="0"/>
-              <a:t>で動作するかの確認</a:t>
-            </a:r>
-            <a:endParaRPr kumimoji="1" lang="en-US" altLang="ja-JP" dirty="0" smtClean="0"/>
-          </a:p>
-          <a:p>
-            <a:pPr marL="0" indent="0">
-              <a:buNone/>
-            </a:pPr>
-            <a:r>
-              <a:rPr lang="ja-JP" altLang="en-US" dirty="0" smtClean="0"/>
-              <a:t>→パッケージのインストールでエラーがいくつか</a:t>
-            </a:r>
-            <a:endParaRPr kumimoji="1" lang="en-US" altLang="ja-JP" dirty="0" smtClean="0"/>
-          </a:p>
-          <a:p>
-            <a:pPr marL="0" indent="0">
-              <a:buNone/>
-            </a:pPr>
-            <a:endParaRPr kumimoji="1" lang="en-US" altLang="ja-JP" dirty="0" smtClean="0"/>
-          </a:p>
-          <a:p>
-            <a:pPr marL="0" indent="0">
-              <a:buNone/>
-            </a:pPr>
-            <a:r>
-              <a:rPr lang="ja-JP" altLang="en-US" dirty="0" smtClean="0"/>
-              <a:t>・</a:t>
-            </a:r>
-            <a:r>
-              <a:rPr lang="en-US" altLang="ja-JP" dirty="0" smtClean="0"/>
-              <a:t>heatmap.py</a:t>
-            </a:r>
-            <a:r>
-              <a:rPr lang="ja-JP" altLang="en-US" dirty="0" smtClean="0"/>
-              <a:t>と</a:t>
-            </a:r>
-            <a:r>
-              <a:rPr lang="en-US" altLang="ja-JP" dirty="0" smtClean="0"/>
-              <a:t>Categorize.py</a:t>
-            </a:r>
-            <a:r>
-              <a:rPr lang="ja-JP" altLang="en-US" dirty="0" smtClean="0"/>
-              <a:t>のディレクトリに関するソースコードの変更</a:t>
-            </a:r>
-            <a:r>
-              <a:rPr lang="en-US" altLang="ja-JP" dirty="0" smtClean="0"/>
+              <a:t>インストルメンタルなど</a:t>
+            </a:r>
+          </a:p>
+          <a:p>
+            <a:r>
+              <a:rPr lang="ja-JP" altLang="en-US" strike="sngStrike" dirty="0" smtClean="0"/>
+              <a:t>一時的に自分の主観で動画にジャンル分けをし</a:t>
+            </a:r>
+            <a:r>
+              <a:rPr lang="en-US" altLang="ja-JP" strike="sngStrike" dirty="0" smtClean="0"/>
+              <a:t>,</a:t>
+            </a:r>
+            <a:r>
+              <a:rPr lang="ja-JP" altLang="en-US" strike="sngStrike" dirty="0"/>
+              <a:t>ジャンル分け</a:t>
+            </a:r>
+            <a:r>
+              <a:rPr lang="ja-JP" altLang="en-US" strike="sngStrike" dirty="0" smtClean="0"/>
+              <a:t>した音楽とのマッチングをする</a:t>
+            </a:r>
+            <a:r>
+              <a:rPr lang="en-US" altLang="ja-JP" strike="sngStrike" dirty="0" smtClean="0"/>
               <a:t>.</a:t>
             </a:r>
-          </a:p>
-          <a:p>
-            <a:pPr marL="0" indent="0">
-              <a:buNone/>
-            </a:pPr>
-            <a:endParaRPr lang="en-US" altLang="ja-JP" dirty="0"/>
-          </a:p>
-          <a:p>
-            <a:pPr marL="0" indent="0">
-              <a:buNone/>
-            </a:pPr>
-            <a:endParaRPr lang="en-US" altLang="ja-JP" dirty="0" smtClean="0"/>
-          </a:p>
-          <a:p>
-            <a:pPr marL="0" indent="0">
-              <a:buNone/>
-            </a:pPr>
-            <a:endParaRPr kumimoji="1" lang="en-US" altLang="ja-JP" dirty="0"/>
-          </a:p>
-          <a:p>
-            <a:pPr marL="0" indent="0">
-              <a:buNone/>
-            </a:pPr>
-            <a:endParaRPr kumimoji="1" lang="en-US" altLang="ja-JP" dirty="0" smtClean="0"/>
-          </a:p>
-          <a:p>
-            <a:pPr marL="0" indent="0">
-              <a:buNone/>
-            </a:pPr>
-            <a:endParaRPr kumimoji="1" lang="ja-JP" altLang="en-US" dirty="0"/>
+            <a:r>
+              <a:rPr lang="ja-JP" altLang="en-US" strike="sngStrike" dirty="0" smtClean="0"/>
+              <a:t>ある程度完成し次第印象マッチングに挑戦する</a:t>
+            </a:r>
+            <a:r>
+              <a:rPr lang="en-US" altLang="ja-JP" strike="sngStrike" dirty="0" smtClean="0"/>
+              <a:t>.</a:t>
+            </a:r>
           </a:p>
         </p:txBody>
       </p:sp>
@@ -7540,18 +7219,17 @@
           <a:lstStyle/>
           <a:p>
             <a:fld id="{B4451160-128F-4DAD-AE29-4A8CC0E7B9E9}" type="slidenum">
-              <a:rPr lang="ja-JP" altLang="en-US" smtClean="0"/>
-              <a:pPr/>
+              <a:rPr kumimoji="1" lang="ja-JP" altLang="en-US" smtClean="0"/>
               <a:t>9</a:t>
             </a:fld>
-            <a:endParaRPr lang="ja-JP" altLang="en-US" dirty="0"/>
+            <a:endParaRPr kumimoji="1" lang="ja-JP" altLang="en-US"/>
           </a:p>
         </p:txBody>
       </p:sp>
     </p:spTree>
     <p:extLst>
       <p:ext uri="{BB962C8B-B14F-4D97-AF65-F5344CB8AC3E}">
-        <p14:creationId xmlns:p14="http://schemas.microsoft.com/office/powerpoint/2010/main" val="2020481824"/>
+        <p14:creationId xmlns:p14="http://schemas.microsoft.com/office/powerpoint/2010/main" val="1923407823"/>
       </p:ext>
     </p:extLst>
   </p:cSld>

--- a/発表用スライド/1821144_yoshii_thesis_ver2.pptx
+++ b/発表用スライド/1821144_yoshii_thesis_ver2.pptx
@@ -5,7 +5,7 @@
     <p:sldMasterId id="2147483660" r:id="rId1"/>
   </p:sldMasterIdLst>
   <p:notesMasterIdLst>
-    <p:notesMasterId r:id="rId12"/>
+    <p:notesMasterId r:id="rId13"/>
   </p:notesMasterIdLst>
   <p:sldIdLst>
     <p:sldId id="270" r:id="rId2"/>
@@ -16,8 +16,9 @@
     <p:sldId id="273" r:id="rId7"/>
     <p:sldId id="274" r:id="rId8"/>
     <p:sldId id="262" r:id="rId9"/>
-    <p:sldId id="259" r:id="rId10"/>
-    <p:sldId id="265" r:id="rId11"/>
+    <p:sldId id="275" r:id="rId10"/>
+    <p:sldId id="259" r:id="rId11"/>
+    <p:sldId id="265" r:id="rId12"/>
   </p:sldIdLst>
   <p:sldSz cx="9144000" cy="6858000" type="screen4x3"/>
   <p:notesSz cx="6858000" cy="9144000"/>
@@ -235,7 +236,7 @@
           <a:p>
             <a:fld id="{27571B5F-C8EC-4379-AD76-80FD414F3861}" type="datetimeFigureOut">
               <a:rPr kumimoji="1" lang="ja-JP" altLang="en-US" smtClean="0"/>
-              <a:t>2021/11/1</a:t>
+              <a:t>2021/11/10</a:t>
             </a:fld>
             <a:endParaRPr kumimoji="1" lang="ja-JP" altLang="en-US"/>
           </a:p>
@@ -534,6 +535,90 @@
 </p:notesMaster>
 </file>
 
+<file path=ppt/notesSlides/notesSlide1.xml><?xml version="1.0" encoding="utf-8"?>
+<p:notes xmlns:a="http://schemas.openxmlformats.org/drawingml/2006/main" xmlns:r="http://schemas.openxmlformats.org/officeDocument/2006/relationships" xmlns:p="http://schemas.openxmlformats.org/presentationml/2006/main">
+  <p:cSld>
+    <p:spTree>
+      <p:nvGrpSpPr>
+        <p:cNvPr id="1" name=""/>
+        <p:cNvGrpSpPr/>
+        <p:nvPr/>
+      </p:nvGrpSpPr>
+      <p:grpSpPr>
+        <a:xfrm>
+          <a:off x="0" y="0"/>
+          <a:ext cx="0" cy="0"/>
+          <a:chOff x="0" y="0"/>
+          <a:chExt cx="0" cy="0"/>
+        </a:xfrm>
+      </p:grpSpPr>
+      <p:sp>
+        <p:nvSpPr>
+          <p:cNvPr id="2" name="スライド イメージ プレースホルダー 1"/>
+          <p:cNvSpPr>
+            <a:spLocks noGrp="1" noRot="1" noChangeAspect="1"/>
+          </p:cNvSpPr>
+          <p:nvPr>
+            <p:ph type="sldImg"/>
+          </p:nvPr>
+        </p:nvSpPr>
+        <p:spPr/>
+      </p:sp>
+      <p:sp>
+        <p:nvSpPr>
+          <p:cNvPr id="3" name="ノート プレースホルダー 2"/>
+          <p:cNvSpPr>
+            <a:spLocks noGrp="1"/>
+          </p:cNvSpPr>
+          <p:nvPr>
+            <p:ph type="body" idx="1"/>
+          </p:nvPr>
+        </p:nvSpPr>
+        <p:spPr/>
+        <p:txBody>
+          <a:bodyPr/>
+          <a:lstStyle/>
+          <a:p>
+            <a:endParaRPr kumimoji="1" lang="ja-JP" altLang="en-US" dirty="0"/>
+          </a:p>
+        </p:txBody>
+      </p:sp>
+      <p:sp>
+        <p:nvSpPr>
+          <p:cNvPr id="4" name="スライド番号プレースホルダー 3"/>
+          <p:cNvSpPr>
+            <a:spLocks noGrp="1"/>
+          </p:cNvSpPr>
+          <p:nvPr>
+            <p:ph type="sldNum" sz="quarter" idx="10"/>
+          </p:nvPr>
+        </p:nvSpPr>
+        <p:spPr/>
+        <p:txBody>
+          <a:bodyPr/>
+          <a:lstStyle/>
+          <a:p>
+            <a:fld id="{9D828324-DCC9-430F-AD2C-1DD1805E2C40}" type="slidenum">
+              <a:rPr kumimoji="1" lang="ja-JP" altLang="en-US" smtClean="0"/>
+              <a:t>10</a:t>
+            </a:fld>
+            <a:endParaRPr kumimoji="1" lang="ja-JP" altLang="en-US"/>
+          </a:p>
+        </p:txBody>
+      </p:sp>
+    </p:spTree>
+    <p:extLst>
+      <p:ext uri="{BB962C8B-B14F-4D97-AF65-F5344CB8AC3E}">
+        <p14:creationId xmlns:p14="http://schemas.microsoft.com/office/powerpoint/2010/main" val="836512062"/>
+      </p:ext>
+    </p:extLst>
+  </p:cSld>
+  <p:clrMapOvr>
+    <a:masterClrMapping/>
+  </p:clrMapOvr>
+</p:notes>
+</file>
+
 <file path=ppt/slideLayouts/slideLayout1.xml><?xml version="1.0" encoding="utf-8"?>
 <p:sldLayout xmlns:a="http://schemas.openxmlformats.org/drawingml/2006/main" xmlns:r="http://schemas.openxmlformats.org/officeDocument/2006/relationships" xmlns:p="http://schemas.openxmlformats.org/presentationml/2006/main" type="title" preserve="1">
   <p:cSld name="タイトル スライド">
@@ -665,7 +750,7 @@
           <a:p>
             <a:fld id="{22C6F9C5-C6AA-409B-AF03-98D7346F1423}" type="datetime1">
               <a:rPr kumimoji="1" lang="ja-JP" altLang="en-US" smtClean="0"/>
-              <a:t>2021/11/1</a:t>
+              <a:t>2021/11/10</a:t>
             </a:fld>
             <a:endParaRPr kumimoji="1" lang="ja-JP" altLang="en-US"/>
           </a:p>
@@ -868,7 +953,7 @@
           <a:p>
             <a:fld id="{22E0F957-B7A6-49B1-8F7C-E83B3F2002DA}" type="datetime1">
               <a:rPr kumimoji="1" lang="ja-JP" altLang="en-US" smtClean="0"/>
-              <a:t>2021/11/1</a:t>
+              <a:t>2021/11/10</a:t>
             </a:fld>
             <a:endParaRPr kumimoji="1" lang="ja-JP" altLang="en-US"/>
           </a:p>
@@ -1081,7 +1166,7 @@
           <a:p>
             <a:fld id="{DE6F7DB3-2648-413C-8B2E-93728F539CCD}" type="datetime1">
               <a:rPr kumimoji="1" lang="ja-JP" altLang="en-US" smtClean="0"/>
-              <a:t>2021/11/1</a:t>
+              <a:t>2021/11/10</a:t>
             </a:fld>
             <a:endParaRPr kumimoji="1" lang="ja-JP" altLang="en-US"/>
           </a:p>
@@ -1284,7 +1369,7 @@
           <a:p>
             <a:fld id="{A2D1DE2A-14E7-4A39-B37E-D38A93E354FC}" type="datetime1">
               <a:rPr kumimoji="1" lang="ja-JP" altLang="en-US" smtClean="0"/>
-              <a:t>2021/11/1</a:t>
+              <a:t>2021/11/10</a:t>
             </a:fld>
             <a:endParaRPr kumimoji="1" lang="ja-JP" altLang="en-US"/>
           </a:p>
@@ -1533,7 +1618,7 @@
           <a:p>
             <a:fld id="{991EEB29-6570-4D17-BF07-A0C0B34BA0FB}" type="datetime1">
               <a:rPr kumimoji="1" lang="ja-JP" altLang="en-US" smtClean="0"/>
-              <a:t>2021/11/1</a:t>
+              <a:t>2021/11/10</a:t>
             </a:fld>
             <a:endParaRPr kumimoji="1" lang="ja-JP" altLang="en-US"/>
           </a:p>
@@ -1830,7 +1915,7 @@
           <a:p>
             <a:fld id="{892B6420-66A4-43C3-BA46-EBDFB60516F0}" type="datetime1">
               <a:rPr kumimoji="1" lang="ja-JP" altLang="en-US" smtClean="0"/>
-              <a:t>2021/11/1</a:t>
+              <a:t>2021/11/10</a:t>
             </a:fld>
             <a:endParaRPr kumimoji="1" lang="ja-JP" altLang="en-US"/>
           </a:p>
@@ -2262,7 +2347,7 @@
           <a:p>
             <a:fld id="{5BE63C90-8833-49EB-8DFB-3A87587C56DF}" type="datetime1">
               <a:rPr kumimoji="1" lang="ja-JP" altLang="en-US" smtClean="0"/>
-              <a:t>2021/11/1</a:t>
+              <a:t>2021/11/10</a:t>
             </a:fld>
             <a:endParaRPr kumimoji="1" lang="ja-JP" altLang="en-US"/>
           </a:p>
@@ -2381,7 +2466,7 @@
           <a:p>
             <a:fld id="{FDB7B118-9258-4B93-98B1-2227223B18EF}" type="datetime1">
               <a:rPr kumimoji="1" lang="ja-JP" altLang="en-US" smtClean="0"/>
-              <a:t>2021/11/1</a:t>
+              <a:t>2021/11/10</a:t>
             </a:fld>
             <a:endParaRPr kumimoji="1" lang="ja-JP" altLang="en-US"/>
           </a:p>
@@ -2477,7 +2562,7 @@
           <a:p>
             <a:fld id="{9C334A37-8FFC-49D6-A0F3-FC06101E023C}" type="datetime1">
               <a:rPr kumimoji="1" lang="ja-JP" altLang="en-US" smtClean="0"/>
-              <a:t>2021/11/1</a:t>
+              <a:t>2021/11/10</a:t>
             </a:fld>
             <a:endParaRPr kumimoji="1" lang="ja-JP" altLang="en-US"/>
           </a:p>
@@ -2787,7 +2872,7 @@
           <a:p>
             <a:fld id="{0FAD949F-32A5-4343-9078-C3A89D3064D3}" type="datetime1">
               <a:rPr kumimoji="1" lang="ja-JP" altLang="en-US" smtClean="0"/>
-              <a:t>2021/11/1</a:t>
+              <a:t>2021/11/10</a:t>
             </a:fld>
             <a:endParaRPr kumimoji="1" lang="ja-JP" altLang="en-US"/>
           </a:p>
@@ -3045,7 +3130,7 @@
           <a:p>
             <a:fld id="{58C4534D-9999-497B-9C6B-5769B1D800E5}" type="datetime1">
               <a:rPr kumimoji="1" lang="ja-JP" altLang="en-US" smtClean="0"/>
-              <a:t>2021/11/1</a:t>
+              <a:t>2021/11/10</a:t>
             </a:fld>
             <a:endParaRPr kumimoji="1" lang="ja-JP" altLang="en-US"/>
           </a:p>
@@ -3291,7 +3376,7 @@
           <a:p>
             <a:fld id="{D73E1257-0E7D-4620-84B9-7FC7BB2FC946}" type="datetime1">
               <a:rPr kumimoji="1" lang="ja-JP" altLang="en-US" smtClean="0"/>
-              <a:t>2021/11/1</a:t>
+              <a:t>2021/11/10</a:t>
             </a:fld>
             <a:endParaRPr kumimoji="1" lang="ja-JP" altLang="en-US"/>
           </a:p>
@@ -3845,6 +3930,246 @@
         </p:nvSpPr>
         <p:spPr/>
         <p:txBody>
+          <a:bodyPr>
+            <a:normAutofit/>
+          </a:bodyPr>
+          <a:lstStyle/>
+          <a:p>
+            <a:r>
+              <a:rPr lang="ja-JP" altLang="en-US" sz="4000" dirty="0"/>
+              <a:t>ジャンル</a:t>
+            </a:r>
+            <a:r>
+              <a:rPr lang="ja-JP" altLang="en-US" sz="4000" dirty="0" smtClean="0"/>
+              <a:t>に</a:t>
+            </a:r>
+            <a:r>
+              <a:rPr lang="ja-JP" altLang="en-US" sz="4000" dirty="0"/>
+              <a:t>よる楽曲と動画のマッチング</a:t>
+            </a:r>
+            <a:endParaRPr kumimoji="1" lang="ja-JP" altLang="en-US" sz="4000" dirty="0"/>
+          </a:p>
+        </p:txBody>
+      </p:sp>
+      <p:sp>
+        <p:nvSpPr>
+          <p:cNvPr id="3" name="コンテンツ プレースホルダー 2"/>
+          <p:cNvSpPr>
+            <a:spLocks noGrp="1"/>
+          </p:cNvSpPr>
+          <p:nvPr>
+            <p:ph idx="1"/>
+          </p:nvPr>
+        </p:nvSpPr>
+        <p:spPr>
+          <a:xfrm>
+            <a:off x="314325" y="1847851"/>
+            <a:ext cx="8515350" cy="3228646"/>
+          </a:xfrm>
+        </p:spPr>
+        <p:txBody>
+          <a:bodyPr>
+            <a:normAutofit fontScale="92500" lnSpcReduction="20000"/>
+          </a:bodyPr>
+          <a:lstStyle/>
+          <a:p>
+            <a:r>
+              <a:rPr lang="ja-JP" altLang="en-US" dirty="0"/>
+              <a:t>楽曲</a:t>
+            </a:r>
+            <a:r>
+              <a:rPr kumimoji="1" lang="ja-JP" altLang="en-US" dirty="0"/>
+              <a:t>と動画</a:t>
+            </a:r>
+            <a:r>
+              <a:rPr kumimoji="1" lang="ja-JP" altLang="en-US" dirty="0" smtClean="0"/>
+              <a:t>を</a:t>
+            </a:r>
+            <a:r>
+              <a:rPr lang="ja-JP" altLang="en-US" dirty="0"/>
+              <a:t>ジャンル</a:t>
+            </a:r>
+            <a:r>
+              <a:rPr kumimoji="1" lang="ja-JP" altLang="en-US" dirty="0" smtClean="0"/>
+              <a:t>に</a:t>
+            </a:r>
+            <a:r>
+              <a:rPr kumimoji="1" lang="ja-JP" altLang="en-US" dirty="0"/>
+              <a:t>よりマッチングする．</a:t>
+            </a:r>
+            <a:r>
+              <a:rPr kumimoji="1" lang="en-US" altLang="ja-JP" dirty="0"/>
+              <a:t>	</a:t>
+            </a:r>
+          </a:p>
+          <a:p>
+            <a:pPr lvl="1"/>
+            <a:r>
+              <a:rPr lang="ja-JP" altLang="en-US" dirty="0"/>
+              <a:t>動画</a:t>
+            </a:r>
+            <a:r>
+              <a:rPr lang="en-US" altLang="ja-JP" dirty="0"/>
+              <a:t>:</a:t>
+            </a:r>
+            <a:r>
+              <a:rPr kumimoji="1" lang="ja-JP" altLang="en-US" dirty="0"/>
+              <a:t>観光地動画</a:t>
+            </a:r>
+            <a:endParaRPr kumimoji="1" lang="en-US" altLang="ja-JP" dirty="0"/>
+          </a:p>
+          <a:p>
+            <a:pPr lvl="1"/>
+            <a:r>
+              <a:rPr lang="ja-JP" altLang="en-US" dirty="0"/>
+              <a:t>楽曲</a:t>
+            </a:r>
+            <a:r>
+              <a:rPr lang="en-US" altLang="ja-JP" dirty="0"/>
+              <a:t>: </a:t>
+            </a:r>
+            <a:r>
+              <a:rPr lang="ja-JP" altLang="en-US" dirty="0"/>
+              <a:t>クラシックや</a:t>
+            </a:r>
+            <a:r>
+              <a:rPr lang="ja-JP" altLang="en-US" dirty="0" smtClean="0"/>
+              <a:t>インストルメンタルなど</a:t>
+            </a:r>
+          </a:p>
+          <a:p>
+            <a:r>
+              <a:rPr lang="ja-JP" altLang="en-US" strike="sngStrike" dirty="0" smtClean="0"/>
+              <a:t>一時的に自分の主観で動画にジャンル分けをし</a:t>
+            </a:r>
+            <a:r>
+              <a:rPr lang="en-US" altLang="ja-JP" strike="sngStrike" dirty="0" smtClean="0"/>
+              <a:t>,</a:t>
+            </a:r>
+            <a:r>
+              <a:rPr lang="ja-JP" altLang="en-US" strike="sngStrike" dirty="0"/>
+              <a:t>ジャンル分け</a:t>
+            </a:r>
+            <a:r>
+              <a:rPr lang="ja-JP" altLang="en-US" strike="sngStrike" dirty="0" smtClean="0"/>
+              <a:t>した音楽とのマッチングをする</a:t>
+            </a:r>
+            <a:r>
+              <a:rPr lang="en-US" altLang="ja-JP" strike="sngStrike" dirty="0" smtClean="0"/>
+              <a:t>.</a:t>
+            </a:r>
+            <a:r>
+              <a:rPr lang="ja-JP" altLang="en-US" strike="sngStrike" dirty="0" smtClean="0"/>
+              <a:t>ある程度完成し次第印象マッチングに挑戦する</a:t>
+            </a:r>
+            <a:r>
+              <a:rPr lang="en-US" altLang="ja-JP" strike="sngStrike" dirty="0" smtClean="0"/>
+              <a:t>.</a:t>
+            </a:r>
+          </a:p>
+          <a:p>
+            <a:r>
+              <a:rPr lang="ja-JP" altLang="en-US" dirty="0" smtClean="0"/>
+              <a:t>ジャンル分けの整理・理由</a:t>
+            </a:r>
+            <a:endParaRPr lang="en-US" altLang="ja-JP" dirty="0" smtClean="0"/>
+          </a:p>
+          <a:p>
+            <a:r>
+              <a:rPr lang="en-US" altLang="ja-JP" dirty="0" smtClean="0"/>
+              <a:t>Categorize.py</a:t>
+            </a:r>
+            <a:r>
+              <a:rPr lang="ja-JP" altLang="en-US" dirty="0" smtClean="0"/>
+              <a:t>の動作チェック</a:t>
+            </a:r>
+            <a:endParaRPr lang="en-US" altLang="ja-JP" dirty="0" smtClean="0"/>
+          </a:p>
+          <a:p>
+            <a:r>
+              <a:rPr lang="ja-JP" altLang="en-US" dirty="0"/>
+              <a:t>プログラムに実験環境</a:t>
+            </a:r>
+            <a:r>
+              <a:rPr lang="ja-JP" altLang="en-US" dirty="0" smtClean="0"/>
+              <a:t>を追加</a:t>
+            </a:r>
+            <a:endParaRPr lang="en-US" altLang="ja-JP" dirty="0" smtClean="0"/>
+          </a:p>
+        </p:txBody>
+      </p:sp>
+      <p:sp>
+        <p:nvSpPr>
+          <p:cNvPr id="4" name="スライド番号プレースホルダー 3"/>
+          <p:cNvSpPr>
+            <a:spLocks noGrp="1"/>
+          </p:cNvSpPr>
+          <p:nvPr>
+            <p:ph type="sldNum" sz="quarter" idx="12"/>
+          </p:nvPr>
+        </p:nvSpPr>
+        <p:spPr/>
+        <p:txBody>
+          <a:bodyPr/>
+          <a:lstStyle/>
+          <a:p>
+            <a:fld id="{B4451160-128F-4DAD-AE29-4A8CC0E7B9E9}" type="slidenum">
+              <a:rPr kumimoji="1" lang="ja-JP" altLang="en-US" smtClean="0"/>
+              <a:t>10</a:t>
+            </a:fld>
+            <a:endParaRPr kumimoji="1" lang="ja-JP" altLang="en-US"/>
+          </a:p>
+        </p:txBody>
+      </p:sp>
+    </p:spTree>
+    <p:extLst>
+      <p:ext uri="{BB962C8B-B14F-4D97-AF65-F5344CB8AC3E}">
+        <p14:creationId xmlns:p14="http://schemas.microsoft.com/office/powerpoint/2010/main" val="1923407823"/>
+      </p:ext>
+    </p:extLst>
+  </p:cSld>
+  <p:clrMapOvr>
+    <a:masterClrMapping/>
+  </p:clrMapOvr>
+  <p:timing>
+    <p:tnLst>
+      <p:par>
+        <p:cTn id="1" dur="indefinite" restart="never" nodeType="tmRoot"/>
+      </p:par>
+    </p:tnLst>
+  </p:timing>
+</p:sld>
+</file>
+
+<file path=ppt/slides/slide11.xml><?xml version="1.0" encoding="utf-8"?>
+<p:sld xmlns:a="http://schemas.openxmlformats.org/drawingml/2006/main" xmlns:r="http://schemas.openxmlformats.org/officeDocument/2006/relationships" xmlns:p="http://schemas.openxmlformats.org/presentationml/2006/main">
+  <p:cSld>
+    <p:spTree>
+      <p:nvGrpSpPr>
+        <p:cNvPr id="1" name=""/>
+        <p:cNvGrpSpPr/>
+        <p:nvPr/>
+      </p:nvGrpSpPr>
+      <p:grpSpPr>
+        <a:xfrm>
+          <a:off x="0" y="0"/>
+          <a:ext cx="0" cy="0"/>
+          <a:chOff x="0" y="0"/>
+          <a:chExt cx="0" cy="0"/>
+        </a:xfrm>
+      </p:grpSpPr>
+      <p:sp>
+        <p:nvSpPr>
+          <p:cNvPr id="2" name="タイトル 1"/>
+          <p:cNvSpPr>
+            <a:spLocks noGrp="1"/>
+          </p:cNvSpPr>
+          <p:nvPr>
+            <p:ph type="title"/>
+          </p:nvPr>
+        </p:nvSpPr>
+        <p:spPr/>
+        <p:txBody>
           <a:bodyPr/>
           <a:lstStyle/>
           <a:p>
@@ -3943,7 +4268,7 @@
             <a:fld id="{B4451160-128F-4DAD-AE29-4A8CC0E7B9E9}" type="slidenum">
               <a:rPr lang="ja-JP" altLang="en-US" smtClean="0"/>
               <a:pPr/>
-              <a:t>10</a:t>
+              <a:t>11</a:t>
             </a:fld>
             <a:endParaRPr lang="ja-JP" altLang="en-US" dirty="0"/>
           </a:p>
@@ -6030,6 +6355,36 @@
           </a:p>
         </p:txBody>
       </p:sp>
+      <p:sp>
+        <p:nvSpPr>
+          <p:cNvPr id="3" name="テキスト ボックス 2"/>
+          <p:cNvSpPr txBox="1"/>
+          <p:nvPr/>
+        </p:nvSpPr>
+        <p:spPr>
+          <a:xfrm>
+            <a:off x="739471" y="3427012"/>
+            <a:ext cx="7474226" cy="369332"/>
+          </a:xfrm>
+          <a:prstGeom prst="rect">
+            <a:avLst/>
+          </a:prstGeom>
+          <a:noFill/>
+        </p:spPr>
+        <p:txBody>
+          <a:bodyPr wrap="square" rtlCol="0">
+            <a:spAutoFit/>
+          </a:bodyPr>
+          <a:lstStyle/>
+          <a:p>
+            <a:r>
+              <a:rPr kumimoji="1" lang="ja-JP" altLang="en-US" dirty="0" smtClean="0"/>
+              <a:t>・ジャンル分け・動画と音楽の合成での並列処理でしよう。</a:t>
+            </a:r>
+            <a:endParaRPr kumimoji="1" lang="ja-JP" altLang="en-US" dirty="0"/>
+          </a:p>
+        </p:txBody>
+      </p:sp>
     </p:spTree>
     <p:extLst>
       <p:ext uri="{BB962C8B-B14F-4D97-AF65-F5344CB8AC3E}">
@@ -6040,6 +6395,13 @@
   <p:clrMapOvr>
     <a:masterClrMapping/>
   </p:clrMapOvr>
+  <p:timing>
+    <p:tnLst>
+      <p:par>
+        <p:cTn id="1" dur="indefinite" restart="never" nodeType="tmRoot"/>
+      </p:par>
+    </p:tnLst>
+  </p:timing>
 </p:sld>
 </file>
 
@@ -6138,8 +6500,8 @@
               <a:buNone/>
             </a:pPr>
             <a:r>
-              <a:rPr lang="ja-JP" altLang="en-US" smtClean="0"/>
-              <a:t>スペクトル解析、店舗や博士の分析、画像出力など、音楽の分析に必要な機能があらかじめ実装されている。</a:t>
+              <a:rPr lang="ja-JP" altLang="en-US" dirty="0" smtClean="0"/>
+              <a:t>スペクトル解析、テンポの分析、画像出力など、音楽の分析に必要な機能があらかじめ実装されている。</a:t>
             </a:r>
             <a:endParaRPr kumimoji="1" lang="ja-JP" altLang="en-US" dirty="0"/>
           </a:p>
@@ -6179,6 +6541,13 @@
   <p:clrMapOvr>
     <a:masterClrMapping/>
   </p:clrMapOvr>
+  <p:timing>
+    <p:tnLst>
+      <p:par>
+        <p:cTn id="1" dur="indefinite" restart="never" nodeType="tmRoot"/>
+      </p:par>
+    </p:tnLst>
+  </p:timing>
 </p:sld>
 </file>
 
@@ -7088,16 +7457,10 @@
         </p:nvSpPr>
         <p:spPr/>
         <p:txBody>
-          <a:bodyPr>
-            <a:normAutofit/>
-          </a:bodyPr>
-          <a:lstStyle/>
-          <a:p>
-            <a:r>
-              <a:rPr lang="ja-JP" altLang="en-US" sz="4000" dirty="0"/>
-              <a:t>印象による楽曲と動画のマッチング</a:t>
-            </a:r>
-            <a:endParaRPr kumimoji="1" lang="ja-JP" altLang="en-US" sz="4000" dirty="0"/>
+          <a:bodyPr/>
+          <a:lstStyle/>
+          <a:p>
+            <a:endParaRPr kumimoji="1" lang="ja-JP" altLang="en-US"/>
           </a:p>
         </p:txBody>
       </p:sp>
@@ -7111,95 +7474,31 @@
             <p:ph idx="1"/>
           </p:nvPr>
         </p:nvSpPr>
-        <p:spPr>
-          <a:xfrm>
-            <a:off x="314325" y="1847851"/>
-            <a:ext cx="8515350" cy="3228646"/>
-          </a:xfrm>
-        </p:spPr>
-        <p:txBody>
-          <a:bodyPr>
-            <a:normAutofit/>
-          </a:bodyPr>
-          <a:lstStyle/>
+        <p:spPr/>
+        <p:txBody>
+          <a:bodyPr/>
+          <a:lstStyle/>
+          <a:p>
+            <a:r>
+              <a:rPr kumimoji="1" lang="ja-JP" altLang="en-US" dirty="0" smtClean="0"/>
+              <a:t>ラウンドロビンシステム</a:t>
+            </a:r>
+            <a:endParaRPr kumimoji="1" lang="en-US" altLang="ja-JP" dirty="0" smtClean="0"/>
+          </a:p>
           <a:p>
             <a:r>
               <a:rPr lang="ja-JP" altLang="en-US" dirty="0"/>
-              <a:t>楽曲</a:t>
-            </a:r>
-            <a:r>
-              <a:rPr kumimoji="1" lang="ja-JP" altLang="en-US" dirty="0"/>
-              <a:t>と動画を印象によりマッチングする．</a:t>
-            </a:r>
-            <a:r>
-              <a:rPr kumimoji="1" lang="en-US" altLang="ja-JP" dirty="0"/>
-              <a:t>	</a:t>
-            </a:r>
-          </a:p>
-          <a:p>
-            <a:pPr lvl="1"/>
+              <a:t>音楽と動画</a:t>
+            </a:r>
+            <a:r>
+              <a:rPr lang="ja-JP" altLang="en-US" dirty="0" smtClean="0"/>
+              <a:t>の</a:t>
+            </a:r>
             <a:r>
               <a:rPr lang="ja-JP" altLang="en-US" dirty="0"/>
-              <a:t>動画</a:t>
-            </a:r>
-            <a:r>
-              <a:rPr lang="en-US" altLang="ja-JP" dirty="0"/>
-              <a:t>:</a:t>
-            </a:r>
-            <a:r>
-              <a:rPr kumimoji="1" lang="ja-JP" altLang="en-US" dirty="0"/>
-              <a:t>観光地動画</a:t>
-            </a:r>
-            <a:endParaRPr kumimoji="1" lang="en-US" altLang="ja-JP" dirty="0"/>
-          </a:p>
-          <a:p>
-            <a:pPr lvl="1"/>
-            <a:r>
-              <a:rPr lang="ja-JP" altLang="en-US" dirty="0"/>
-              <a:t>楽曲</a:t>
-            </a:r>
-            <a:r>
-              <a:rPr lang="en-US" altLang="ja-JP" dirty="0"/>
-              <a:t>: </a:t>
-            </a:r>
-            <a:r>
-              <a:rPr lang="ja-JP" altLang="en-US" dirty="0"/>
-              <a:t>クラシックや</a:t>
-            </a:r>
-            <a:r>
-              <a:rPr lang="ja-JP" altLang="en-US" dirty="0" smtClean="0"/>
-              <a:t>インストルメンタルなど</a:t>
-            </a:r>
-          </a:p>
-          <a:p>
-            <a:r>
-              <a:rPr lang="ja-JP" altLang="en-US" strike="sngStrike" dirty="0" smtClean="0"/>
-              <a:t>一時的に自分の主観で動画にジャンル分けをし</a:t>
-            </a:r>
-            <a:r>
-              <a:rPr lang="en-US" altLang="ja-JP" strike="sngStrike" dirty="0" smtClean="0"/>
-              <a:t>,</a:t>
-            </a:r>
-            <a:r>
-              <a:rPr lang="ja-JP" altLang="en-US" strike="sngStrike" dirty="0"/>
-              <a:t>ジャンル分け</a:t>
-            </a:r>
-            <a:r>
-              <a:rPr lang="ja-JP" altLang="en-US" strike="sngStrike" dirty="0" smtClean="0"/>
-              <a:t>した音楽とのマッチングをする</a:t>
-            </a:r>
-            <a:r>
-              <a:rPr lang="en-US" altLang="ja-JP" strike="sngStrike" dirty="0" smtClean="0"/>
-              <a:t>.</a:t>
-            </a:r>
-            <a:r>
-              <a:rPr lang="ja-JP" altLang="en-US" strike="sngStrike" dirty="0" smtClean="0"/>
-              <a:t>ある程度完成し次第印象マッチングに挑戦する</a:t>
-            </a:r>
-            <a:r>
-              <a:rPr lang="en-US" altLang="ja-JP" strike="sngStrike" dirty="0" smtClean="0"/>
-              <a:t>.</a:t>
-            </a:r>
+              <a:t>合成</a:t>
+            </a:r>
+            <a:endParaRPr kumimoji="1" lang="ja-JP" altLang="en-US" dirty="0"/>
           </a:p>
         </p:txBody>
       </p:sp>
@@ -7219,30 +7518,24 @@
           <a:lstStyle/>
           <a:p>
             <a:fld id="{B4451160-128F-4DAD-AE29-4A8CC0E7B9E9}" type="slidenum">
-              <a:rPr kumimoji="1" lang="ja-JP" altLang="en-US" smtClean="0"/>
+              <a:rPr lang="ja-JP" altLang="en-US" smtClean="0"/>
+              <a:pPr/>
               <a:t>9</a:t>
             </a:fld>
-            <a:endParaRPr kumimoji="1" lang="ja-JP" altLang="en-US"/>
+            <a:endParaRPr lang="ja-JP" altLang="en-US" dirty="0"/>
           </a:p>
         </p:txBody>
       </p:sp>
     </p:spTree>
     <p:extLst>
       <p:ext uri="{BB962C8B-B14F-4D97-AF65-F5344CB8AC3E}">
-        <p14:creationId xmlns:p14="http://schemas.microsoft.com/office/powerpoint/2010/main" val="1923407823"/>
+        <p14:creationId xmlns:p14="http://schemas.microsoft.com/office/powerpoint/2010/main" val="2414674720"/>
       </p:ext>
     </p:extLst>
   </p:cSld>
   <p:clrMapOvr>
     <a:masterClrMapping/>
   </p:clrMapOvr>
-  <p:timing>
-    <p:tnLst>
-      <p:par>
-        <p:cTn id="1" dur="indefinite" restart="never" nodeType="tmRoot"/>
-      </p:par>
-    </p:tnLst>
-  </p:timing>
 </p:sld>
 </file>
 

--- a/発表用スライド/1821144_yoshii_thesis_ver2.pptx
+++ b/発表用スライド/1821144_yoshii_thesis_ver2.pptx
@@ -5,7 +5,7 @@
     <p:sldMasterId id="2147483660" r:id="rId1"/>
   </p:sldMasterIdLst>
   <p:notesMasterIdLst>
-    <p:notesMasterId r:id="rId13"/>
+    <p:notesMasterId r:id="rId14"/>
   </p:notesMasterIdLst>
   <p:sldIdLst>
     <p:sldId id="270" r:id="rId2"/>
@@ -14,11 +14,12 @@
     <p:sldId id="260" r:id="rId5"/>
     <p:sldId id="261" r:id="rId6"/>
     <p:sldId id="273" r:id="rId7"/>
-    <p:sldId id="274" r:id="rId8"/>
-    <p:sldId id="262" r:id="rId9"/>
-    <p:sldId id="275" r:id="rId10"/>
-    <p:sldId id="259" r:id="rId11"/>
-    <p:sldId id="265" r:id="rId12"/>
+    <p:sldId id="262" r:id="rId8"/>
+    <p:sldId id="275" r:id="rId9"/>
+    <p:sldId id="259" r:id="rId10"/>
+    <p:sldId id="265" r:id="rId11"/>
+    <p:sldId id="276" r:id="rId12"/>
+    <p:sldId id="274" r:id="rId13"/>
   </p:sldIdLst>
   <p:sldSz cx="9144000" cy="6858000" type="screen4x3"/>
   <p:notesSz cx="6858000" cy="9144000"/>
@@ -236,7 +237,7 @@
           <a:p>
             <a:fld id="{27571B5F-C8EC-4379-AD76-80FD414F3861}" type="datetimeFigureOut">
               <a:rPr kumimoji="1" lang="ja-JP" altLang="en-US" smtClean="0"/>
-              <a:t>2021/11/10</a:t>
+              <a:t>2021/11/15</a:t>
             </a:fld>
             <a:endParaRPr kumimoji="1" lang="ja-JP" altLang="en-US"/>
           </a:p>
@@ -600,7 +601,7 @@
           <a:p>
             <a:fld id="{9D828324-DCC9-430F-AD2C-1DD1805E2C40}" type="slidenum">
               <a:rPr kumimoji="1" lang="ja-JP" altLang="en-US" smtClean="0"/>
-              <a:t>10</a:t>
+              <a:t>9</a:t>
             </a:fld>
             <a:endParaRPr kumimoji="1" lang="ja-JP" altLang="en-US"/>
           </a:p>
@@ -750,7 +751,7 @@
           <a:p>
             <a:fld id="{22C6F9C5-C6AA-409B-AF03-98D7346F1423}" type="datetime1">
               <a:rPr kumimoji="1" lang="ja-JP" altLang="en-US" smtClean="0"/>
-              <a:t>2021/11/10</a:t>
+              <a:t>2021/11/15</a:t>
             </a:fld>
             <a:endParaRPr kumimoji="1" lang="ja-JP" altLang="en-US"/>
           </a:p>
@@ -953,7 +954,7 @@
           <a:p>
             <a:fld id="{22E0F957-B7A6-49B1-8F7C-E83B3F2002DA}" type="datetime1">
               <a:rPr kumimoji="1" lang="ja-JP" altLang="en-US" smtClean="0"/>
-              <a:t>2021/11/10</a:t>
+              <a:t>2021/11/15</a:t>
             </a:fld>
             <a:endParaRPr kumimoji="1" lang="ja-JP" altLang="en-US"/>
           </a:p>
@@ -1166,7 +1167,7 @@
           <a:p>
             <a:fld id="{DE6F7DB3-2648-413C-8B2E-93728F539CCD}" type="datetime1">
               <a:rPr kumimoji="1" lang="ja-JP" altLang="en-US" smtClean="0"/>
-              <a:t>2021/11/10</a:t>
+              <a:t>2021/11/15</a:t>
             </a:fld>
             <a:endParaRPr kumimoji="1" lang="ja-JP" altLang="en-US"/>
           </a:p>
@@ -1369,7 +1370,7 @@
           <a:p>
             <a:fld id="{A2D1DE2A-14E7-4A39-B37E-D38A93E354FC}" type="datetime1">
               <a:rPr kumimoji="1" lang="ja-JP" altLang="en-US" smtClean="0"/>
-              <a:t>2021/11/10</a:t>
+              <a:t>2021/11/15</a:t>
             </a:fld>
             <a:endParaRPr kumimoji="1" lang="ja-JP" altLang="en-US"/>
           </a:p>
@@ -1618,7 +1619,7 @@
           <a:p>
             <a:fld id="{991EEB29-6570-4D17-BF07-A0C0B34BA0FB}" type="datetime1">
               <a:rPr kumimoji="1" lang="ja-JP" altLang="en-US" smtClean="0"/>
-              <a:t>2021/11/10</a:t>
+              <a:t>2021/11/15</a:t>
             </a:fld>
             <a:endParaRPr kumimoji="1" lang="ja-JP" altLang="en-US"/>
           </a:p>
@@ -1915,7 +1916,7 @@
           <a:p>
             <a:fld id="{892B6420-66A4-43C3-BA46-EBDFB60516F0}" type="datetime1">
               <a:rPr kumimoji="1" lang="ja-JP" altLang="en-US" smtClean="0"/>
-              <a:t>2021/11/10</a:t>
+              <a:t>2021/11/15</a:t>
             </a:fld>
             <a:endParaRPr kumimoji="1" lang="ja-JP" altLang="en-US"/>
           </a:p>
@@ -2347,7 +2348,7 @@
           <a:p>
             <a:fld id="{5BE63C90-8833-49EB-8DFB-3A87587C56DF}" type="datetime1">
               <a:rPr kumimoji="1" lang="ja-JP" altLang="en-US" smtClean="0"/>
-              <a:t>2021/11/10</a:t>
+              <a:t>2021/11/15</a:t>
             </a:fld>
             <a:endParaRPr kumimoji="1" lang="ja-JP" altLang="en-US"/>
           </a:p>
@@ -2466,7 +2467,7 @@
           <a:p>
             <a:fld id="{FDB7B118-9258-4B93-98B1-2227223B18EF}" type="datetime1">
               <a:rPr kumimoji="1" lang="ja-JP" altLang="en-US" smtClean="0"/>
-              <a:t>2021/11/10</a:t>
+              <a:t>2021/11/15</a:t>
             </a:fld>
             <a:endParaRPr kumimoji="1" lang="ja-JP" altLang="en-US"/>
           </a:p>
@@ -2562,7 +2563,7 @@
           <a:p>
             <a:fld id="{9C334A37-8FFC-49D6-A0F3-FC06101E023C}" type="datetime1">
               <a:rPr kumimoji="1" lang="ja-JP" altLang="en-US" smtClean="0"/>
-              <a:t>2021/11/10</a:t>
+              <a:t>2021/11/15</a:t>
             </a:fld>
             <a:endParaRPr kumimoji="1" lang="ja-JP" altLang="en-US"/>
           </a:p>
@@ -2872,7 +2873,7 @@
           <a:p>
             <a:fld id="{0FAD949F-32A5-4343-9078-C3A89D3064D3}" type="datetime1">
               <a:rPr kumimoji="1" lang="ja-JP" altLang="en-US" smtClean="0"/>
-              <a:t>2021/11/10</a:t>
+              <a:t>2021/11/15</a:t>
             </a:fld>
             <a:endParaRPr kumimoji="1" lang="ja-JP" altLang="en-US"/>
           </a:p>
@@ -3130,7 +3131,7 @@
           <a:p>
             <a:fld id="{58C4534D-9999-497B-9C6B-5769B1D800E5}" type="datetime1">
               <a:rPr kumimoji="1" lang="ja-JP" altLang="en-US" smtClean="0"/>
-              <a:t>2021/11/10</a:t>
+              <a:t>2021/11/15</a:t>
             </a:fld>
             <a:endParaRPr kumimoji="1" lang="ja-JP" altLang="en-US"/>
           </a:p>
@@ -3376,7 +3377,7 @@
           <a:p>
             <a:fld id="{D73E1257-0E7D-4620-84B9-7FC7BB2FC946}" type="datetime1">
               <a:rPr kumimoji="1" lang="ja-JP" altLang="en-US" smtClean="0"/>
-              <a:t>2021/11/10</a:t>
+              <a:t>2021/11/15</a:t>
             </a:fld>
             <a:endParaRPr kumimoji="1" lang="ja-JP" altLang="en-US"/>
           </a:p>
@@ -3928,26 +3929,23 @@
             <p:ph type="title"/>
           </p:nvPr>
         </p:nvSpPr>
-        <p:spPr/>
+        <p:spPr>
+          <a:xfrm>
+            <a:off x="628650" y="365127"/>
+            <a:ext cx="7886700" cy="684445"/>
+          </a:xfrm>
+        </p:spPr>
         <p:txBody>
           <a:bodyPr>
-            <a:normAutofit/>
+            <a:normAutofit fontScale="90000"/>
           </a:bodyPr>
           <a:lstStyle/>
           <a:p>
             <a:r>
-              <a:rPr lang="ja-JP" altLang="en-US" sz="4000" dirty="0"/>
-              <a:t>ジャンル</a:t>
-            </a:r>
-            <a:r>
-              <a:rPr lang="ja-JP" altLang="en-US" sz="4000" dirty="0" smtClean="0"/>
-              <a:t>に</a:t>
-            </a:r>
-            <a:r>
-              <a:rPr lang="ja-JP" altLang="en-US" sz="4000" dirty="0"/>
-              <a:t>よる楽曲と動画のマッチング</a:t>
-            </a:r>
-            <a:endParaRPr kumimoji="1" lang="ja-JP" altLang="en-US" sz="4000" dirty="0"/>
+              <a:rPr kumimoji="1" lang="en-US" altLang="ja-JP" dirty="0" smtClean="0"/>
+              <a:t>Heatmap.py</a:t>
+            </a:r>
+            <a:endParaRPr kumimoji="1" lang="ja-JP" altLang="en-US" dirty="0"/>
           </a:p>
         </p:txBody>
       </p:sp>
@@ -3963,14 +3961,12 @@
         </p:nvSpPr>
         <p:spPr>
           <a:xfrm>
-            <a:off x="314325" y="1847851"/>
-            <a:ext cx="8515350" cy="3228646"/>
-          </a:xfrm>
-        </p:spPr>
-        <p:txBody>
-          <a:bodyPr>
-            <a:normAutofit fontScale="92500" lnSpcReduction="20000"/>
-          </a:bodyPr>
+            <a:off x="628650" y="1288111"/>
+            <a:ext cx="7886700" cy="4888852"/>
+          </a:xfrm>
+        </p:spPr>
+        <p:txBody>
+          <a:bodyPr/>
           <a:lstStyle/>
           <a:p>
             <a:r>
@@ -3979,122 +3975,51 @@
             </a:r>
             <a:r>
               <a:rPr kumimoji="1" lang="ja-JP" altLang="en-US" dirty="0"/>
-              <a:t>と動画</a:t>
-            </a:r>
-            <a:r>
-              <a:rPr kumimoji="1" lang="ja-JP" altLang="en-US" dirty="0" smtClean="0"/>
-              <a:t>を</a:t>
+              <a:t>データを横軸に時間</a:t>
             </a:r>
             <a:r>
               <a:rPr lang="ja-JP" altLang="en-US" dirty="0"/>
-              <a:t>ジャンル</a:t>
-            </a:r>
-            <a:r>
-              <a:rPr kumimoji="1" lang="ja-JP" altLang="en-US" dirty="0" smtClean="0"/>
+              <a:t>，</a:t>
+            </a:r>
+            <a:r>
+              <a:rPr kumimoji="1" lang="ja-JP" altLang="en-US" dirty="0"/>
+              <a:t>縦軸に周波数を表した</a:t>
+            </a:r>
+            <a:r>
+              <a:rPr lang="en-US" altLang="ja-JP" dirty="0"/>
+              <a:t/>
+            </a:r>
+            <a:br>
+              <a:rPr lang="en-US" altLang="ja-JP" dirty="0"/>
+            </a:br>
+            <a:r>
+              <a:rPr kumimoji="1" lang="ja-JP" altLang="en-US" dirty="0"/>
+              <a:t>スペクトログラム</a:t>
+            </a:r>
+            <a:r>
+              <a:rPr lang="ja-JP" altLang="en-US" dirty="0"/>
               <a:t>に</a:t>
             </a:r>
             <a:r>
               <a:rPr kumimoji="1" lang="ja-JP" altLang="en-US" dirty="0"/>
-              <a:t>よりマッチングする．</a:t>
-            </a:r>
-            <a:r>
-              <a:rPr kumimoji="1" lang="en-US" altLang="ja-JP" dirty="0"/>
-              <a:t>	</a:t>
-            </a:r>
-          </a:p>
-          <a:p>
-            <a:pPr lvl="1"/>
+              <a:t>するプログラムの作成をした．</a:t>
+            </a:r>
+            <a:endParaRPr kumimoji="1" lang="en-US" altLang="ja-JP" dirty="0"/>
+          </a:p>
+          <a:p>
             <a:r>
               <a:rPr lang="ja-JP" altLang="en-US" dirty="0"/>
-              <a:t>動画</a:t>
+              <a:t>深層学習</a:t>
             </a:r>
             <a:r>
               <a:rPr lang="en-US" altLang="ja-JP" dirty="0"/>
-              <a:t>:</a:t>
-            </a:r>
-            <a:r>
-              <a:rPr kumimoji="1" lang="ja-JP" altLang="en-US" dirty="0"/>
-              <a:t>観光地動画</a:t>
-            </a:r>
-            <a:endParaRPr kumimoji="1" lang="en-US" altLang="ja-JP" dirty="0"/>
-          </a:p>
-          <a:p>
-            <a:pPr lvl="1"/>
+              <a:t>(Convolutional Neural Network)</a:t>
+            </a:r>
             <a:r>
               <a:rPr lang="ja-JP" altLang="en-US" dirty="0"/>
-              <a:t>楽曲</a:t>
-            </a:r>
-            <a:r>
-              <a:rPr lang="en-US" altLang="ja-JP" dirty="0"/>
-              <a:t>: </a:t>
-            </a:r>
-            <a:r>
-              <a:rPr lang="ja-JP" altLang="en-US" dirty="0"/>
-              <a:t>クラシックや</a:t>
-            </a:r>
-            <a:r>
-              <a:rPr lang="ja-JP" altLang="en-US" dirty="0" smtClean="0"/>
-              <a:t>インストルメンタルなど</a:t>
-            </a:r>
-          </a:p>
-          <a:p>
-            <a:r>
-              <a:rPr lang="ja-JP" altLang="en-US" strike="sngStrike" dirty="0" smtClean="0"/>
-              <a:t>一時的に自分の主観で動画にジャンル分けをし</a:t>
-            </a:r>
-            <a:r>
-              <a:rPr lang="en-US" altLang="ja-JP" strike="sngStrike" dirty="0" smtClean="0"/>
-              <a:t>,</a:t>
-            </a:r>
-            <a:r>
-              <a:rPr lang="ja-JP" altLang="en-US" strike="sngStrike" dirty="0"/>
-              <a:t>ジャンル分け</a:t>
-            </a:r>
-            <a:r>
-              <a:rPr lang="ja-JP" altLang="en-US" strike="sngStrike" dirty="0" smtClean="0"/>
-              <a:t>した音楽とのマッチングをする</a:t>
-            </a:r>
-            <a:r>
-              <a:rPr lang="en-US" altLang="ja-JP" strike="sngStrike" dirty="0" smtClean="0"/>
-              <a:t>.</a:t>
-            </a:r>
-            <a:r>
-              <a:rPr lang="ja-JP" altLang="en-US" strike="sngStrike" dirty="0" smtClean="0"/>
-              <a:t>ある程度完成し次第印象マッチングに挑戦する</a:t>
-            </a:r>
-            <a:r>
-              <a:rPr lang="en-US" altLang="ja-JP" strike="sngStrike" dirty="0" smtClean="0"/>
-              <a:t>.</a:t>
-            </a:r>
-          </a:p>
-          <a:p>
-            <a:r>
-              <a:rPr lang="ja-JP" altLang="en-US" dirty="0" smtClean="0"/>
-              <a:t>ジャンル分けの整理・理由</a:t>
-            </a:r>
-            <a:endParaRPr lang="en-US" altLang="ja-JP" dirty="0" smtClean="0"/>
-          </a:p>
-          <a:p>
-            <a:r>
-              <a:rPr lang="en-US" altLang="ja-JP" dirty="0" smtClean="0"/>
-              <a:t>Categorize.py</a:t>
-            </a:r>
-            <a:r>
-              <a:rPr lang="ja-JP" altLang="en-US" dirty="0" smtClean="0"/>
-              <a:t>の動作チェック</a:t>
-            </a:r>
-            <a:endParaRPr lang="en-US" altLang="ja-JP" dirty="0" smtClean="0"/>
-          </a:p>
-          <a:p>
-            <a:r>
-              <a:rPr lang="ja-JP" altLang="en-US" dirty="0"/>
-              <a:t>プログラムに実験環境</a:t>
-            </a:r>
-            <a:r>
-              <a:rPr lang="ja-JP" altLang="en-US" dirty="0" smtClean="0"/>
-              <a:t>を追加</a:t>
-            </a:r>
-            <a:endParaRPr lang="en-US" altLang="ja-JP" dirty="0" smtClean="0"/>
+              <a:t>で，印象の学習を行う予定である．</a:t>
+            </a:r>
+            <a:endParaRPr kumimoji="1" lang="ja-JP" altLang="en-US" dirty="0"/>
           </a:p>
         </p:txBody>
       </p:sp>
@@ -4114,17 +4039,48 @@
           <a:lstStyle/>
           <a:p>
             <a:fld id="{B4451160-128F-4DAD-AE29-4A8CC0E7B9E9}" type="slidenum">
-              <a:rPr kumimoji="1" lang="ja-JP" altLang="en-US" smtClean="0"/>
+              <a:rPr lang="ja-JP" altLang="en-US" smtClean="0"/>
+              <a:pPr/>
               <a:t>10</a:t>
             </a:fld>
-            <a:endParaRPr kumimoji="1" lang="ja-JP" altLang="en-US"/>
-          </a:p>
-        </p:txBody>
-      </p:sp>
+            <a:endParaRPr lang="ja-JP" altLang="en-US" dirty="0"/>
+          </a:p>
+        </p:txBody>
+      </p:sp>
+      <p:pic>
+        <p:nvPicPr>
+          <p:cNvPr id="6" name="図 5"/>
+          <p:cNvPicPr>
+            <a:picLocks noChangeAspect="1"/>
+          </p:cNvPicPr>
+          <p:nvPr/>
+        </p:nvPicPr>
+        <p:blipFill>
+          <a:blip r:embed="rId2">
+            <a:extLst>
+              <a:ext uri="{28A0092B-C50C-407E-A947-70E740481C1C}">
+                <a14:useLocalDpi xmlns:a14="http://schemas.microsoft.com/office/drawing/2010/main" val="0"/>
+              </a:ext>
+            </a:extLst>
+          </a:blip>
+          <a:stretch>
+            <a:fillRect/>
+          </a:stretch>
+        </p:blipFill>
+        <p:spPr>
+          <a:xfrm>
+            <a:off x="628650" y="3735002"/>
+            <a:ext cx="7324760" cy="2621349"/>
+          </a:xfrm>
+          <a:prstGeom prst="rect">
+            <a:avLst/>
+          </a:prstGeom>
+        </p:spPr>
+      </p:pic>
     </p:spTree>
     <p:extLst>
       <p:ext uri="{BB962C8B-B14F-4D97-AF65-F5344CB8AC3E}">
-        <p14:creationId xmlns:p14="http://schemas.microsoft.com/office/powerpoint/2010/main" val="1923407823"/>
+        <p14:creationId xmlns:p14="http://schemas.microsoft.com/office/powerpoint/2010/main" val="3872963283"/>
       </p:ext>
     </p:extLst>
   </p:cSld>
@@ -4168,84 +4124,64 @@
             <p:ph type="title"/>
           </p:nvPr>
         </p:nvSpPr>
-        <p:spPr/>
+        <p:spPr>
+          <a:xfrm>
+            <a:off x="628650" y="365126"/>
+            <a:ext cx="7886700" cy="740105"/>
+          </a:xfrm>
+        </p:spPr>
         <p:txBody>
           <a:bodyPr/>
           <a:lstStyle/>
           <a:p>
             <a:r>
+              <a:rPr kumimoji="1" lang="en-US" altLang="ja-JP" dirty="0" smtClean="0"/>
+              <a:t>Categorize.py</a:t>
+            </a:r>
+            <a:endParaRPr kumimoji="1" lang="ja-JP" altLang="en-US" dirty="0"/>
+          </a:p>
+        </p:txBody>
+      </p:sp>
+      <p:sp>
+        <p:nvSpPr>
+          <p:cNvPr id="3" name="コンテンツ プレースホルダー 2"/>
+          <p:cNvSpPr>
+            <a:spLocks noGrp="1"/>
+          </p:cNvSpPr>
+          <p:nvPr>
+            <p:ph idx="1"/>
+          </p:nvPr>
+        </p:nvSpPr>
+        <p:spPr>
+          <a:xfrm>
+            <a:off x="628650" y="1200647"/>
+            <a:ext cx="7886700" cy="4976316"/>
+          </a:xfrm>
+        </p:spPr>
+        <p:txBody>
+          <a:bodyPr/>
+          <a:lstStyle/>
+          <a:p>
+            <a:pPr marL="0" indent="0">
+              <a:buNone/>
+            </a:pPr>
+            <a:r>
+              <a:rPr kumimoji="1" lang="en-US" altLang="ja-JP" dirty="0" smtClean="0"/>
+              <a:t>FMA_SMALL</a:t>
+            </a:r>
+            <a:r>
               <a:rPr kumimoji="1" lang="ja-JP" altLang="en-US" dirty="0" smtClean="0"/>
-              <a:t>前期までの進捗</a:t>
-            </a:r>
-            <a:endParaRPr kumimoji="1" lang="ja-JP" altLang="en-US" dirty="0"/>
-          </a:p>
-        </p:txBody>
-      </p:sp>
-      <p:sp>
-        <p:nvSpPr>
-          <p:cNvPr id="3" name="コンテンツ プレースホルダー 2"/>
-          <p:cNvSpPr>
-            <a:spLocks noGrp="1"/>
-          </p:cNvSpPr>
-          <p:nvPr>
-            <p:ph idx="1"/>
-          </p:nvPr>
-        </p:nvSpPr>
-        <p:spPr/>
-        <p:txBody>
-          <a:bodyPr/>
-          <a:lstStyle/>
-          <a:p>
-            <a:r>
-              <a:rPr lang="ja-JP" altLang="en-US" dirty="0"/>
-              <a:t>楽曲</a:t>
-            </a:r>
-            <a:r>
-              <a:rPr kumimoji="1" lang="ja-JP" altLang="en-US" dirty="0"/>
-              <a:t>データを横軸に時間</a:t>
-            </a:r>
-            <a:r>
-              <a:rPr lang="ja-JP" altLang="en-US" dirty="0"/>
-              <a:t>，</a:t>
-            </a:r>
-            <a:r>
-              <a:rPr kumimoji="1" lang="ja-JP" altLang="en-US" dirty="0"/>
-              <a:t>縦軸に周波数を表した</a:t>
-            </a:r>
-            <a:r>
-              <a:rPr lang="en-US" altLang="ja-JP" dirty="0"/>
-              <a:t/>
-            </a:r>
-            <a:br>
-              <a:rPr lang="en-US" altLang="ja-JP" dirty="0"/>
-            </a:br>
-            <a:r>
-              <a:rPr kumimoji="1" lang="ja-JP" altLang="en-US" dirty="0"/>
-              <a:t>スペクトログラム</a:t>
-            </a:r>
-            <a:r>
-              <a:rPr lang="ja-JP" altLang="en-US" dirty="0"/>
-              <a:t>に</a:t>
-            </a:r>
-            <a:r>
-              <a:rPr kumimoji="1" lang="ja-JP" altLang="en-US" dirty="0"/>
-              <a:t>するプログラムの作成をした．</a:t>
-            </a:r>
-            <a:endParaRPr kumimoji="1" lang="en-US" altLang="ja-JP" dirty="0"/>
-          </a:p>
-          <a:p>
-            <a:r>
-              <a:rPr lang="ja-JP" altLang="en-US" dirty="0"/>
-              <a:t>深層学習</a:t>
-            </a:r>
-            <a:r>
-              <a:rPr lang="en-US" altLang="ja-JP" dirty="0"/>
-              <a:t>(Convolutional Neural Network)</a:t>
-            </a:r>
-            <a:r>
-              <a:rPr lang="ja-JP" altLang="en-US" dirty="0"/>
-              <a:t>で，印象の学習を行う予定である．</a:t>
-            </a:r>
+              <a:t>というデータセットを使用し音楽ジャンル分類をするモデルの作成・学習・評価をするプログラム</a:t>
+            </a:r>
+            <a:r>
+              <a:rPr kumimoji="1" lang="en-US" altLang="ja-JP" dirty="0" smtClean="0"/>
+              <a:t>.</a:t>
+            </a:r>
+          </a:p>
+          <a:p>
+            <a:pPr marL="0" indent="0">
+              <a:buNone/>
+            </a:pPr>
             <a:endParaRPr kumimoji="1" lang="ja-JP" altLang="en-US" dirty="0"/>
           </a:p>
         </p:txBody>
@@ -4274,40 +4210,161 @@
           </a:p>
         </p:txBody>
       </p:sp>
-      <p:pic>
-        <p:nvPicPr>
-          <p:cNvPr id="6" name="図 5"/>
-          <p:cNvPicPr>
-            <a:picLocks noChangeAspect="1"/>
-          </p:cNvPicPr>
-          <p:nvPr/>
-        </p:nvPicPr>
-        <p:blipFill>
-          <a:blip r:embed="rId2">
-            <a:extLst>
-              <a:ext uri="{28A0092B-C50C-407E-A947-70E740481C1C}">
-                <a14:useLocalDpi xmlns:a14="http://schemas.microsoft.com/office/drawing/2010/main" val="0"/>
-              </a:ext>
-            </a:extLst>
-          </a:blip>
-          <a:stretch>
-            <a:fillRect/>
-          </a:stretch>
-        </p:blipFill>
-        <p:spPr>
-          <a:xfrm>
-            <a:off x="628650" y="3735002"/>
-            <a:ext cx="7324760" cy="2621349"/>
-          </a:xfrm>
-          <a:prstGeom prst="rect">
-            <a:avLst/>
-          </a:prstGeom>
-        </p:spPr>
-      </p:pic>
     </p:spTree>
     <p:extLst>
       <p:ext uri="{BB962C8B-B14F-4D97-AF65-F5344CB8AC3E}">
-        <p14:creationId xmlns:p14="http://schemas.microsoft.com/office/powerpoint/2010/main" val="3872963283"/>
+        <p14:creationId xmlns:p14="http://schemas.microsoft.com/office/powerpoint/2010/main" val="1777437307"/>
+      </p:ext>
+    </p:extLst>
+  </p:cSld>
+  <p:clrMapOvr>
+    <a:masterClrMapping/>
+  </p:clrMapOvr>
+</p:sld>
+</file>
+
+<file path=ppt/slides/slide12.xml><?xml version="1.0" encoding="utf-8"?>
+<p:sld xmlns:a="http://schemas.openxmlformats.org/drawingml/2006/main" xmlns:r="http://schemas.openxmlformats.org/officeDocument/2006/relationships" xmlns:p="http://schemas.openxmlformats.org/presentationml/2006/main">
+  <p:cSld>
+    <p:spTree>
+      <p:nvGrpSpPr>
+        <p:cNvPr id="1" name=""/>
+        <p:cNvGrpSpPr/>
+        <p:nvPr/>
+      </p:nvGrpSpPr>
+      <p:grpSpPr>
+        <a:xfrm>
+          <a:off x="0" y="0"/>
+          <a:ext cx="0" cy="0"/>
+          <a:chOff x="0" y="0"/>
+          <a:chExt cx="0" cy="0"/>
+        </a:xfrm>
+      </p:grpSpPr>
+      <p:sp>
+        <p:nvSpPr>
+          <p:cNvPr id="2" name="タイトル 1"/>
+          <p:cNvSpPr>
+            <a:spLocks noGrp="1"/>
+          </p:cNvSpPr>
+          <p:nvPr>
+            <p:ph type="title"/>
+          </p:nvPr>
+        </p:nvSpPr>
+        <p:spPr/>
+        <p:txBody>
+          <a:bodyPr/>
+          <a:lstStyle/>
+          <a:p>
+            <a:r>
+              <a:rPr kumimoji="1" lang="en-US" altLang="ja-JP" dirty="0" err="1" smtClean="0"/>
+              <a:t>LibROSA</a:t>
+            </a:r>
+            <a:endParaRPr kumimoji="1" lang="ja-JP" altLang="en-US" dirty="0"/>
+          </a:p>
+        </p:txBody>
+      </p:sp>
+      <p:sp>
+        <p:nvSpPr>
+          <p:cNvPr id="3" name="コンテンツ プレースホルダー 2"/>
+          <p:cNvSpPr>
+            <a:spLocks noGrp="1"/>
+          </p:cNvSpPr>
+          <p:nvPr>
+            <p:ph idx="1"/>
+          </p:nvPr>
+        </p:nvSpPr>
+        <p:spPr/>
+        <p:txBody>
+          <a:bodyPr/>
+          <a:lstStyle/>
+          <a:p>
+            <a:pPr marL="0" indent="0">
+              <a:buNone/>
+            </a:pPr>
+            <a:r>
+              <a:rPr kumimoji="1" lang="ja-JP" altLang="en-US" dirty="0" smtClean="0"/>
+              <a:t>上記二つのプログラムで使用したパッケージ</a:t>
+            </a:r>
+            <a:endParaRPr kumimoji="1" lang="en-US" altLang="ja-JP" dirty="0" smtClean="0"/>
+          </a:p>
+          <a:p>
+            <a:pPr marL="0" indent="0">
+              <a:buNone/>
+            </a:pPr>
+            <a:endParaRPr lang="en-US" altLang="ja-JP" dirty="0"/>
+          </a:p>
+          <a:p>
+            <a:pPr marL="0" indent="0">
+              <a:buNone/>
+            </a:pPr>
+            <a:r>
+              <a:rPr lang="ja-JP" altLang="en-US" dirty="0" smtClean="0"/>
+              <a:t>音楽</a:t>
+            </a:r>
+            <a:r>
+              <a:rPr lang="ja-JP" altLang="en-US" dirty="0"/>
+              <a:t>と音声の解析のため</a:t>
+            </a:r>
+            <a:r>
+              <a:rPr lang="ja-JP" altLang="en-US" dirty="0" smtClean="0"/>
+              <a:t>の</a:t>
+            </a:r>
+            <a:r>
+              <a:rPr lang="en-US" altLang="ja-JP" dirty="0" smtClean="0"/>
+              <a:t>python</a:t>
+            </a:r>
+            <a:r>
+              <a:rPr lang="ja-JP" altLang="en-US" dirty="0" smtClean="0"/>
+              <a:t>パッケージ</a:t>
+            </a:r>
+            <a:endParaRPr lang="en-US" altLang="ja-JP" dirty="0" smtClean="0"/>
+          </a:p>
+          <a:p>
+            <a:pPr marL="0" indent="0">
+              <a:buNone/>
+            </a:pPr>
+            <a:endParaRPr kumimoji="1" lang="en-US" altLang="ja-JP" dirty="0"/>
+          </a:p>
+          <a:p>
+            <a:pPr marL="0" indent="0">
+              <a:buNone/>
+            </a:pPr>
+            <a:r>
+              <a:rPr lang="ja-JP" altLang="en-US" dirty="0" smtClean="0"/>
+              <a:t>スペクトル解析、テンポの分析、画像出力など、音楽の分析に必要な機能があらかじめ実装されている。</a:t>
+            </a:r>
+            <a:endParaRPr kumimoji="1" lang="ja-JP" altLang="en-US" dirty="0"/>
+          </a:p>
+        </p:txBody>
+      </p:sp>
+      <p:sp>
+        <p:nvSpPr>
+          <p:cNvPr id="4" name="スライド番号プレースホルダー 3"/>
+          <p:cNvSpPr>
+            <a:spLocks noGrp="1"/>
+          </p:cNvSpPr>
+          <p:nvPr>
+            <p:ph type="sldNum" sz="quarter" idx="12"/>
+          </p:nvPr>
+        </p:nvSpPr>
+        <p:spPr/>
+        <p:txBody>
+          <a:bodyPr/>
+          <a:lstStyle/>
+          <a:p>
+            <a:fld id="{B4451160-128F-4DAD-AE29-4A8CC0E7B9E9}" type="slidenum">
+              <a:rPr lang="ja-JP" altLang="en-US" smtClean="0"/>
+              <a:pPr/>
+              <a:t>12</a:t>
+            </a:fld>
+            <a:endParaRPr lang="ja-JP" altLang="en-US" dirty="0"/>
+          </a:p>
+        </p:txBody>
+      </p:sp>
+    </p:spTree>
+    <p:extLst>
+      <p:ext uri="{BB962C8B-B14F-4D97-AF65-F5344CB8AC3E}">
+        <p14:creationId xmlns:p14="http://schemas.microsoft.com/office/powerpoint/2010/main" val="2966181659"/>
       </p:ext>
     </p:extLst>
   </p:cSld>
@@ -6432,63 +6489,40 @@
             <p:ph type="title"/>
           </p:nvPr>
         </p:nvSpPr>
+        <p:spPr>
+          <a:xfrm>
+            <a:off x="628650" y="365127"/>
+            <a:ext cx="4910611" cy="891180"/>
+          </a:xfrm>
+        </p:spPr>
+        <p:txBody>
+          <a:bodyPr>
+            <a:normAutofit fontScale="90000"/>
+          </a:bodyPr>
+          <a:lstStyle/>
+          <a:p>
+            <a:r>
+              <a:rPr lang="ja-JP" altLang="en-US" dirty="0"/>
+              <a:t>提案システムの概要</a:t>
+            </a:r>
+            <a:endParaRPr kumimoji="1" lang="ja-JP" altLang="en-US" dirty="0"/>
+          </a:p>
+        </p:txBody>
+      </p:sp>
+      <p:sp>
+        <p:nvSpPr>
+          <p:cNvPr id="3" name="コンテンツ プレースホルダー 2"/>
+          <p:cNvSpPr>
+            <a:spLocks noGrp="1"/>
+          </p:cNvSpPr>
+          <p:nvPr>
+            <p:ph idx="1"/>
+          </p:nvPr>
+        </p:nvSpPr>
         <p:spPr/>
         <p:txBody>
           <a:bodyPr/>
           <a:lstStyle/>
-          <a:p>
-            <a:r>
-              <a:rPr kumimoji="1" lang="en-US" altLang="ja-JP" dirty="0" err="1" smtClean="0"/>
-              <a:t>LibROSA</a:t>
-            </a:r>
-            <a:endParaRPr kumimoji="1" lang="ja-JP" altLang="en-US" dirty="0"/>
-          </a:p>
-        </p:txBody>
-      </p:sp>
-      <p:sp>
-        <p:nvSpPr>
-          <p:cNvPr id="3" name="コンテンツ プレースホルダー 2"/>
-          <p:cNvSpPr>
-            <a:spLocks noGrp="1"/>
-          </p:cNvSpPr>
-          <p:nvPr>
-            <p:ph idx="1"/>
-          </p:nvPr>
-        </p:nvSpPr>
-        <p:spPr/>
-        <p:txBody>
-          <a:bodyPr/>
-          <a:lstStyle/>
-          <a:p>
-            <a:pPr marL="0" indent="0">
-              <a:buNone/>
-            </a:pPr>
-            <a:r>
-              <a:rPr kumimoji="1" lang="en-US" altLang="ja-JP" dirty="0" err="1" smtClean="0"/>
-              <a:t>LibROSA</a:t>
-            </a:r>
-            <a:r>
-              <a:rPr kumimoji="1" lang="ja-JP" altLang="en-US" dirty="0" smtClean="0"/>
-              <a:t>は</a:t>
-            </a:r>
-            <a:r>
-              <a:rPr lang="ja-JP" altLang="en-US" dirty="0"/>
-              <a:t>音楽と音声の解析のため</a:t>
-            </a:r>
-            <a:r>
-              <a:rPr lang="ja-JP" altLang="en-US" dirty="0" smtClean="0"/>
-              <a:t>の</a:t>
-            </a:r>
-            <a:r>
-              <a:rPr lang="en-US" altLang="ja-JP" dirty="0" smtClean="0"/>
-              <a:t>python</a:t>
-            </a:r>
-            <a:r>
-              <a:rPr lang="ja-JP" altLang="en-US" dirty="0" smtClean="0"/>
-              <a:t>パッケージ</a:t>
-            </a:r>
-            <a:endParaRPr lang="en-US" altLang="ja-JP" dirty="0" smtClean="0"/>
-          </a:p>
           <a:p>
             <a:pPr marL="0" indent="0">
               <a:buNone/>
@@ -6499,10 +6533,12 @@
             <a:pPr marL="0" indent="0">
               <a:buNone/>
             </a:pPr>
-            <a:r>
-              <a:rPr lang="ja-JP" altLang="en-US" dirty="0" smtClean="0"/>
-              <a:t>スペクトル解析、テンポの分析、画像出力など、音楽の分析に必要な機能があらかじめ実装されている。</a:t>
-            </a:r>
+            <a:endParaRPr lang="en-US" altLang="ja-JP" dirty="0"/>
+          </a:p>
+          <a:p>
+            <a:pPr marL="0" indent="0">
+              <a:buNone/>
+            </a:pPr>
             <a:endParaRPr kumimoji="1" lang="ja-JP" altLang="en-US" dirty="0"/>
           </a:p>
         </p:txBody>
@@ -6523,18 +6559,770 @@
           <a:lstStyle/>
           <a:p>
             <a:fld id="{B4451160-128F-4DAD-AE29-4A8CC0E7B9E9}" type="slidenum">
-              <a:rPr lang="ja-JP" altLang="en-US" smtClean="0"/>
-              <a:pPr/>
+              <a:rPr kumimoji="1" lang="ja-JP" altLang="en-US" smtClean="0"/>
               <a:t>7</a:t>
             </a:fld>
-            <a:endParaRPr lang="ja-JP" altLang="en-US" dirty="0"/>
+            <a:endParaRPr kumimoji="1" lang="ja-JP" altLang="en-US"/>
+          </a:p>
+        </p:txBody>
+      </p:sp>
+      <p:sp>
+        <p:nvSpPr>
+          <p:cNvPr id="6" name="フローチャート: 磁気ディスク 5"/>
+          <p:cNvSpPr/>
+          <p:nvPr/>
+        </p:nvSpPr>
+        <p:spPr>
+          <a:xfrm>
+            <a:off x="1456572" y="1671210"/>
+            <a:ext cx="1518699" cy="811034"/>
+          </a:xfrm>
+          <a:prstGeom prst="flowChartMagneticDisk">
+            <a:avLst/>
+          </a:prstGeom>
+        </p:spPr>
+        <p:style>
+          <a:lnRef idx="2">
+            <a:schemeClr val="accent1">
+              <a:shade val="50000"/>
+            </a:schemeClr>
+          </a:lnRef>
+          <a:fillRef idx="1">
+            <a:schemeClr val="accent1"/>
+          </a:fillRef>
+          <a:effectRef idx="0">
+            <a:schemeClr val="accent1"/>
+          </a:effectRef>
+          <a:fontRef idx="minor">
+            <a:schemeClr val="lt1"/>
+          </a:fontRef>
+        </p:style>
+        <p:txBody>
+          <a:bodyPr rtlCol="0" anchor="ctr"/>
+          <a:lstStyle/>
+          <a:p>
+            <a:pPr algn="ctr"/>
+            <a:r>
+              <a:rPr kumimoji="1" lang="ja-JP" altLang="en-US" dirty="0"/>
+              <a:t>音楽データベース</a:t>
+            </a:r>
+          </a:p>
+        </p:txBody>
+      </p:sp>
+      <p:sp>
+        <p:nvSpPr>
+          <p:cNvPr id="8" name="下矢印 7"/>
+          <p:cNvSpPr/>
+          <p:nvPr/>
+        </p:nvSpPr>
+        <p:spPr>
+          <a:xfrm rot="16200000">
+            <a:off x="611889" y="1523290"/>
+            <a:ext cx="239041" cy="1087591"/>
+          </a:xfrm>
+          <a:prstGeom prst="downArrow">
+            <a:avLst/>
+          </a:prstGeom>
+        </p:spPr>
+        <p:style>
+          <a:lnRef idx="2">
+            <a:schemeClr val="accent1">
+              <a:shade val="50000"/>
+            </a:schemeClr>
+          </a:lnRef>
+          <a:fillRef idx="1">
+            <a:schemeClr val="accent1"/>
+          </a:fillRef>
+          <a:effectRef idx="0">
+            <a:schemeClr val="accent1"/>
+          </a:effectRef>
+          <a:fontRef idx="minor">
+            <a:schemeClr val="lt1"/>
+          </a:fontRef>
+        </p:style>
+        <p:txBody>
+          <a:bodyPr rtlCol="0" anchor="ctr"/>
+          <a:lstStyle/>
+          <a:p>
+            <a:pPr algn="ctr"/>
+            <a:endParaRPr kumimoji="1" lang="ja-JP" altLang="en-US"/>
+          </a:p>
+        </p:txBody>
+      </p:sp>
+      <p:sp>
+        <p:nvSpPr>
+          <p:cNvPr id="9" name="テキスト ボックス 8"/>
+          <p:cNvSpPr txBox="1"/>
+          <p:nvPr/>
+        </p:nvSpPr>
+        <p:spPr>
+          <a:xfrm>
+            <a:off x="25460" y="1331060"/>
+            <a:ext cx="2115048" cy="646331"/>
+          </a:xfrm>
+          <a:prstGeom prst="rect">
+            <a:avLst/>
+          </a:prstGeom>
+          <a:noFill/>
+        </p:spPr>
+        <p:txBody>
+          <a:bodyPr wrap="square" rtlCol="0">
+            <a:spAutoFit/>
+          </a:bodyPr>
+          <a:lstStyle/>
+          <a:p>
+            <a:r>
+              <a:rPr kumimoji="1" lang="ja-JP" altLang="en-US" dirty="0"/>
+              <a:t>投稿された著作権フリーの音楽</a:t>
+            </a:r>
+          </a:p>
+        </p:txBody>
+      </p:sp>
+      <p:sp>
+        <p:nvSpPr>
+          <p:cNvPr id="11" name="フローチャート: 磁気ディスク 10"/>
+          <p:cNvSpPr/>
+          <p:nvPr/>
+        </p:nvSpPr>
+        <p:spPr>
+          <a:xfrm>
+            <a:off x="383146" y="3646758"/>
+            <a:ext cx="2146852" cy="811034"/>
+          </a:xfrm>
+          <a:prstGeom prst="flowChartMagneticDisk">
+            <a:avLst/>
+          </a:prstGeom>
+        </p:spPr>
+        <p:style>
+          <a:lnRef idx="2">
+            <a:schemeClr val="accent1">
+              <a:shade val="50000"/>
+            </a:schemeClr>
+          </a:lnRef>
+          <a:fillRef idx="1">
+            <a:schemeClr val="accent1"/>
+          </a:fillRef>
+          <a:effectRef idx="0">
+            <a:schemeClr val="accent1"/>
+          </a:effectRef>
+          <a:fontRef idx="minor">
+            <a:schemeClr val="lt1"/>
+          </a:fontRef>
+        </p:style>
+        <p:txBody>
+          <a:bodyPr rtlCol="0" anchor="ctr"/>
+          <a:lstStyle/>
+          <a:p>
+            <a:pPr algn="ctr"/>
+            <a:r>
+              <a:rPr lang="ja-JP" altLang="en-US" dirty="0"/>
+              <a:t>観光地推薦動画データベース</a:t>
+            </a:r>
+            <a:endParaRPr kumimoji="1" lang="ja-JP" altLang="en-US" dirty="0"/>
+          </a:p>
+        </p:txBody>
+      </p:sp>
+      <p:sp>
+        <p:nvSpPr>
+          <p:cNvPr id="12" name="下矢印 11"/>
+          <p:cNvSpPr/>
+          <p:nvPr/>
+        </p:nvSpPr>
+        <p:spPr>
+          <a:xfrm rot="16200000">
+            <a:off x="3482217" y="1661743"/>
+            <a:ext cx="178807" cy="829964"/>
+          </a:xfrm>
+          <a:prstGeom prst="downArrow">
+            <a:avLst/>
+          </a:prstGeom>
+        </p:spPr>
+        <p:style>
+          <a:lnRef idx="2">
+            <a:schemeClr val="accent1">
+              <a:shade val="50000"/>
+            </a:schemeClr>
+          </a:lnRef>
+          <a:fillRef idx="1">
+            <a:schemeClr val="accent1"/>
+          </a:fillRef>
+          <a:effectRef idx="0">
+            <a:schemeClr val="accent1"/>
+          </a:effectRef>
+          <a:fontRef idx="minor">
+            <a:schemeClr val="lt1"/>
+          </a:fontRef>
+        </p:style>
+        <p:txBody>
+          <a:bodyPr rtlCol="0" anchor="ctr"/>
+          <a:lstStyle/>
+          <a:p>
+            <a:pPr algn="ctr"/>
+            <a:endParaRPr kumimoji="1" lang="ja-JP" altLang="en-US"/>
+          </a:p>
+        </p:txBody>
+      </p:sp>
+      <p:sp>
+        <p:nvSpPr>
+          <p:cNvPr id="14" name="フローチャート: 磁気ディスク 13"/>
+          <p:cNvSpPr/>
+          <p:nvPr/>
+        </p:nvSpPr>
+        <p:spPr>
+          <a:xfrm>
+            <a:off x="6758857" y="1658722"/>
+            <a:ext cx="2202014" cy="836008"/>
+          </a:xfrm>
+          <a:prstGeom prst="flowChartMagneticDisk">
+            <a:avLst/>
+          </a:prstGeom>
+        </p:spPr>
+        <p:style>
+          <a:lnRef idx="2">
+            <a:schemeClr val="accent1">
+              <a:shade val="50000"/>
+            </a:schemeClr>
+          </a:lnRef>
+          <a:fillRef idx="1">
+            <a:schemeClr val="accent1"/>
+          </a:fillRef>
+          <a:effectRef idx="0">
+            <a:schemeClr val="accent1"/>
+          </a:effectRef>
+          <a:fontRef idx="minor">
+            <a:schemeClr val="lt1"/>
+          </a:fontRef>
+        </p:style>
+        <p:txBody>
+          <a:bodyPr rtlCol="0" anchor="ctr"/>
+          <a:lstStyle/>
+          <a:p>
+            <a:pPr algn="ctr"/>
+            <a:r>
+              <a:rPr kumimoji="1" lang="ja-JP" altLang="en-US" dirty="0"/>
+              <a:t>ジャンル分けされた音楽データベース</a:t>
+            </a:r>
+          </a:p>
+        </p:txBody>
+      </p:sp>
+      <p:sp>
+        <p:nvSpPr>
+          <p:cNvPr id="15" name="右矢印 14"/>
+          <p:cNvSpPr/>
+          <p:nvPr/>
+        </p:nvSpPr>
+        <p:spPr>
+          <a:xfrm>
+            <a:off x="5830850" y="1924981"/>
+            <a:ext cx="779412" cy="241148"/>
+          </a:xfrm>
+          <a:prstGeom prst="rightArrow">
+            <a:avLst/>
+          </a:prstGeom>
+        </p:spPr>
+        <p:style>
+          <a:lnRef idx="2">
+            <a:schemeClr val="accent1">
+              <a:shade val="50000"/>
+            </a:schemeClr>
+          </a:lnRef>
+          <a:fillRef idx="1">
+            <a:schemeClr val="accent1"/>
+          </a:fillRef>
+          <a:effectRef idx="0">
+            <a:schemeClr val="accent1"/>
+          </a:effectRef>
+          <a:fontRef idx="minor">
+            <a:schemeClr val="lt1"/>
+          </a:fontRef>
+        </p:style>
+        <p:txBody>
+          <a:bodyPr rtlCol="0" anchor="ctr"/>
+          <a:lstStyle/>
+          <a:p>
+            <a:pPr algn="ctr"/>
+            <a:endParaRPr kumimoji="1" lang="ja-JP" altLang="en-US"/>
+          </a:p>
+        </p:txBody>
+      </p:sp>
+      <p:sp>
+        <p:nvSpPr>
+          <p:cNvPr id="16" name="テキスト ボックス 15"/>
+          <p:cNvSpPr txBox="1"/>
+          <p:nvPr/>
+        </p:nvSpPr>
+        <p:spPr>
+          <a:xfrm>
+            <a:off x="4792025" y="4583877"/>
+            <a:ext cx="2472607" cy="923330"/>
+          </a:xfrm>
+          <a:prstGeom prst="rect">
+            <a:avLst/>
+          </a:prstGeom>
+          <a:noFill/>
+        </p:spPr>
+        <p:txBody>
+          <a:bodyPr wrap="square" rtlCol="0">
+            <a:spAutoFit/>
+          </a:bodyPr>
+          <a:lstStyle/>
+          <a:p>
+            <a:r>
+              <a:rPr lang="ja-JP" altLang="en-US" dirty="0"/>
+              <a:t>自分の主観</a:t>
+            </a:r>
+            <a:r>
+              <a:rPr lang="ja-JP" altLang="en-US" dirty="0" smtClean="0"/>
+              <a:t>で動画</a:t>
+            </a:r>
+            <a:r>
+              <a:rPr kumimoji="1" lang="ja-JP" altLang="en-US" dirty="0" smtClean="0"/>
+              <a:t>と</a:t>
+            </a:r>
+            <a:r>
+              <a:rPr kumimoji="1" lang="ja-JP" altLang="en-US" dirty="0"/>
+              <a:t>音楽のジャンルでマッチング</a:t>
+            </a:r>
+          </a:p>
+        </p:txBody>
+      </p:sp>
+      <p:sp>
+        <p:nvSpPr>
+          <p:cNvPr id="19" name="フローチャート: 磁気ディスク 18"/>
+          <p:cNvSpPr/>
+          <p:nvPr/>
+        </p:nvSpPr>
+        <p:spPr>
+          <a:xfrm>
+            <a:off x="6758857" y="5480191"/>
+            <a:ext cx="2202014" cy="868438"/>
+          </a:xfrm>
+          <a:prstGeom prst="flowChartMagneticDisk">
+            <a:avLst/>
+          </a:prstGeom>
+        </p:spPr>
+        <p:style>
+          <a:lnRef idx="2">
+            <a:schemeClr val="accent1">
+              <a:shade val="50000"/>
+            </a:schemeClr>
+          </a:lnRef>
+          <a:fillRef idx="1">
+            <a:schemeClr val="accent1"/>
+          </a:fillRef>
+          <a:effectRef idx="0">
+            <a:schemeClr val="accent1"/>
+          </a:effectRef>
+          <a:fontRef idx="minor">
+            <a:schemeClr val="lt1"/>
+          </a:fontRef>
+        </p:style>
+        <p:txBody>
+          <a:bodyPr rtlCol="0" anchor="ctr"/>
+          <a:lstStyle/>
+          <a:p>
+            <a:pPr algn="ctr"/>
+            <a:r>
+              <a:rPr lang="en-US" altLang="ja-JP" dirty="0"/>
+              <a:t>BGM</a:t>
+            </a:r>
+            <a:r>
+              <a:rPr lang="ja-JP" altLang="en-US" dirty="0"/>
+              <a:t>付き観光地推薦動画データベース</a:t>
+            </a:r>
+            <a:endParaRPr kumimoji="1" lang="ja-JP" altLang="en-US" dirty="0"/>
+          </a:p>
+        </p:txBody>
+      </p:sp>
+      <p:sp>
+        <p:nvSpPr>
+          <p:cNvPr id="20" name="縦巻き 19"/>
+          <p:cNvSpPr/>
+          <p:nvPr/>
+        </p:nvSpPr>
+        <p:spPr>
+          <a:xfrm>
+            <a:off x="4009620" y="1469755"/>
+            <a:ext cx="1750990" cy="1213940"/>
+          </a:xfrm>
+          <a:prstGeom prst="verticalScroll">
+            <a:avLst/>
+          </a:prstGeom>
+          <a:solidFill>
+            <a:srgbClr val="00B050"/>
+          </a:solidFill>
+        </p:spPr>
+        <p:style>
+          <a:lnRef idx="2">
+            <a:schemeClr val="accent1">
+              <a:shade val="50000"/>
+            </a:schemeClr>
+          </a:lnRef>
+          <a:fillRef idx="1">
+            <a:schemeClr val="accent1"/>
+          </a:fillRef>
+          <a:effectRef idx="0">
+            <a:schemeClr val="accent1"/>
+          </a:effectRef>
+          <a:fontRef idx="minor">
+            <a:schemeClr val="lt1"/>
+          </a:fontRef>
+        </p:style>
+        <p:txBody>
+          <a:bodyPr rtlCol="0" anchor="ctr"/>
+          <a:lstStyle/>
+          <a:p>
+            <a:pPr algn="ctr"/>
+            <a:r>
+              <a:rPr kumimoji="1" lang="ja-JP" altLang="en-US" dirty="0" smtClean="0"/>
+              <a:t>音楽ジャンル</a:t>
+            </a:r>
+            <a:r>
+              <a:rPr lang="ja-JP" altLang="en-US" dirty="0"/>
+              <a:t>分けシステム</a:t>
+            </a:r>
+            <a:endParaRPr kumimoji="1" lang="ja-JP" altLang="en-US" dirty="0"/>
+          </a:p>
+        </p:txBody>
+      </p:sp>
+      <p:sp>
+        <p:nvSpPr>
+          <p:cNvPr id="21" name="縦巻き 20"/>
+          <p:cNvSpPr/>
+          <p:nvPr/>
+        </p:nvSpPr>
+        <p:spPr>
+          <a:xfrm>
+            <a:off x="6610261" y="3337233"/>
+            <a:ext cx="2302904" cy="1213940"/>
+          </a:xfrm>
+          <a:prstGeom prst="verticalScroll">
+            <a:avLst/>
+          </a:prstGeom>
+          <a:solidFill>
+            <a:srgbClr val="00B050"/>
+          </a:solidFill>
+        </p:spPr>
+        <p:style>
+          <a:lnRef idx="2">
+            <a:schemeClr val="accent1">
+              <a:shade val="50000"/>
+            </a:schemeClr>
+          </a:lnRef>
+          <a:fillRef idx="1">
+            <a:schemeClr val="accent1"/>
+          </a:fillRef>
+          <a:effectRef idx="0">
+            <a:schemeClr val="accent1"/>
+          </a:effectRef>
+          <a:fontRef idx="minor">
+            <a:schemeClr val="lt1"/>
+          </a:fontRef>
+        </p:style>
+        <p:txBody>
+          <a:bodyPr rtlCol="0" anchor="ctr"/>
+          <a:lstStyle/>
+          <a:p>
+            <a:pPr algn="ctr"/>
+            <a:r>
+              <a:rPr lang="ja-JP" altLang="en-US" dirty="0"/>
+              <a:t>動画と音楽のマッチングシステム</a:t>
+            </a:r>
+            <a:endParaRPr kumimoji="1" lang="ja-JP" altLang="en-US" dirty="0"/>
+          </a:p>
+        </p:txBody>
+      </p:sp>
+      <p:sp>
+        <p:nvSpPr>
+          <p:cNvPr id="22" name="右矢印 21"/>
+          <p:cNvSpPr/>
+          <p:nvPr/>
+        </p:nvSpPr>
+        <p:spPr>
+          <a:xfrm>
+            <a:off x="2822713" y="3933006"/>
+            <a:ext cx="3635237" cy="238539"/>
+          </a:xfrm>
+          <a:prstGeom prst="rightArrow">
+            <a:avLst/>
+          </a:prstGeom>
+        </p:spPr>
+        <p:style>
+          <a:lnRef idx="2">
+            <a:schemeClr val="accent1">
+              <a:shade val="50000"/>
+            </a:schemeClr>
+          </a:lnRef>
+          <a:fillRef idx="1">
+            <a:schemeClr val="accent1"/>
+          </a:fillRef>
+          <a:effectRef idx="0">
+            <a:schemeClr val="accent1"/>
+          </a:effectRef>
+          <a:fontRef idx="minor">
+            <a:schemeClr val="lt1"/>
+          </a:fontRef>
+        </p:style>
+        <p:txBody>
+          <a:bodyPr rtlCol="0" anchor="ctr"/>
+          <a:lstStyle/>
+          <a:p>
+            <a:pPr algn="ctr"/>
+            <a:endParaRPr kumimoji="1" lang="ja-JP" altLang="en-US"/>
+          </a:p>
+        </p:txBody>
+      </p:sp>
+      <p:sp>
+        <p:nvSpPr>
+          <p:cNvPr id="23" name="下矢印 22"/>
+          <p:cNvSpPr/>
+          <p:nvPr/>
+        </p:nvSpPr>
+        <p:spPr>
+          <a:xfrm>
+            <a:off x="7092564" y="4745546"/>
+            <a:ext cx="1393957" cy="666808"/>
+          </a:xfrm>
+          <a:prstGeom prst="downArrow">
+            <a:avLst/>
+          </a:prstGeom>
+        </p:spPr>
+        <p:style>
+          <a:lnRef idx="2">
+            <a:schemeClr val="accent1">
+              <a:shade val="50000"/>
+            </a:schemeClr>
+          </a:lnRef>
+          <a:fillRef idx="1">
+            <a:schemeClr val="accent1"/>
+          </a:fillRef>
+          <a:effectRef idx="0">
+            <a:schemeClr val="accent1"/>
+          </a:effectRef>
+          <a:fontRef idx="minor">
+            <a:schemeClr val="lt1"/>
+          </a:fontRef>
+        </p:style>
+        <p:txBody>
+          <a:bodyPr rtlCol="0" anchor="ctr"/>
+          <a:lstStyle/>
+          <a:p>
+            <a:pPr algn="ctr"/>
+            <a:endParaRPr kumimoji="1" lang="ja-JP" altLang="en-US"/>
+          </a:p>
+        </p:txBody>
+      </p:sp>
+      <p:sp>
+        <p:nvSpPr>
+          <p:cNvPr id="24" name="下矢印 23"/>
+          <p:cNvSpPr/>
+          <p:nvPr/>
+        </p:nvSpPr>
+        <p:spPr>
+          <a:xfrm>
+            <a:off x="7036905" y="2649145"/>
+            <a:ext cx="1542552" cy="516422"/>
+          </a:xfrm>
+          <a:prstGeom prst="downArrow">
+            <a:avLst/>
+          </a:prstGeom>
+        </p:spPr>
+        <p:style>
+          <a:lnRef idx="2">
+            <a:schemeClr val="accent1">
+              <a:shade val="50000"/>
+            </a:schemeClr>
+          </a:lnRef>
+          <a:fillRef idx="1">
+            <a:schemeClr val="accent1"/>
+          </a:fillRef>
+          <a:effectRef idx="0">
+            <a:schemeClr val="accent1"/>
+          </a:effectRef>
+          <a:fontRef idx="minor">
+            <a:schemeClr val="lt1"/>
+          </a:fontRef>
+        </p:style>
+        <p:txBody>
+          <a:bodyPr rtlCol="0" anchor="ctr"/>
+          <a:lstStyle/>
+          <a:p>
+            <a:pPr algn="ctr"/>
+            <a:endParaRPr kumimoji="1" lang="ja-JP" altLang="en-US"/>
+          </a:p>
+        </p:txBody>
+      </p:sp>
+      <p:sp>
+        <p:nvSpPr>
+          <p:cNvPr id="25" name="テキスト ボックス 24"/>
+          <p:cNvSpPr txBox="1"/>
+          <p:nvPr/>
+        </p:nvSpPr>
+        <p:spPr>
+          <a:xfrm>
+            <a:off x="2342728" y="2455311"/>
+            <a:ext cx="1756094" cy="738664"/>
+          </a:xfrm>
+          <a:prstGeom prst="rect">
+            <a:avLst/>
+          </a:prstGeom>
+          <a:noFill/>
+        </p:spPr>
+        <p:txBody>
+          <a:bodyPr wrap="square" rtlCol="0">
+            <a:spAutoFit/>
+          </a:bodyPr>
+          <a:lstStyle/>
+          <a:p>
+            <a:r>
+              <a:rPr lang="ja-JP" altLang="en-US" sz="1400" dirty="0"/>
+              <a:t>ラウンドロビンを利用し，</a:t>
+            </a:r>
+            <a:r>
+              <a:rPr kumimoji="1" lang="ja-JP" altLang="en-US" sz="1400" dirty="0"/>
+              <a:t>いくつかのサーバーに処理</a:t>
+            </a:r>
+            <a:r>
+              <a:rPr kumimoji="1" lang="ja-JP" altLang="en-US" sz="1400" dirty="0" smtClean="0"/>
+              <a:t>を分散</a:t>
+            </a:r>
+            <a:endParaRPr kumimoji="1" lang="ja-JP" altLang="en-US" sz="1400" dirty="0"/>
+          </a:p>
+        </p:txBody>
+      </p:sp>
+      <p:pic>
+        <p:nvPicPr>
+          <p:cNvPr id="5" name="図 4"/>
+          <p:cNvPicPr>
+            <a:picLocks noChangeAspect="1"/>
+          </p:cNvPicPr>
+          <p:nvPr/>
+        </p:nvPicPr>
+        <p:blipFill>
+          <a:blip r:embed="rId2" cstate="print">
+            <a:extLst>
+              <a:ext uri="{28A0092B-C50C-407E-A947-70E740481C1C}">
+                <a14:useLocalDpi xmlns:a14="http://schemas.microsoft.com/office/drawing/2010/main" val="0"/>
+              </a:ext>
+            </a:extLst>
+          </a:blip>
+          <a:stretch>
+            <a:fillRect/>
+          </a:stretch>
+        </p:blipFill>
+        <p:spPr>
+          <a:xfrm>
+            <a:off x="784689" y="5412494"/>
+            <a:ext cx="1745309" cy="1308982"/>
+          </a:xfrm>
+          <a:prstGeom prst="rect">
+            <a:avLst/>
+          </a:prstGeom>
+        </p:spPr>
+      </p:pic>
+      <p:cxnSp>
+        <p:nvCxnSpPr>
+          <p:cNvPr id="10" name="直線コネクタ 9"/>
+          <p:cNvCxnSpPr/>
+          <p:nvPr/>
+        </p:nvCxnSpPr>
+        <p:spPr>
+          <a:xfrm flipH="1">
+            <a:off x="858741" y="4863342"/>
+            <a:ext cx="3781590" cy="479935"/>
+          </a:xfrm>
+          <a:prstGeom prst="line">
+            <a:avLst/>
+          </a:prstGeom>
+          <a:ln>
+            <a:solidFill>
+              <a:schemeClr val="tx1"/>
+            </a:solidFill>
+          </a:ln>
+        </p:spPr>
+        <p:style>
+          <a:lnRef idx="1">
+            <a:schemeClr val="accent1"/>
+          </a:lnRef>
+          <a:fillRef idx="0">
+            <a:schemeClr val="accent1"/>
+          </a:fillRef>
+          <a:effectRef idx="0">
+            <a:schemeClr val="accent1"/>
+          </a:effectRef>
+          <a:fontRef idx="minor">
+            <a:schemeClr val="tx1"/>
+          </a:fontRef>
+        </p:style>
+      </p:cxnSp>
+      <p:cxnSp>
+        <p:nvCxnSpPr>
+          <p:cNvPr id="17" name="直線コネクタ 16"/>
+          <p:cNvCxnSpPr/>
+          <p:nvPr/>
+        </p:nvCxnSpPr>
+        <p:spPr>
+          <a:xfrm flipH="1">
+            <a:off x="5984782" y="5301356"/>
+            <a:ext cx="352408" cy="320950"/>
+          </a:xfrm>
+          <a:prstGeom prst="line">
+            <a:avLst/>
+          </a:prstGeom>
+          <a:ln>
+            <a:solidFill>
+              <a:schemeClr val="tx1"/>
+            </a:solidFill>
+          </a:ln>
+        </p:spPr>
+        <p:style>
+          <a:lnRef idx="1">
+            <a:schemeClr val="accent1"/>
+          </a:lnRef>
+          <a:fillRef idx="0">
+            <a:schemeClr val="accent1"/>
+          </a:fillRef>
+          <a:effectRef idx="0">
+            <a:schemeClr val="accent1"/>
+          </a:effectRef>
+          <a:fontRef idx="minor">
+            <a:schemeClr val="tx1"/>
+          </a:fontRef>
+        </p:style>
+      </p:cxnSp>
+      <p:sp>
+        <p:nvSpPr>
+          <p:cNvPr id="18" name="テキスト ボックス 17"/>
+          <p:cNvSpPr txBox="1"/>
+          <p:nvPr/>
+        </p:nvSpPr>
+        <p:spPr>
+          <a:xfrm>
+            <a:off x="2775502" y="5412353"/>
+            <a:ext cx="2763759" cy="943997"/>
+          </a:xfrm>
+          <a:prstGeom prst="rect">
+            <a:avLst/>
+          </a:prstGeom>
+          <a:noFill/>
+        </p:spPr>
+        <p:txBody>
+          <a:bodyPr wrap="square" rtlCol="0">
+            <a:spAutoFit/>
+          </a:bodyPr>
+          <a:lstStyle/>
+          <a:p>
+            <a:r>
+              <a:rPr kumimoji="1" lang="ja-JP" altLang="en-US" dirty="0"/>
+              <a:t>観光地から明るい印象を受けるので，“元気が出る”音楽とマッチング</a:t>
+            </a:r>
           </a:p>
         </p:txBody>
       </p:sp>
     </p:spTree>
     <p:extLst>
       <p:ext uri="{BB962C8B-B14F-4D97-AF65-F5344CB8AC3E}">
-        <p14:creationId xmlns:p14="http://schemas.microsoft.com/office/powerpoint/2010/main" val="2966181659"/>
+        <p14:creationId xmlns:p14="http://schemas.microsoft.com/office/powerpoint/2010/main" val="4224668961"/>
       </p:ext>
     </p:extLst>
   </p:cSld>
@@ -6570,42 +7358,12 @@
       </p:grpSpPr>
       <p:sp>
         <p:nvSpPr>
-          <p:cNvPr id="2" name="タイトル 1"/>
-          <p:cNvSpPr>
-            <a:spLocks noGrp="1"/>
-          </p:cNvSpPr>
-          <p:nvPr>
-            <p:ph type="title"/>
-          </p:nvPr>
-        </p:nvSpPr>
-        <p:spPr>
-          <a:xfrm>
-            <a:off x="628650" y="365127"/>
-            <a:ext cx="4910611" cy="891180"/>
-          </a:xfrm>
-        </p:spPr>
-        <p:txBody>
-          <a:bodyPr>
-            <a:normAutofit fontScale="90000"/>
-          </a:bodyPr>
-          <a:lstStyle/>
-          <a:p>
-            <a:r>
-              <a:rPr lang="ja-JP" altLang="en-US" dirty="0"/>
-              <a:t>提案システムの概要</a:t>
-            </a:r>
-            <a:endParaRPr kumimoji="1" lang="ja-JP" altLang="en-US" dirty="0"/>
-          </a:p>
-        </p:txBody>
-      </p:sp>
-      <p:sp>
-        <p:nvSpPr>
-          <p:cNvPr id="3" name="コンテンツ プレースホルダー 2"/>
-          <p:cNvSpPr>
-            <a:spLocks noGrp="1"/>
-          </p:cNvSpPr>
-          <p:nvPr>
-            <p:ph idx="1"/>
+          <p:cNvPr id="4" name="スライド番号プレースホルダー 3"/>
+          <p:cNvSpPr>
+            <a:spLocks noGrp="1"/>
+          </p:cNvSpPr>
+          <p:nvPr>
+            <p:ph type="sldNum" sz="quarter" idx="12"/>
           </p:nvPr>
         </p:nvSpPr>
         <p:spPr/>
@@ -6613,682 +7371,166 @@
           <a:bodyPr/>
           <a:lstStyle/>
           <a:p>
-            <a:pPr marL="0" indent="0">
-              <a:buNone/>
-            </a:pPr>
-            <a:endParaRPr kumimoji="1" lang="en-US" altLang="ja-JP" dirty="0"/>
-          </a:p>
-          <a:p>
-            <a:pPr marL="0" indent="0">
-              <a:buNone/>
-            </a:pPr>
-            <a:endParaRPr lang="en-US" altLang="ja-JP" dirty="0"/>
-          </a:p>
-          <a:p>
-            <a:pPr marL="0" indent="0">
-              <a:buNone/>
-            </a:pPr>
-            <a:endParaRPr kumimoji="1" lang="ja-JP" altLang="en-US" dirty="0"/>
-          </a:p>
-        </p:txBody>
-      </p:sp>
-      <p:sp>
-        <p:nvSpPr>
-          <p:cNvPr id="4" name="スライド番号プレースホルダー 3"/>
-          <p:cNvSpPr>
-            <a:spLocks noGrp="1"/>
-          </p:cNvSpPr>
-          <p:nvPr>
-            <p:ph type="sldNum" sz="quarter" idx="12"/>
-          </p:nvPr>
-        </p:nvSpPr>
-        <p:spPr/>
-        <p:txBody>
-          <a:bodyPr/>
-          <a:lstStyle/>
-          <a:p>
             <a:fld id="{B4451160-128F-4DAD-AE29-4A8CC0E7B9E9}" type="slidenum">
-              <a:rPr kumimoji="1" lang="ja-JP" altLang="en-US" smtClean="0"/>
+              <a:rPr lang="ja-JP" altLang="en-US" smtClean="0"/>
+              <a:pPr/>
               <a:t>8</a:t>
             </a:fld>
-            <a:endParaRPr kumimoji="1" lang="ja-JP" altLang="en-US"/>
-          </a:p>
-        </p:txBody>
-      </p:sp>
-      <p:sp>
-        <p:nvSpPr>
-          <p:cNvPr id="6" name="フローチャート: 磁気ディスク 5"/>
-          <p:cNvSpPr/>
+            <a:endParaRPr lang="ja-JP" altLang="en-US" dirty="0"/>
+          </a:p>
+        </p:txBody>
+      </p:sp>
+      <p:grpSp>
+        <p:nvGrpSpPr>
+          <p:cNvPr id="16" name="グループ化 15"/>
+          <p:cNvGrpSpPr/>
           <p:nvPr/>
-        </p:nvSpPr>
-        <p:spPr>
-          <a:xfrm>
-            <a:off x="1456572" y="1671210"/>
-            <a:ext cx="1518699" cy="811034"/>
-          </a:xfrm>
-          <a:prstGeom prst="flowChartMagneticDisk">
-            <a:avLst/>
-          </a:prstGeom>
-        </p:spPr>
-        <p:style>
-          <a:lnRef idx="2">
-            <a:schemeClr val="accent1">
-              <a:shade val="50000"/>
-            </a:schemeClr>
-          </a:lnRef>
-          <a:fillRef idx="1">
-            <a:schemeClr val="accent1"/>
-          </a:fillRef>
-          <a:effectRef idx="0">
-            <a:schemeClr val="accent1"/>
-          </a:effectRef>
-          <a:fontRef idx="minor">
-            <a:schemeClr val="lt1"/>
-          </a:fontRef>
-        </p:style>
-        <p:txBody>
-          <a:bodyPr rtlCol="0" anchor="ctr"/>
-          <a:lstStyle/>
-          <a:p>
-            <a:pPr algn="ctr"/>
-            <a:r>
-              <a:rPr kumimoji="1" lang="ja-JP" altLang="en-US" dirty="0"/>
-              <a:t>音楽データベース</a:t>
-            </a:r>
-          </a:p>
-        </p:txBody>
-      </p:sp>
-      <p:sp>
-        <p:nvSpPr>
-          <p:cNvPr id="8" name="下矢印 7"/>
-          <p:cNvSpPr/>
-          <p:nvPr/>
-        </p:nvSpPr>
-        <p:spPr>
-          <a:xfrm rot="16200000">
-            <a:off x="611889" y="1523290"/>
-            <a:ext cx="239041" cy="1087591"/>
-          </a:xfrm>
-          <a:prstGeom prst="downArrow">
-            <a:avLst/>
-          </a:prstGeom>
-        </p:spPr>
-        <p:style>
-          <a:lnRef idx="2">
-            <a:schemeClr val="accent1">
-              <a:shade val="50000"/>
-            </a:schemeClr>
-          </a:lnRef>
-          <a:fillRef idx="1">
-            <a:schemeClr val="accent1"/>
-          </a:fillRef>
-          <a:effectRef idx="0">
-            <a:schemeClr val="accent1"/>
-          </a:effectRef>
-          <a:fontRef idx="minor">
-            <a:schemeClr val="lt1"/>
-          </a:fontRef>
-        </p:style>
-        <p:txBody>
-          <a:bodyPr rtlCol="0" anchor="ctr"/>
-          <a:lstStyle/>
-          <a:p>
-            <a:pPr algn="ctr"/>
-            <a:endParaRPr kumimoji="1" lang="ja-JP" altLang="en-US"/>
-          </a:p>
-        </p:txBody>
-      </p:sp>
-      <p:sp>
-        <p:nvSpPr>
-          <p:cNvPr id="9" name="テキスト ボックス 8"/>
-          <p:cNvSpPr txBox="1"/>
-          <p:nvPr/>
-        </p:nvSpPr>
-        <p:spPr>
-          <a:xfrm>
-            <a:off x="25460" y="1331060"/>
-            <a:ext cx="2115048" cy="646331"/>
-          </a:xfrm>
-          <a:prstGeom prst="rect">
-            <a:avLst/>
-          </a:prstGeom>
-          <a:noFill/>
-        </p:spPr>
-        <p:txBody>
-          <a:bodyPr wrap="square" rtlCol="0">
-            <a:spAutoFit/>
-          </a:bodyPr>
-          <a:lstStyle/>
-          <a:p>
-            <a:r>
-              <a:rPr kumimoji="1" lang="ja-JP" altLang="en-US" dirty="0"/>
-              <a:t>投稿された著作権フリーの音楽</a:t>
-            </a:r>
-          </a:p>
-        </p:txBody>
-      </p:sp>
-      <p:sp>
-        <p:nvSpPr>
-          <p:cNvPr id="11" name="フローチャート: 磁気ディスク 10"/>
-          <p:cNvSpPr/>
-          <p:nvPr/>
-        </p:nvSpPr>
-        <p:spPr>
-          <a:xfrm>
-            <a:off x="383146" y="3646758"/>
-            <a:ext cx="2146852" cy="811034"/>
-          </a:xfrm>
-          <a:prstGeom prst="flowChartMagneticDisk">
-            <a:avLst/>
-          </a:prstGeom>
-        </p:spPr>
-        <p:style>
-          <a:lnRef idx="2">
-            <a:schemeClr val="accent1">
-              <a:shade val="50000"/>
-            </a:schemeClr>
-          </a:lnRef>
-          <a:fillRef idx="1">
-            <a:schemeClr val="accent1"/>
-          </a:fillRef>
-          <a:effectRef idx="0">
-            <a:schemeClr val="accent1"/>
-          </a:effectRef>
-          <a:fontRef idx="minor">
-            <a:schemeClr val="lt1"/>
-          </a:fontRef>
-        </p:style>
-        <p:txBody>
-          <a:bodyPr rtlCol="0" anchor="ctr"/>
-          <a:lstStyle/>
-          <a:p>
-            <a:pPr algn="ctr"/>
-            <a:r>
-              <a:rPr lang="ja-JP" altLang="en-US" dirty="0"/>
-              <a:t>観光地推薦動画データベース</a:t>
-            </a:r>
-            <a:endParaRPr kumimoji="1" lang="ja-JP" altLang="en-US" dirty="0"/>
-          </a:p>
-        </p:txBody>
-      </p:sp>
-      <p:sp>
-        <p:nvSpPr>
-          <p:cNvPr id="12" name="下矢印 11"/>
-          <p:cNvSpPr/>
-          <p:nvPr/>
-        </p:nvSpPr>
-        <p:spPr>
-          <a:xfrm rot="16200000">
-            <a:off x="3482217" y="1661743"/>
-            <a:ext cx="178807" cy="829964"/>
-          </a:xfrm>
-          <a:prstGeom prst="downArrow">
-            <a:avLst/>
-          </a:prstGeom>
-        </p:spPr>
-        <p:style>
-          <a:lnRef idx="2">
-            <a:schemeClr val="accent1">
-              <a:shade val="50000"/>
-            </a:schemeClr>
-          </a:lnRef>
-          <a:fillRef idx="1">
-            <a:schemeClr val="accent1"/>
-          </a:fillRef>
-          <a:effectRef idx="0">
-            <a:schemeClr val="accent1"/>
-          </a:effectRef>
-          <a:fontRef idx="minor">
-            <a:schemeClr val="lt1"/>
-          </a:fontRef>
-        </p:style>
-        <p:txBody>
-          <a:bodyPr rtlCol="0" anchor="ctr"/>
-          <a:lstStyle/>
-          <a:p>
-            <a:pPr algn="ctr"/>
-            <a:endParaRPr kumimoji="1" lang="ja-JP" altLang="en-US"/>
-          </a:p>
-        </p:txBody>
-      </p:sp>
-      <p:sp>
-        <p:nvSpPr>
-          <p:cNvPr id="14" name="フローチャート: 磁気ディスク 13"/>
-          <p:cNvSpPr/>
-          <p:nvPr/>
-        </p:nvSpPr>
-        <p:spPr>
-          <a:xfrm>
-            <a:off x="6758857" y="1658722"/>
-            <a:ext cx="2202014" cy="836008"/>
-          </a:xfrm>
-          <a:prstGeom prst="flowChartMagneticDisk">
-            <a:avLst/>
-          </a:prstGeom>
-        </p:spPr>
-        <p:style>
-          <a:lnRef idx="2">
-            <a:schemeClr val="accent1">
-              <a:shade val="50000"/>
-            </a:schemeClr>
-          </a:lnRef>
-          <a:fillRef idx="1">
-            <a:schemeClr val="accent1"/>
-          </a:fillRef>
-          <a:effectRef idx="0">
-            <a:schemeClr val="accent1"/>
-          </a:effectRef>
-          <a:fontRef idx="minor">
-            <a:schemeClr val="lt1"/>
-          </a:fontRef>
-        </p:style>
-        <p:txBody>
-          <a:bodyPr rtlCol="0" anchor="ctr"/>
-          <a:lstStyle/>
-          <a:p>
-            <a:pPr algn="ctr"/>
-            <a:r>
-              <a:rPr kumimoji="1" lang="ja-JP" altLang="en-US" dirty="0"/>
-              <a:t>ジャンル分けされた音楽データベース</a:t>
-            </a:r>
-          </a:p>
-        </p:txBody>
-      </p:sp>
-      <p:sp>
-        <p:nvSpPr>
-          <p:cNvPr id="15" name="右矢印 14"/>
-          <p:cNvSpPr/>
-          <p:nvPr/>
-        </p:nvSpPr>
-        <p:spPr>
-          <a:xfrm>
-            <a:off x="5830850" y="1924981"/>
-            <a:ext cx="779412" cy="241148"/>
-          </a:xfrm>
-          <a:prstGeom prst="rightArrow">
-            <a:avLst/>
-          </a:prstGeom>
-        </p:spPr>
-        <p:style>
-          <a:lnRef idx="2">
-            <a:schemeClr val="accent1">
-              <a:shade val="50000"/>
-            </a:schemeClr>
-          </a:lnRef>
-          <a:fillRef idx="1">
-            <a:schemeClr val="accent1"/>
-          </a:fillRef>
-          <a:effectRef idx="0">
-            <a:schemeClr val="accent1"/>
-          </a:effectRef>
-          <a:fontRef idx="minor">
-            <a:schemeClr val="lt1"/>
-          </a:fontRef>
-        </p:style>
-        <p:txBody>
-          <a:bodyPr rtlCol="0" anchor="ctr"/>
-          <a:lstStyle/>
-          <a:p>
-            <a:pPr algn="ctr"/>
-            <a:endParaRPr kumimoji="1" lang="ja-JP" altLang="en-US"/>
-          </a:p>
-        </p:txBody>
-      </p:sp>
-      <p:sp>
-        <p:nvSpPr>
-          <p:cNvPr id="16" name="テキスト ボックス 15"/>
-          <p:cNvSpPr txBox="1"/>
-          <p:nvPr/>
-        </p:nvSpPr>
-        <p:spPr>
-          <a:xfrm>
-            <a:off x="4792025" y="4583877"/>
-            <a:ext cx="2472607" cy="923330"/>
-          </a:xfrm>
-          <a:prstGeom prst="rect">
-            <a:avLst/>
-          </a:prstGeom>
-          <a:noFill/>
-        </p:spPr>
-        <p:txBody>
-          <a:bodyPr wrap="square" rtlCol="0">
-            <a:spAutoFit/>
-          </a:bodyPr>
-          <a:lstStyle/>
-          <a:p>
-            <a:r>
-              <a:rPr lang="ja-JP" altLang="en-US" dirty="0"/>
-              <a:t>自分の主観</a:t>
-            </a:r>
-            <a:r>
-              <a:rPr lang="ja-JP" altLang="en-US" dirty="0" smtClean="0"/>
-              <a:t>で動画</a:t>
-            </a:r>
-            <a:r>
-              <a:rPr kumimoji="1" lang="ja-JP" altLang="en-US" dirty="0" smtClean="0"/>
-              <a:t>と</a:t>
-            </a:r>
-            <a:r>
-              <a:rPr kumimoji="1" lang="ja-JP" altLang="en-US" dirty="0"/>
-              <a:t>音楽のジャンルでマッチング</a:t>
-            </a:r>
-          </a:p>
-        </p:txBody>
-      </p:sp>
-      <p:sp>
-        <p:nvSpPr>
-          <p:cNvPr id="19" name="フローチャート: 磁気ディスク 18"/>
-          <p:cNvSpPr/>
-          <p:nvPr/>
-        </p:nvSpPr>
-        <p:spPr>
-          <a:xfrm>
-            <a:off x="6758857" y="5480191"/>
-            <a:ext cx="2202014" cy="868438"/>
-          </a:xfrm>
-          <a:prstGeom prst="flowChartMagneticDisk">
-            <a:avLst/>
-          </a:prstGeom>
-        </p:spPr>
-        <p:style>
-          <a:lnRef idx="2">
-            <a:schemeClr val="accent1">
-              <a:shade val="50000"/>
-            </a:schemeClr>
-          </a:lnRef>
-          <a:fillRef idx="1">
-            <a:schemeClr val="accent1"/>
-          </a:fillRef>
-          <a:effectRef idx="0">
-            <a:schemeClr val="accent1"/>
-          </a:effectRef>
-          <a:fontRef idx="minor">
-            <a:schemeClr val="lt1"/>
-          </a:fontRef>
-        </p:style>
-        <p:txBody>
-          <a:bodyPr rtlCol="0" anchor="ctr"/>
-          <a:lstStyle/>
-          <a:p>
-            <a:pPr algn="ctr"/>
-            <a:r>
-              <a:rPr lang="en-US" altLang="ja-JP" dirty="0"/>
-              <a:t>BGM</a:t>
-            </a:r>
-            <a:r>
-              <a:rPr lang="ja-JP" altLang="en-US" dirty="0"/>
-              <a:t>付き観光地推薦動画データベース</a:t>
-            </a:r>
-            <a:endParaRPr kumimoji="1" lang="ja-JP" altLang="en-US" dirty="0"/>
-          </a:p>
-        </p:txBody>
-      </p:sp>
-      <p:sp>
-        <p:nvSpPr>
-          <p:cNvPr id="20" name="縦巻き 19"/>
-          <p:cNvSpPr/>
-          <p:nvPr/>
-        </p:nvSpPr>
-        <p:spPr>
-          <a:xfrm>
-            <a:off x="4009620" y="1469755"/>
-            <a:ext cx="1750990" cy="1213940"/>
-          </a:xfrm>
-          <a:prstGeom prst="verticalScroll">
-            <a:avLst/>
-          </a:prstGeom>
-          <a:solidFill>
-            <a:srgbClr val="00B050"/>
-          </a:solidFill>
-        </p:spPr>
-        <p:style>
-          <a:lnRef idx="2">
-            <a:schemeClr val="accent1">
-              <a:shade val="50000"/>
-            </a:schemeClr>
-          </a:lnRef>
-          <a:fillRef idx="1">
-            <a:schemeClr val="accent1"/>
-          </a:fillRef>
-          <a:effectRef idx="0">
-            <a:schemeClr val="accent1"/>
-          </a:effectRef>
-          <a:fontRef idx="minor">
-            <a:schemeClr val="lt1"/>
-          </a:fontRef>
-        </p:style>
-        <p:txBody>
-          <a:bodyPr rtlCol="0" anchor="ctr"/>
-          <a:lstStyle/>
-          <a:p>
-            <a:pPr algn="ctr"/>
-            <a:r>
-              <a:rPr kumimoji="1" lang="ja-JP" altLang="en-US" dirty="0" smtClean="0"/>
-              <a:t>音楽ジャンル</a:t>
-            </a:r>
-            <a:r>
-              <a:rPr lang="ja-JP" altLang="en-US" dirty="0"/>
-              <a:t>分けシステム</a:t>
-            </a:r>
-            <a:endParaRPr kumimoji="1" lang="ja-JP" altLang="en-US" dirty="0"/>
-          </a:p>
-        </p:txBody>
-      </p:sp>
-      <p:sp>
-        <p:nvSpPr>
-          <p:cNvPr id="21" name="縦巻き 20"/>
-          <p:cNvSpPr/>
-          <p:nvPr/>
-        </p:nvSpPr>
-        <p:spPr>
-          <a:xfrm>
-            <a:off x="6610261" y="3337233"/>
-            <a:ext cx="2302904" cy="1213940"/>
-          </a:xfrm>
-          <a:prstGeom prst="verticalScroll">
-            <a:avLst/>
-          </a:prstGeom>
-          <a:solidFill>
-            <a:srgbClr val="00B050"/>
-          </a:solidFill>
-        </p:spPr>
-        <p:style>
-          <a:lnRef idx="2">
-            <a:schemeClr val="accent1">
-              <a:shade val="50000"/>
-            </a:schemeClr>
-          </a:lnRef>
-          <a:fillRef idx="1">
-            <a:schemeClr val="accent1"/>
-          </a:fillRef>
-          <a:effectRef idx="0">
-            <a:schemeClr val="accent1"/>
-          </a:effectRef>
-          <a:fontRef idx="minor">
-            <a:schemeClr val="lt1"/>
-          </a:fontRef>
-        </p:style>
-        <p:txBody>
-          <a:bodyPr rtlCol="0" anchor="ctr"/>
-          <a:lstStyle/>
-          <a:p>
-            <a:pPr algn="ctr"/>
-            <a:r>
-              <a:rPr lang="ja-JP" altLang="en-US" dirty="0"/>
-              <a:t>動画と音楽のマッチングシステム</a:t>
-            </a:r>
-            <a:endParaRPr kumimoji="1" lang="ja-JP" altLang="en-US" dirty="0"/>
-          </a:p>
-        </p:txBody>
-      </p:sp>
-      <p:sp>
-        <p:nvSpPr>
-          <p:cNvPr id="22" name="右矢印 21"/>
-          <p:cNvSpPr/>
-          <p:nvPr/>
-        </p:nvSpPr>
-        <p:spPr>
-          <a:xfrm>
-            <a:off x="2822713" y="3933006"/>
-            <a:ext cx="3635237" cy="238539"/>
-          </a:xfrm>
-          <a:prstGeom prst="rightArrow">
-            <a:avLst/>
-          </a:prstGeom>
-        </p:spPr>
-        <p:style>
-          <a:lnRef idx="2">
-            <a:schemeClr val="accent1">
-              <a:shade val="50000"/>
-            </a:schemeClr>
-          </a:lnRef>
-          <a:fillRef idx="1">
-            <a:schemeClr val="accent1"/>
-          </a:fillRef>
-          <a:effectRef idx="0">
-            <a:schemeClr val="accent1"/>
-          </a:effectRef>
-          <a:fontRef idx="minor">
-            <a:schemeClr val="lt1"/>
-          </a:fontRef>
-        </p:style>
-        <p:txBody>
-          <a:bodyPr rtlCol="0" anchor="ctr"/>
-          <a:lstStyle/>
-          <a:p>
-            <a:pPr algn="ctr"/>
-            <a:endParaRPr kumimoji="1" lang="ja-JP" altLang="en-US"/>
-          </a:p>
-        </p:txBody>
-      </p:sp>
-      <p:sp>
-        <p:nvSpPr>
-          <p:cNvPr id="23" name="下矢印 22"/>
-          <p:cNvSpPr/>
-          <p:nvPr/>
-        </p:nvSpPr>
-        <p:spPr>
-          <a:xfrm>
-            <a:off x="7092564" y="4745546"/>
-            <a:ext cx="1393957" cy="666808"/>
-          </a:xfrm>
-          <a:prstGeom prst="downArrow">
-            <a:avLst/>
-          </a:prstGeom>
-        </p:spPr>
-        <p:style>
-          <a:lnRef idx="2">
-            <a:schemeClr val="accent1">
-              <a:shade val="50000"/>
-            </a:schemeClr>
-          </a:lnRef>
-          <a:fillRef idx="1">
-            <a:schemeClr val="accent1"/>
-          </a:fillRef>
-          <a:effectRef idx="0">
-            <a:schemeClr val="accent1"/>
-          </a:effectRef>
-          <a:fontRef idx="minor">
-            <a:schemeClr val="lt1"/>
-          </a:fontRef>
-        </p:style>
-        <p:txBody>
-          <a:bodyPr rtlCol="0" anchor="ctr"/>
-          <a:lstStyle/>
-          <a:p>
-            <a:pPr algn="ctr"/>
-            <a:endParaRPr kumimoji="1" lang="ja-JP" altLang="en-US"/>
-          </a:p>
-        </p:txBody>
-      </p:sp>
-      <p:sp>
-        <p:nvSpPr>
-          <p:cNvPr id="24" name="下矢印 23"/>
-          <p:cNvSpPr/>
-          <p:nvPr/>
-        </p:nvSpPr>
-        <p:spPr>
-          <a:xfrm>
-            <a:off x="7036905" y="2649145"/>
-            <a:ext cx="1542552" cy="516422"/>
-          </a:xfrm>
-          <a:prstGeom prst="downArrow">
-            <a:avLst/>
-          </a:prstGeom>
-        </p:spPr>
-        <p:style>
-          <a:lnRef idx="2">
-            <a:schemeClr val="accent1">
-              <a:shade val="50000"/>
-            </a:schemeClr>
-          </a:lnRef>
-          <a:fillRef idx="1">
-            <a:schemeClr val="accent1"/>
-          </a:fillRef>
-          <a:effectRef idx="0">
-            <a:schemeClr val="accent1"/>
-          </a:effectRef>
-          <a:fontRef idx="minor">
-            <a:schemeClr val="lt1"/>
-          </a:fontRef>
-        </p:style>
-        <p:txBody>
-          <a:bodyPr rtlCol="0" anchor="ctr"/>
-          <a:lstStyle/>
-          <a:p>
-            <a:pPr algn="ctr"/>
-            <a:endParaRPr kumimoji="1" lang="ja-JP" altLang="en-US"/>
-          </a:p>
-        </p:txBody>
-      </p:sp>
-      <p:sp>
-        <p:nvSpPr>
-          <p:cNvPr id="25" name="テキスト ボックス 24"/>
-          <p:cNvSpPr txBox="1"/>
-          <p:nvPr/>
-        </p:nvSpPr>
-        <p:spPr>
-          <a:xfrm>
-            <a:off x="2342728" y="2455311"/>
-            <a:ext cx="1756094" cy="738664"/>
-          </a:xfrm>
-          <a:prstGeom prst="rect">
-            <a:avLst/>
-          </a:prstGeom>
-          <a:noFill/>
-        </p:spPr>
-        <p:txBody>
-          <a:bodyPr wrap="square" rtlCol="0">
-            <a:spAutoFit/>
-          </a:bodyPr>
-          <a:lstStyle/>
-          <a:p>
-            <a:r>
-              <a:rPr lang="ja-JP" altLang="en-US" sz="1400" dirty="0"/>
-              <a:t>ラウンドロビンを利用し，</a:t>
-            </a:r>
-            <a:r>
-              <a:rPr kumimoji="1" lang="ja-JP" altLang="en-US" sz="1400" dirty="0"/>
-              <a:t>いくつかのサーバーに処理</a:t>
-            </a:r>
-            <a:r>
-              <a:rPr kumimoji="1" lang="ja-JP" altLang="en-US" sz="1400" dirty="0" smtClean="0"/>
-              <a:t>を分散</a:t>
-            </a:r>
-            <a:endParaRPr kumimoji="1" lang="ja-JP" altLang="en-US" sz="1400" dirty="0"/>
-          </a:p>
-        </p:txBody>
-      </p:sp>
+        </p:nvGrpSpPr>
+        <p:grpSpPr>
+          <a:xfrm>
+            <a:off x="-7018" y="1365954"/>
+            <a:ext cx="1243054" cy="1744335"/>
+            <a:chOff x="-7018" y="1365954"/>
+            <a:chExt cx="1243054" cy="1744335"/>
+          </a:xfrm>
+        </p:grpSpPr>
+        <p:pic>
+          <p:nvPicPr>
+            <p:cNvPr id="6" name="図 5"/>
+            <p:cNvPicPr>
+              <a:picLocks noChangeAspect="1"/>
+            </p:cNvPicPr>
+            <p:nvPr/>
+          </p:nvPicPr>
+          <p:blipFill rotWithShape="1">
+            <a:blip r:embed="rId2">
+              <a:extLst>
+                <a:ext uri="{28A0092B-C50C-407E-A947-70E740481C1C}">
+                  <a14:useLocalDpi xmlns:a14="http://schemas.microsoft.com/office/drawing/2010/main" val="0"/>
+                </a:ext>
+              </a:extLst>
+            </a:blip>
+            <a:srcRect l="38483" t="32680" r="38103" b="35667"/>
+            <a:stretch/>
+          </p:blipFill>
+          <p:spPr>
+            <a:xfrm>
+              <a:off x="446207" y="1365954"/>
+              <a:ext cx="365760" cy="421419"/>
+            </a:xfrm>
+            <a:prstGeom prst="rect">
+              <a:avLst/>
+            </a:prstGeom>
+          </p:spPr>
+        </p:pic>
+        <p:pic>
+          <p:nvPicPr>
+            <p:cNvPr id="7" name="図 6"/>
+            <p:cNvPicPr>
+              <a:picLocks noChangeAspect="1"/>
+            </p:cNvPicPr>
+            <p:nvPr/>
+          </p:nvPicPr>
+          <p:blipFill rotWithShape="1">
+            <a:blip r:embed="rId2">
+              <a:extLst>
+                <a:ext uri="{28A0092B-C50C-407E-A947-70E740481C1C}">
+                  <a14:useLocalDpi xmlns:a14="http://schemas.microsoft.com/office/drawing/2010/main" val="0"/>
+                </a:ext>
+              </a:extLst>
+            </a:blip>
+            <a:srcRect l="38483" t="32680" r="38103" b="35667"/>
+            <a:stretch/>
+          </p:blipFill>
+          <p:spPr>
+            <a:xfrm>
+              <a:off x="684746" y="1861096"/>
+              <a:ext cx="365760" cy="421419"/>
+            </a:xfrm>
+            <a:prstGeom prst="rect">
+              <a:avLst/>
+            </a:prstGeom>
+          </p:spPr>
+        </p:pic>
+        <p:pic>
+          <p:nvPicPr>
+            <p:cNvPr id="8" name="図 7"/>
+            <p:cNvPicPr>
+              <a:picLocks noChangeAspect="1"/>
+            </p:cNvPicPr>
+            <p:nvPr/>
+          </p:nvPicPr>
+          <p:blipFill rotWithShape="1">
+            <a:blip r:embed="rId2">
+              <a:extLst>
+                <a:ext uri="{28A0092B-C50C-407E-A947-70E740481C1C}">
+                  <a14:useLocalDpi xmlns:a14="http://schemas.microsoft.com/office/drawing/2010/main" val="0"/>
+                </a:ext>
+              </a:extLst>
+            </a:blip>
+            <a:srcRect l="38483" t="32680" r="38103" b="35667"/>
+            <a:stretch/>
+          </p:blipFill>
+          <p:spPr>
+            <a:xfrm>
+              <a:off x="159493" y="1861095"/>
+              <a:ext cx="365760" cy="421419"/>
+            </a:xfrm>
+            <a:prstGeom prst="rect">
+              <a:avLst/>
+            </a:prstGeom>
+          </p:spPr>
+        </p:pic>
+        <p:sp>
+          <p:nvSpPr>
+            <p:cNvPr id="11" name="テキスト ボックス 10"/>
+            <p:cNvSpPr txBox="1"/>
+            <p:nvPr/>
+          </p:nvSpPr>
+          <p:spPr>
+            <a:xfrm>
+              <a:off x="-7018" y="2525514"/>
+              <a:ext cx="1243054" cy="584775"/>
+            </a:xfrm>
+            <a:prstGeom prst="rect">
+              <a:avLst/>
+            </a:prstGeom>
+            <a:noFill/>
+          </p:spPr>
+          <p:txBody>
+            <a:bodyPr wrap="square" rtlCol="0">
+              <a:spAutoFit/>
+            </a:bodyPr>
+            <a:lstStyle/>
+            <a:p>
+              <a:pPr algn="ctr"/>
+              <a:r>
+                <a:rPr lang="ja-JP" altLang="en-US" sz="1600" dirty="0"/>
+                <a:t>楽曲</a:t>
+              </a:r>
+              <a:r>
+                <a:rPr lang="ja-JP" altLang="en-US" sz="1600" dirty="0" smtClean="0"/>
+                <a:t>投稿型</a:t>
+              </a:r>
+              <a:r>
+                <a:rPr lang="en-US" altLang="ja-JP" sz="1600" dirty="0" smtClean="0"/>
+                <a:t>SNS</a:t>
+              </a:r>
+              <a:endParaRPr kumimoji="1" lang="ja-JP" altLang="en-US" sz="1600" dirty="0"/>
+            </a:p>
+          </p:txBody>
+        </p:sp>
+      </p:grpSp>
       <p:pic>
         <p:nvPicPr>
-          <p:cNvPr id="5" name="図 4"/>
+          <p:cNvPr id="13" name="図 12"/>
           <p:cNvPicPr>
             <a:picLocks noChangeAspect="1"/>
           </p:cNvPicPr>
           <p:nvPr/>
         </p:nvPicPr>
         <p:blipFill>
-          <a:blip r:embed="rId2" cstate="print">
+          <a:blip r:embed="rId3" cstate="print">
             <a:extLst>
               <a:ext uri="{28A0092B-C50C-407E-A947-70E740481C1C}">
                 <a14:useLocalDpi xmlns:a14="http://schemas.microsoft.com/office/drawing/2010/main" val="0"/>
@@ -7301,32 +7543,539 @@
         </p:blipFill>
         <p:spPr>
           <a:xfrm>
-            <a:off x="784689" y="5412494"/>
-            <a:ext cx="1745309" cy="1308982"/>
+            <a:off x="2227298" y="980654"/>
+            <a:ext cx="427506" cy="427506"/>
           </a:xfrm>
           <a:prstGeom prst="rect">
             <a:avLst/>
           </a:prstGeom>
         </p:spPr>
       </p:pic>
+      <p:pic>
+        <p:nvPicPr>
+          <p:cNvPr id="14" name="図 13"/>
+          <p:cNvPicPr>
+            <a:picLocks noChangeAspect="1"/>
+          </p:cNvPicPr>
+          <p:nvPr/>
+        </p:nvPicPr>
+        <p:blipFill>
+          <a:blip r:embed="rId3" cstate="print">
+            <a:extLst>
+              <a:ext uri="{28A0092B-C50C-407E-A947-70E740481C1C}">
+                <a14:useLocalDpi xmlns:a14="http://schemas.microsoft.com/office/drawing/2010/main" val="0"/>
+              </a:ext>
+            </a:extLst>
+          </a:blip>
+          <a:stretch>
+            <a:fillRect/>
+          </a:stretch>
+        </p:blipFill>
+        <p:spPr>
+          <a:xfrm>
+            <a:off x="2227298" y="1631584"/>
+            <a:ext cx="427506" cy="427506"/>
+          </a:xfrm>
+          <a:prstGeom prst="rect">
+            <a:avLst/>
+          </a:prstGeom>
+        </p:spPr>
+      </p:pic>
+      <p:pic>
+        <p:nvPicPr>
+          <p:cNvPr id="15" name="図 14"/>
+          <p:cNvPicPr>
+            <a:picLocks noChangeAspect="1"/>
+          </p:cNvPicPr>
+          <p:nvPr/>
+        </p:nvPicPr>
+        <p:blipFill>
+          <a:blip r:embed="rId3" cstate="print">
+            <a:extLst>
+              <a:ext uri="{28A0092B-C50C-407E-A947-70E740481C1C}">
+                <a14:useLocalDpi xmlns:a14="http://schemas.microsoft.com/office/drawing/2010/main" val="0"/>
+              </a:ext>
+            </a:extLst>
+          </a:blip>
+          <a:stretch>
+            <a:fillRect/>
+          </a:stretch>
+        </p:blipFill>
+        <p:spPr>
+          <a:xfrm>
+            <a:off x="2227298" y="2282514"/>
+            <a:ext cx="427506" cy="427506"/>
+          </a:xfrm>
+          <a:prstGeom prst="rect">
+            <a:avLst/>
+          </a:prstGeom>
+        </p:spPr>
+      </p:pic>
       <p:cxnSp>
         <p:nvCxnSpPr>
-          <p:cNvPr id="10" name="直線コネクタ 9"/>
+          <p:cNvPr id="18" name="直線矢印コネクタ 17"/>
+          <p:cNvCxnSpPr>
+            <a:endCxn id="13" idx="1"/>
+          </p:cNvCxnSpPr>
+          <p:nvPr/>
+        </p:nvCxnSpPr>
+        <p:spPr>
+          <a:xfrm flipV="1">
+            <a:off x="1129085" y="1194407"/>
+            <a:ext cx="1098213" cy="592966"/>
+          </a:xfrm>
+          <a:prstGeom prst="straightConnector1">
+            <a:avLst/>
+          </a:prstGeom>
+          <a:ln>
+            <a:tailEnd type="triangle"/>
+          </a:ln>
+        </p:spPr>
+        <p:style>
+          <a:lnRef idx="1">
+            <a:schemeClr val="dk1"/>
+          </a:lnRef>
+          <a:fillRef idx="0">
+            <a:schemeClr val="dk1"/>
+          </a:fillRef>
+          <a:effectRef idx="0">
+            <a:schemeClr val="dk1"/>
+          </a:effectRef>
+          <a:fontRef idx="minor">
+            <a:schemeClr val="tx1"/>
+          </a:fontRef>
+        </p:style>
+      </p:cxnSp>
+      <p:cxnSp>
+        <p:nvCxnSpPr>
+          <p:cNvPr id="19" name="直線矢印コネクタ 18"/>
+          <p:cNvCxnSpPr>
+            <a:endCxn id="14" idx="1"/>
+          </p:cNvCxnSpPr>
+          <p:nvPr/>
+        </p:nvCxnSpPr>
+        <p:spPr>
+          <a:xfrm flipV="1">
+            <a:off x="1236036" y="1845337"/>
+            <a:ext cx="991262" cy="6530"/>
+          </a:xfrm>
+          <a:prstGeom prst="straightConnector1">
+            <a:avLst/>
+          </a:prstGeom>
+          <a:ln>
+            <a:tailEnd type="triangle"/>
+          </a:ln>
+        </p:spPr>
+        <p:style>
+          <a:lnRef idx="1">
+            <a:schemeClr val="dk1"/>
+          </a:lnRef>
+          <a:fillRef idx="0">
+            <a:schemeClr val="dk1"/>
+          </a:fillRef>
+          <a:effectRef idx="0">
+            <a:schemeClr val="dk1"/>
+          </a:effectRef>
+          <a:fontRef idx="minor">
+            <a:schemeClr val="tx1"/>
+          </a:fontRef>
+        </p:style>
+      </p:cxnSp>
+      <p:cxnSp>
+        <p:nvCxnSpPr>
+          <p:cNvPr id="22" name="直線矢印コネクタ 21"/>
+          <p:cNvCxnSpPr>
+            <a:endCxn id="15" idx="1"/>
+          </p:cNvCxnSpPr>
+          <p:nvPr/>
+        </p:nvCxnSpPr>
+        <p:spPr>
+          <a:xfrm>
+            <a:off x="1165995" y="1996167"/>
+            <a:ext cx="1061303" cy="500100"/>
+          </a:xfrm>
+          <a:prstGeom prst="straightConnector1">
+            <a:avLst/>
+          </a:prstGeom>
+          <a:ln>
+            <a:tailEnd type="triangle"/>
+          </a:ln>
+        </p:spPr>
+        <p:style>
+          <a:lnRef idx="1">
+            <a:schemeClr val="dk1"/>
+          </a:lnRef>
+          <a:fillRef idx="0">
+            <a:schemeClr val="dk1"/>
+          </a:fillRef>
+          <a:effectRef idx="0">
+            <a:schemeClr val="dk1"/>
+          </a:effectRef>
+          <a:fontRef idx="minor">
+            <a:schemeClr val="tx1"/>
+          </a:fontRef>
+        </p:style>
+      </p:cxnSp>
+      <p:sp>
+        <p:nvSpPr>
+          <p:cNvPr id="25" name="テキスト ボックス 24"/>
+          <p:cNvSpPr txBox="1"/>
+          <p:nvPr/>
+        </p:nvSpPr>
+        <p:spPr>
+          <a:xfrm>
+            <a:off x="1479470" y="2817901"/>
+            <a:ext cx="2189529" cy="646331"/>
+          </a:xfrm>
+          <a:prstGeom prst="rect">
+            <a:avLst/>
+          </a:prstGeom>
+          <a:noFill/>
+        </p:spPr>
+        <p:txBody>
+          <a:bodyPr wrap="square" rtlCol="0">
+            <a:spAutoFit/>
+          </a:bodyPr>
+          <a:lstStyle/>
+          <a:p>
+            <a:r>
+              <a:rPr kumimoji="1" lang="ja-JP" altLang="en-US" dirty="0" smtClean="0"/>
+              <a:t>複数のサーバーで楽曲をジャンル分け</a:t>
+            </a:r>
+            <a:endParaRPr kumimoji="1" lang="ja-JP" altLang="en-US" dirty="0"/>
+          </a:p>
+        </p:txBody>
+      </p:sp>
+      <p:sp>
+        <p:nvSpPr>
+          <p:cNvPr id="26" name="フローチャート: 磁気ディスク 25"/>
+          <p:cNvSpPr/>
+          <p:nvPr/>
+        </p:nvSpPr>
+        <p:spPr>
+          <a:xfrm>
+            <a:off x="4691269" y="1066405"/>
+            <a:ext cx="1144990" cy="1643615"/>
+          </a:xfrm>
+          <a:prstGeom prst="flowChartMagneticDisk">
+            <a:avLst/>
+          </a:prstGeom>
+        </p:spPr>
+        <p:style>
+          <a:lnRef idx="3">
+            <a:schemeClr val="lt1"/>
+          </a:lnRef>
+          <a:fillRef idx="1">
+            <a:schemeClr val="accent5"/>
+          </a:fillRef>
+          <a:effectRef idx="1">
+            <a:schemeClr val="accent5"/>
+          </a:effectRef>
+          <a:fontRef idx="minor">
+            <a:schemeClr val="lt1"/>
+          </a:fontRef>
+        </p:style>
+        <p:txBody>
+          <a:bodyPr rtlCol="0" anchor="ctr"/>
+          <a:lstStyle/>
+          <a:p>
+            <a:pPr algn="ctr"/>
+            <a:r>
+              <a:rPr kumimoji="1" lang="ja-JP" altLang="en-US" dirty="0" smtClean="0"/>
+              <a:t>楽曲</a:t>
+            </a:r>
+            <a:endParaRPr kumimoji="1" lang="en-US" altLang="ja-JP" dirty="0" smtClean="0"/>
+          </a:p>
+          <a:p>
+            <a:pPr algn="ctr"/>
+            <a:r>
+              <a:rPr kumimoji="1" lang="ja-JP" altLang="en-US" dirty="0" smtClean="0"/>
+              <a:t>データベース</a:t>
+            </a:r>
+            <a:endParaRPr kumimoji="1" lang="ja-JP" altLang="en-US" dirty="0"/>
+          </a:p>
+        </p:txBody>
+      </p:sp>
+      <p:cxnSp>
+        <p:nvCxnSpPr>
+          <p:cNvPr id="27" name="直線矢印コネクタ 26"/>
           <p:cNvCxnSpPr/>
           <p:nvPr/>
         </p:nvCxnSpPr>
         <p:spPr>
-          <a:xfrm flipH="1">
-            <a:off x="858741" y="4863342"/>
-            <a:ext cx="3781590" cy="479935"/>
-          </a:xfrm>
-          <a:prstGeom prst="line">
+          <a:xfrm flipV="1">
+            <a:off x="2682388" y="1982175"/>
+            <a:ext cx="1841904" cy="542882"/>
+          </a:xfrm>
+          <a:prstGeom prst="straightConnector1">
             <a:avLst/>
           </a:prstGeom>
           <a:ln>
-            <a:solidFill>
-              <a:schemeClr val="tx1"/>
-            </a:solidFill>
+            <a:tailEnd type="triangle"/>
+          </a:ln>
+        </p:spPr>
+        <p:style>
+          <a:lnRef idx="1">
+            <a:schemeClr val="dk1"/>
+          </a:lnRef>
+          <a:fillRef idx="0">
+            <a:schemeClr val="dk1"/>
+          </a:fillRef>
+          <a:effectRef idx="0">
+            <a:schemeClr val="dk1"/>
+          </a:effectRef>
+          <a:fontRef idx="minor">
+            <a:schemeClr val="tx1"/>
+          </a:fontRef>
+        </p:style>
+      </p:cxnSp>
+      <p:cxnSp>
+        <p:nvCxnSpPr>
+          <p:cNvPr id="29" name="直線矢印コネクタ 28"/>
+          <p:cNvCxnSpPr/>
+          <p:nvPr/>
+        </p:nvCxnSpPr>
+        <p:spPr>
+          <a:xfrm flipV="1">
+            <a:off x="2710463" y="1770046"/>
+            <a:ext cx="1869488" cy="81821"/>
+          </a:xfrm>
+          <a:prstGeom prst="straightConnector1">
+            <a:avLst/>
+          </a:prstGeom>
+          <a:ln>
+            <a:tailEnd type="triangle"/>
+          </a:ln>
+        </p:spPr>
+        <p:style>
+          <a:lnRef idx="1">
+            <a:schemeClr val="dk1"/>
+          </a:lnRef>
+          <a:fillRef idx="0">
+            <a:schemeClr val="dk1"/>
+          </a:fillRef>
+          <a:effectRef idx="0">
+            <a:schemeClr val="dk1"/>
+          </a:effectRef>
+          <a:fontRef idx="minor">
+            <a:schemeClr val="tx1"/>
+          </a:fontRef>
+        </p:style>
+      </p:cxnSp>
+      <p:cxnSp>
+        <p:nvCxnSpPr>
+          <p:cNvPr id="31" name="直線矢印コネクタ 30"/>
+          <p:cNvCxnSpPr/>
+          <p:nvPr/>
+        </p:nvCxnSpPr>
+        <p:spPr>
+          <a:xfrm>
+            <a:off x="2680987" y="1196713"/>
+            <a:ext cx="1898964" cy="443025"/>
+          </a:xfrm>
+          <a:prstGeom prst="straightConnector1">
+            <a:avLst/>
+          </a:prstGeom>
+          <a:ln>
+            <a:tailEnd type="triangle"/>
+          </a:ln>
+        </p:spPr>
+        <p:style>
+          <a:lnRef idx="1">
+            <a:schemeClr val="dk1"/>
+          </a:lnRef>
+          <a:fillRef idx="0">
+            <a:schemeClr val="dk1"/>
+          </a:fillRef>
+          <a:effectRef idx="0">
+            <a:schemeClr val="dk1"/>
+          </a:effectRef>
+          <a:fontRef idx="minor">
+            <a:schemeClr val="tx1"/>
+          </a:fontRef>
+        </p:style>
+      </p:cxnSp>
+      <p:sp>
+        <p:nvSpPr>
+          <p:cNvPr id="34" name="テキスト ボックス 33"/>
+          <p:cNvSpPr txBox="1"/>
+          <p:nvPr/>
+        </p:nvSpPr>
+        <p:spPr>
+          <a:xfrm>
+            <a:off x="4424901" y="420074"/>
+            <a:ext cx="1677726" cy="646331"/>
+          </a:xfrm>
+          <a:prstGeom prst="rect">
+            <a:avLst/>
+          </a:prstGeom>
+          <a:noFill/>
+        </p:spPr>
+        <p:txBody>
+          <a:bodyPr wrap="square" rtlCol="0">
+            <a:spAutoFit/>
+          </a:bodyPr>
+          <a:lstStyle/>
+          <a:p>
+            <a:pPr algn="ctr"/>
+            <a:r>
+              <a:rPr kumimoji="1" lang="ja-JP" altLang="en-US" dirty="0" smtClean="0"/>
+              <a:t>データベースに保存</a:t>
+            </a:r>
+            <a:endParaRPr kumimoji="1" lang="ja-JP" altLang="en-US" dirty="0"/>
+          </a:p>
+        </p:txBody>
+      </p:sp>
+      <p:sp>
+        <p:nvSpPr>
+          <p:cNvPr id="37" name="フローチャート: 磁気ディスク 36"/>
+          <p:cNvSpPr/>
+          <p:nvPr/>
+        </p:nvSpPr>
+        <p:spPr>
+          <a:xfrm>
+            <a:off x="7211833" y="1066405"/>
+            <a:ext cx="1121134" cy="1643615"/>
+          </a:xfrm>
+          <a:prstGeom prst="flowChartMagneticDisk">
+            <a:avLst/>
+          </a:prstGeom>
+        </p:spPr>
+        <p:style>
+          <a:lnRef idx="3">
+            <a:schemeClr val="lt1"/>
+          </a:lnRef>
+          <a:fillRef idx="1">
+            <a:schemeClr val="accent6"/>
+          </a:fillRef>
+          <a:effectRef idx="1">
+            <a:schemeClr val="accent6"/>
+          </a:effectRef>
+          <a:fontRef idx="minor">
+            <a:schemeClr val="lt1"/>
+          </a:fontRef>
+        </p:style>
+        <p:txBody>
+          <a:bodyPr rtlCol="0" anchor="ctr"/>
+          <a:lstStyle/>
+          <a:p>
+            <a:pPr algn="ctr"/>
+            <a:r>
+              <a:rPr kumimoji="1" lang="ja-JP" altLang="en-US" dirty="0" smtClean="0"/>
+              <a:t>観光地推薦動画</a:t>
+            </a:r>
+            <a:endParaRPr kumimoji="1" lang="ja-JP" altLang="en-US" dirty="0"/>
+          </a:p>
+        </p:txBody>
+      </p:sp>
+      <p:pic>
+        <p:nvPicPr>
+          <p:cNvPr id="38" name="図 37"/>
+          <p:cNvPicPr>
+            <a:picLocks noChangeAspect="1"/>
+          </p:cNvPicPr>
+          <p:nvPr/>
+        </p:nvPicPr>
+        <p:blipFill>
+          <a:blip r:embed="rId3" cstate="print">
+            <a:extLst>
+              <a:ext uri="{28A0092B-C50C-407E-A947-70E740481C1C}">
+                <a14:useLocalDpi xmlns:a14="http://schemas.microsoft.com/office/drawing/2010/main" val="0"/>
+              </a:ext>
+            </a:extLst>
+          </a:blip>
+          <a:stretch>
+            <a:fillRect/>
+          </a:stretch>
+        </p:blipFill>
+        <p:spPr>
+          <a:xfrm>
+            <a:off x="7558647" y="3295564"/>
+            <a:ext cx="427506" cy="427506"/>
+          </a:xfrm>
+          <a:prstGeom prst="rect">
+            <a:avLst/>
+          </a:prstGeom>
+        </p:spPr>
+      </p:pic>
+      <p:pic>
+        <p:nvPicPr>
+          <p:cNvPr id="39" name="図 38"/>
+          <p:cNvPicPr>
+            <a:picLocks noChangeAspect="1"/>
+          </p:cNvPicPr>
+          <p:nvPr/>
+        </p:nvPicPr>
+        <p:blipFill>
+          <a:blip r:embed="rId3" cstate="print">
+            <a:extLst>
+              <a:ext uri="{28A0092B-C50C-407E-A947-70E740481C1C}">
+                <a14:useLocalDpi xmlns:a14="http://schemas.microsoft.com/office/drawing/2010/main" val="0"/>
+              </a:ext>
+            </a:extLst>
+          </a:blip>
+          <a:stretch>
+            <a:fillRect/>
+          </a:stretch>
+        </p:blipFill>
+        <p:spPr>
+          <a:xfrm>
+            <a:off x="6304329" y="3313725"/>
+            <a:ext cx="427506" cy="427506"/>
+          </a:xfrm>
+          <a:prstGeom prst="rect">
+            <a:avLst/>
+          </a:prstGeom>
+        </p:spPr>
+      </p:pic>
+      <p:pic>
+        <p:nvPicPr>
+          <p:cNvPr id="40" name="図 39"/>
+          <p:cNvPicPr>
+            <a:picLocks noChangeAspect="1"/>
+          </p:cNvPicPr>
+          <p:nvPr/>
+        </p:nvPicPr>
+        <p:blipFill>
+          <a:blip r:embed="rId3" cstate="print">
+            <a:extLst>
+              <a:ext uri="{28A0092B-C50C-407E-A947-70E740481C1C}">
+                <a14:useLocalDpi xmlns:a14="http://schemas.microsoft.com/office/drawing/2010/main" val="0"/>
+              </a:ext>
+            </a:extLst>
+          </a:blip>
+          <a:stretch>
+            <a:fillRect/>
+          </a:stretch>
+        </p:blipFill>
+        <p:spPr>
+          <a:xfrm>
+            <a:off x="5050011" y="3313725"/>
+            <a:ext cx="427506" cy="427506"/>
+          </a:xfrm>
+          <a:prstGeom prst="rect">
+            <a:avLst/>
+          </a:prstGeom>
+        </p:spPr>
+      </p:pic>
+      <p:cxnSp>
+        <p:nvCxnSpPr>
+          <p:cNvPr id="42" name="直線矢印コネクタ 41"/>
+          <p:cNvCxnSpPr>
+            <a:endCxn id="40" idx="0"/>
+          </p:cNvCxnSpPr>
+          <p:nvPr/>
+        </p:nvCxnSpPr>
+        <p:spPr>
+          <a:xfrm flipH="1">
+            <a:off x="5263764" y="2710020"/>
+            <a:ext cx="933" cy="603705"/>
+          </a:xfrm>
+          <a:prstGeom prst="straightConnector1">
+            <a:avLst/>
+          </a:prstGeom>
+          <a:ln>
+            <a:tailEnd type="triangle"/>
           </a:ln>
         </p:spPr>
         <p:style>
@@ -7346,22 +8095,23 @@
       </p:cxnSp>
       <p:cxnSp>
         <p:nvCxnSpPr>
-          <p:cNvPr id="17" name="直線コネクタ 16"/>
-          <p:cNvCxnSpPr/>
+          <p:cNvPr id="44" name="直線矢印コネクタ 43"/>
+          <p:cNvCxnSpPr>
+            <a:stCxn id="26" idx="3"/>
+            <a:endCxn id="39" idx="0"/>
+          </p:cNvCxnSpPr>
           <p:nvPr/>
         </p:nvCxnSpPr>
         <p:spPr>
-          <a:xfrm flipH="1">
-            <a:off x="5984782" y="5301356"/>
-            <a:ext cx="352408" cy="320950"/>
-          </a:xfrm>
-          <a:prstGeom prst="line">
+          <a:xfrm>
+            <a:off x="5263764" y="2710020"/>
+            <a:ext cx="1254318" cy="603705"/>
+          </a:xfrm>
+          <a:prstGeom prst="straightConnector1">
             <a:avLst/>
           </a:prstGeom>
           <a:ln>
-            <a:solidFill>
-              <a:schemeClr val="tx1"/>
-            </a:solidFill>
+            <a:tailEnd type="triangle"/>
           </a:ln>
         </p:spPr>
         <p:style>
@@ -7379,16 +8129,311 @@
           </a:fontRef>
         </p:style>
       </p:cxnSp>
-      <p:sp>
-        <p:nvSpPr>
-          <p:cNvPr id="18" name="テキスト ボックス 17"/>
+      <p:cxnSp>
+        <p:nvCxnSpPr>
+          <p:cNvPr id="45" name="直線矢印コネクタ 44"/>
+          <p:cNvCxnSpPr>
+            <a:stCxn id="26" idx="3"/>
+            <a:endCxn id="38" idx="0"/>
+          </p:cNvCxnSpPr>
+          <p:nvPr/>
+        </p:nvCxnSpPr>
+        <p:spPr>
+          <a:xfrm>
+            <a:off x="5263764" y="2710020"/>
+            <a:ext cx="2508636" cy="585544"/>
+          </a:xfrm>
+          <a:prstGeom prst="straightConnector1">
+            <a:avLst/>
+          </a:prstGeom>
+          <a:ln>
+            <a:tailEnd type="triangle"/>
+          </a:ln>
+        </p:spPr>
+        <p:style>
+          <a:lnRef idx="1">
+            <a:schemeClr val="accent1"/>
+          </a:lnRef>
+          <a:fillRef idx="0">
+            <a:schemeClr val="accent1"/>
+          </a:fillRef>
+          <a:effectRef idx="0">
+            <a:schemeClr val="accent1"/>
+          </a:effectRef>
+          <a:fontRef idx="minor">
+            <a:schemeClr val="tx1"/>
+          </a:fontRef>
+        </p:style>
+      </p:cxnSp>
+      <p:cxnSp>
+        <p:nvCxnSpPr>
+          <p:cNvPr id="50" name="直線矢印コネクタ 49"/>
+          <p:cNvCxnSpPr>
+            <a:stCxn id="37" idx="3"/>
+            <a:endCxn id="38" idx="0"/>
+          </p:cNvCxnSpPr>
+          <p:nvPr/>
+        </p:nvCxnSpPr>
+        <p:spPr>
+          <a:xfrm>
+            <a:off x="7772400" y="2710020"/>
+            <a:ext cx="0" cy="585544"/>
+          </a:xfrm>
+          <a:prstGeom prst="straightConnector1">
+            <a:avLst/>
+          </a:prstGeom>
+          <a:ln>
+            <a:tailEnd type="triangle"/>
+          </a:ln>
+        </p:spPr>
+        <p:style>
+          <a:lnRef idx="2">
+            <a:schemeClr val="accent6"/>
+          </a:lnRef>
+          <a:fillRef idx="0">
+            <a:schemeClr val="accent6"/>
+          </a:fillRef>
+          <a:effectRef idx="1">
+            <a:schemeClr val="accent6"/>
+          </a:effectRef>
+          <a:fontRef idx="minor">
+            <a:schemeClr val="tx1"/>
+          </a:fontRef>
+        </p:style>
+      </p:cxnSp>
+      <p:cxnSp>
+        <p:nvCxnSpPr>
+          <p:cNvPr id="53" name="直線矢印コネクタ 52"/>
+          <p:cNvCxnSpPr>
+            <a:stCxn id="37" idx="3"/>
+            <a:endCxn id="39" idx="0"/>
+          </p:cNvCxnSpPr>
+          <p:nvPr/>
+        </p:nvCxnSpPr>
+        <p:spPr>
+          <a:xfrm flipH="1">
+            <a:off x="6518082" y="2710020"/>
+            <a:ext cx="1254318" cy="603705"/>
+          </a:xfrm>
+          <a:prstGeom prst="straightConnector1">
+            <a:avLst/>
+          </a:prstGeom>
+          <a:ln>
+            <a:tailEnd type="triangle"/>
+          </a:ln>
+        </p:spPr>
+        <p:style>
+          <a:lnRef idx="2">
+            <a:schemeClr val="accent6"/>
+          </a:lnRef>
+          <a:fillRef idx="0">
+            <a:schemeClr val="accent6"/>
+          </a:fillRef>
+          <a:effectRef idx="1">
+            <a:schemeClr val="accent6"/>
+          </a:effectRef>
+          <a:fontRef idx="minor">
+            <a:schemeClr val="tx1"/>
+          </a:fontRef>
+        </p:style>
+      </p:cxnSp>
+      <p:cxnSp>
+        <p:nvCxnSpPr>
+          <p:cNvPr id="54" name="直線矢印コネクタ 53"/>
+          <p:cNvCxnSpPr>
+            <a:stCxn id="37" idx="3"/>
+            <a:endCxn id="40" idx="0"/>
+          </p:cNvCxnSpPr>
+          <p:nvPr/>
+        </p:nvCxnSpPr>
+        <p:spPr>
+          <a:xfrm flipH="1">
+            <a:off x="5263764" y="2710020"/>
+            <a:ext cx="2508636" cy="603705"/>
+          </a:xfrm>
+          <a:prstGeom prst="straightConnector1">
+            <a:avLst/>
+          </a:prstGeom>
+          <a:ln>
+            <a:tailEnd type="triangle"/>
+          </a:ln>
+        </p:spPr>
+        <p:style>
+          <a:lnRef idx="2">
+            <a:schemeClr val="accent6"/>
+          </a:lnRef>
+          <a:fillRef idx="0">
+            <a:schemeClr val="accent6"/>
+          </a:fillRef>
+          <a:effectRef idx="1">
+            <a:schemeClr val="accent6"/>
+          </a:effectRef>
+          <a:fontRef idx="minor">
+            <a:schemeClr val="tx1"/>
+          </a:fontRef>
+        </p:style>
+      </p:cxnSp>
+      <p:sp>
+        <p:nvSpPr>
+          <p:cNvPr id="59" name="フローチャート: 磁気ディスク 58"/>
+          <p:cNvSpPr/>
+          <p:nvPr/>
+        </p:nvSpPr>
+        <p:spPr>
+          <a:xfrm>
+            <a:off x="5050011" y="4416827"/>
+            <a:ext cx="3163686" cy="1335819"/>
+          </a:xfrm>
+          <a:prstGeom prst="flowChartMagneticDisk">
+            <a:avLst/>
+          </a:prstGeom>
+        </p:spPr>
+        <p:style>
+          <a:lnRef idx="3">
+            <a:schemeClr val="lt1"/>
+          </a:lnRef>
+          <a:fillRef idx="1">
+            <a:schemeClr val="accent2"/>
+          </a:fillRef>
+          <a:effectRef idx="1">
+            <a:schemeClr val="accent2"/>
+          </a:effectRef>
+          <a:fontRef idx="minor">
+            <a:schemeClr val="lt1"/>
+          </a:fontRef>
+        </p:style>
+        <p:txBody>
+          <a:bodyPr rtlCol="0" anchor="ctr"/>
+          <a:lstStyle/>
+          <a:p>
+            <a:pPr algn="ctr"/>
+            <a:r>
+              <a:rPr kumimoji="1" lang="en-US" altLang="ja-JP" dirty="0" smtClean="0"/>
+              <a:t>BGM</a:t>
+            </a:r>
+            <a:r>
+              <a:rPr kumimoji="1" lang="ja-JP" altLang="en-US" dirty="0" smtClean="0"/>
+              <a:t>付き観光地推薦動画</a:t>
+            </a:r>
+            <a:endParaRPr kumimoji="1" lang="ja-JP" altLang="en-US" dirty="0"/>
+          </a:p>
+        </p:txBody>
+      </p:sp>
+      <p:cxnSp>
+        <p:nvCxnSpPr>
+          <p:cNvPr id="61" name="直線矢印コネクタ 60"/>
+          <p:cNvCxnSpPr>
+            <a:stCxn id="40" idx="2"/>
+          </p:cNvCxnSpPr>
+          <p:nvPr/>
+        </p:nvCxnSpPr>
+        <p:spPr>
+          <a:xfrm>
+            <a:off x="5263764" y="3741231"/>
+            <a:ext cx="213753" cy="693757"/>
+          </a:xfrm>
+          <a:prstGeom prst="straightConnector1">
+            <a:avLst/>
+          </a:prstGeom>
+          <a:ln>
+            <a:tailEnd type="triangle"/>
+          </a:ln>
+        </p:spPr>
+        <p:style>
+          <a:lnRef idx="1">
+            <a:schemeClr val="accent2"/>
+          </a:lnRef>
+          <a:fillRef idx="0">
+            <a:schemeClr val="accent2"/>
+          </a:fillRef>
+          <a:effectRef idx="0">
+            <a:schemeClr val="accent2"/>
+          </a:effectRef>
+          <a:fontRef idx="minor">
+            <a:schemeClr val="tx1"/>
+          </a:fontRef>
+        </p:style>
+      </p:cxnSp>
+      <p:cxnSp>
+        <p:nvCxnSpPr>
+          <p:cNvPr id="62" name="直線矢印コネクタ 61"/>
+          <p:cNvCxnSpPr>
+            <a:stCxn id="39" idx="2"/>
+          </p:cNvCxnSpPr>
+          <p:nvPr/>
+        </p:nvCxnSpPr>
+        <p:spPr>
+          <a:xfrm>
+            <a:off x="6518082" y="3741231"/>
+            <a:ext cx="0" cy="603705"/>
+          </a:xfrm>
+          <a:prstGeom prst="straightConnector1">
+            <a:avLst/>
+          </a:prstGeom>
+          <a:ln>
+            <a:tailEnd type="triangle"/>
+          </a:ln>
+        </p:spPr>
+        <p:style>
+          <a:lnRef idx="1">
+            <a:schemeClr val="accent2"/>
+          </a:lnRef>
+          <a:fillRef idx="0">
+            <a:schemeClr val="accent2"/>
+          </a:fillRef>
+          <a:effectRef idx="0">
+            <a:schemeClr val="accent2"/>
+          </a:effectRef>
+          <a:fontRef idx="minor">
+            <a:schemeClr val="tx1"/>
+          </a:fontRef>
+        </p:style>
+      </p:cxnSp>
+      <p:cxnSp>
+        <p:nvCxnSpPr>
+          <p:cNvPr id="65" name="直線矢印コネクタ 64"/>
+          <p:cNvCxnSpPr>
+            <a:stCxn id="38" idx="2"/>
+          </p:cNvCxnSpPr>
+          <p:nvPr/>
+        </p:nvCxnSpPr>
+        <p:spPr>
+          <a:xfrm flipH="1">
+            <a:off x="7672419" y="3723070"/>
+            <a:ext cx="99981" cy="693757"/>
+          </a:xfrm>
+          <a:prstGeom prst="straightConnector1">
+            <a:avLst/>
+          </a:prstGeom>
+          <a:ln>
+            <a:tailEnd type="triangle"/>
+          </a:ln>
+        </p:spPr>
+        <p:style>
+          <a:lnRef idx="1">
+            <a:schemeClr val="accent2"/>
+          </a:lnRef>
+          <a:fillRef idx="0">
+            <a:schemeClr val="accent2"/>
+          </a:fillRef>
+          <a:effectRef idx="0">
+            <a:schemeClr val="accent2"/>
+          </a:effectRef>
+          <a:fontRef idx="minor">
+            <a:schemeClr val="tx1"/>
+          </a:fontRef>
+        </p:style>
+      </p:cxnSp>
+      <p:sp>
+        <p:nvSpPr>
+          <p:cNvPr id="71" name="テキスト ボックス 70"/>
           <p:cNvSpPr txBox="1"/>
           <p:nvPr/>
         </p:nvSpPr>
         <p:spPr>
           <a:xfrm>
-            <a:off x="2775502" y="5412353"/>
-            <a:ext cx="2763759" cy="943997"/>
+            <a:off x="3218352" y="3917430"/>
+            <a:ext cx="2413098" cy="646331"/>
           </a:xfrm>
           <a:prstGeom prst="rect">
             <a:avLst/>
@@ -7402,29 +8447,23 @@
           <a:lstStyle/>
           <a:p>
             <a:r>
-              <a:rPr kumimoji="1" lang="ja-JP" altLang="en-US" dirty="0"/>
-              <a:t>観光地から明るい印象を受けるので，“元気が出る”音楽とマッチング</a:t>
-            </a:r>
+              <a:rPr kumimoji="1" lang="ja-JP" altLang="en-US" dirty="0" smtClean="0"/>
+              <a:t>動画と楽曲を複数のサーバーでマッチング</a:t>
+            </a:r>
+            <a:endParaRPr kumimoji="1" lang="ja-JP" altLang="en-US" dirty="0"/>
           </a:p>
         </p:txBody>
       </p:sp>
     </p:spTree>
     <p:extLst>
       <p:ext uri="{BB962C8B-B14F-4D97-AF65-F5344CB8AC3E}">
-        <p14:creationId xmlns:p14="http://schemas.microsoft.com/office/powerpoint/2010/main" val="4224668961"/>
+        <p14:creationId xmlns:p14="http://schemas.microsoft.com/office/powerpoint/2010/main" val="2414674720"/>
       </p:ext>
     </p:extLst>
   </p:cSld>
   <p:clrMapOvr>
     <a:masterClrMapping/>
   </p:clrMapOvr>
-  <p:timing>
-    <p:tnLst>
-      <p:par>
-        <p:cTn id="1" dur="indefinite" restart="never" nodeType="tmRoot"/>
-      </p:par>
-    </p:tnLst>
-  </p:timing>
 </p:sld>
 </file>
 
@@ -7457,85 +8496,427 @@
         </p:nvSpPr>
         <p:spPr/>
         <p:txBody>
+          <a:bodyPr>
+            <a:normAutofit/>
+          </a:bodyPr>
+          <a:lstStyle/>
+          <a:p>
+            <a:r>
+              <a:rPr lang="ja-JP" altLang="en-US" sz="4000" dirty="0"/>
+              <a:t>ジャンル</a:t>
+            </a:r>
+            <a:r>
+              <a:rPr lang="ja-JP" altLang="en-US" sz="4000" dirty="0" smtClean="0"/>
+              <a:t>に</a:t>
+            </a:r>
+            <a:r>
+              <a:rPr lang="ja-JP" altLang="en-US" sz="4000" dirty="0"/>
+              <a:t>よる楽曲と動画のマッチング</a:t>
+            </a:r>
+            <a:endParaRPr kumimoji="1" lang="ja-JP" altLang="en-US" sz="4000" dirty="0"/>
+          </a:p>
+        </p:txBody>
+      </p:sp>
+      <p:sp>
+        <p:nvSpPr>
+          <p:cNvPr id="3" name="コンテンツ プレースホルダー 2"/>
+          <p:cNvSpPr>
+            <a:spLocks noGrp="1"/>
+          </p:cNvSpPr>
+          <p:nvPr>
+            <p:ph idx="1"/>
+          </p:nvPr>
+        </p:nvSpPr>
+        <p:spPr>
+          <a:xfrm>
+            <a:off x="314325" y="1847851"/>
+            <a:ext cx="8515350" cy="3228646"/>
+          </a:xfrm>
+        </p:spPr>
+        <p:txBody>
+          <a:bodyPr>
+            <a:normAutofit/>
+          </a:bodyPr>
+          <a:lstStyle/>
+          <a:p>
+            <a:r>
+              <a:rPr lang="ja-JP" altLang="en-US" dirty="0"/>
+              <a:t>楽曲</a:t>
+            </a:r>
+            <a:r>
+              <a:rPr kumimoji="1" lang="ja-JP" altLang="en-US" dirty="0"/>
+              <a:t>と動画</a:t>
+            </a:r>
+            <a:r>
+              <a:rPr kumimoji="1" lang="ja-JP" altLang="en-US" dirty="0" smtClean="0"/>
+              <a:t>を</a:t>
+            </a:r>
+            <a:r>
+              <a:rPr lang="ja-JP" altLang="en-US" dirty="0"/>
+              <a:t>ジャンル</a:t>
+            </a:r>
+            <a:r>
+              <a:rPr kumimoji="1" lang="ja-JP" altLang="en-US" dirty="0" smtClean="0"/>
+              <a:t>に</a:t>
+            </a:r>
+            <a:r>
+              <a:rPr kumimoji="1" lang="ja-JP" altLang="en-US" dirty="0"/>
+              <a:t>よりマッチングする．</a:t>
+            </a:r>
+            <a:r>
+              <a:rPr kumimoji="1" lang="en-US" altLang="ja-JP" dirty="0"/>
+              <a:t>	</a:t>
+            </a:r>
+          </a:p>
+          <a:p>
+            <a:pPr lvl="1"/>
+            <a:r>
+              <a:rPr lang="ja-JP" altLang="en-US" dirty="0"/>
+              <a:t>動画</a:t>
+            </a:r>
+            <a:r>
+              <a:rPr lang="en-US" altLang="ja-JP" dirty="0"/>
+              <a:t>:</a:t>
+            </a:r>
+            <a:r>
+              <a:rPr kumimoji="1" lang="ja-JP" altLang="en-US" dirty="0"/>
+              <a:t>観光地動画</a:t>
+            </a:r>
+            <a:endParaRPr kumimoji="1" lang="en-US" altLang="ja-JP" dirty="0"/>
+          </a:p>
+          <a:p>
+            <a:pPr lvl="1"/>
+            <a:r>
+              <a:rPr lang="ja-JP" altLang="en-US" dirty="0"/>
+              <a:t>楽曲</a:t>
+            </a:r>
+            <a:r>
+              <a:rPr lang="en-US" altLang="ja-JP" dirty="0"/>
+              <a:t>: </a:t>
+            </a:r>
+            <a:r>
+              <a:rPr lang="ja-JP" altLang="en-US" dirty="0"/>
+              <a:t>クラシックや</a:t>
+            </a:r>
+            <a:r>
+              <a:rPr lang="ja-JP" altLang="en-US" dirty="0" smtClean="0"/>
+              <a:t>インストルメンタル</a:t>
+            </a:r>
+            <a:r>
+              <a:rPr lang="ja-JP" altLang="en-US" dirty="0" smtClean="0"/>
+              <a:t>など</a:t>
+            </a:r>
+            <a:endParaRPr lang="en-US" altLang="ja-JP" dirty="0" smtClean="0"/>
+          </a:p>
+          <a:p>
+            <a:pPr marL="0" indent="0">
+              <a:buNone/>
+            </a:pPr>
+            <a:endParaRPr lang="en-US" altLang="ja-JP" dirty="0" smtClean="0"/>
+          </a:p>
+          <a:p>
+            <a:pPr marL="457200" lvl="1" indent="0">
+              <a:buNone/>
+            </a:pPr>
+            <a:endParaRPr lang="en-US" altLang="ja-JP" dirty="0"/>
+          </a:p>
+          <a:p>
+            <a:pPr marL="457200" lvl="1" indent="0">
+              <a:buNone/>
+            </a:pPr>
+            <a:endParaRPr lang="en-US" altLang="ja-JP" dirty="0" smtClean="0"/>
+          </a:p>
+        </p:txBody>
+      </p:sp>
+      <p:sp>
+        <p:nvSpPr>
+          <p:cNvPr id="4" name="スライド番号プレースホルダー 3"/>
+          <p:cNvSpPr>
+            <a:spLocks noGrp="1"/>
+          </p:cNvSpPr>
+          <p:nvPr>
+            <p:ph type="sldNum" sz="quarter" idx="12"/>
+          </p:nvPr>
+        </p:nvSpPr>
+        <p:spPr/>
+        <p:txBody>
           <a:bodyPr/>
           <a:lstStyle/>
           <a:p>
-            <a:endParaRPr kumimoji="1" lang="ja-JP" altLang="en-US"/>
-          </a:p>
-        </p:txBody>
-      </p:sp>
-      <p:sp>
-        <p:nvSpPr>
-          <p:cNvPr id="3" name="コンテンツ プレースホルダー 2"/>
-          <p:cNvSpPr>
-            <a:spLocks noGrp="1"/>
-          </p:cNvSpPr>
-          <p:nvPr>
-            <p:ph idx="1"/>
-          </p:nvPr>
-        </p:nvSpPr>
-        <p:spPr/>
-        <p:txBody>
-          <a:bodyPr/>
-          <a:lstStyle/>
-          <a:p>
-            <a:r>
-              <a:rPr kumimoji="1" lang="ja-JP" altLang="en-US" dirty="0" smtClean="0"/>
-              <a:t>ラウンドロビンシステム</a:t>
-            </a:r>
-            <a:endParaRPr kumimoji="1" lang="en-US" altLang="ja-JP" dirty="0" smtClean="0"/>
-          </a:p>
-          <a:p>
-            <a:r>
-              <a:rPr lang="ja-JP" altLang="en-US" dirty="0"/>
-              <a:t>音楽と動画</a:t>
-            </a:r>
-            <a:r>
-              <a:rPr lang="ja-JP" altLang="en-US" dirty="0" smtClean="0"/>
-              <a:t>の</a:t>
-            </a:r>
-            <a:r>
-              <a:rPr lang="ja-JP" altLang="en-US" dirty="0"/>
-              <a:t>合成</a:t>
-            </a:r>
-            <a:endParaRPr kumimoji="1" lang="ja-JP" altLang="en-US" dirty="0"/>
-          </a:p>
-        </p:txBody>
-      </p:sp>
-      <p:sp>
-        <p:nvSpPr>
-          <p:cNvPr id="4" name="スライド番号プレースホルダー 3"/>
-          <p:cNvSpPr>
-            <a:spLocks noGrp="1"/>
-          </p:cNvSpPr>
-          <p:nvPr>
-            <p:ph type="sldNum" sz="quarter" idx="12"/>
-          </p:nvPr>
-        </p:nvSpPr>
-        <p:spPr/>
-        <p:txBody>
-          <a:bodyPr/>
-          <a:lstStyle/>
-          <a:p>
             <a:fld id="{B4451160-128F-4DAD-AE29-4A8CC0E7B9E9}" type="slidenum">
-              <a:rPr lang="ja-JP" altLang="en-US" smtClean="0"/>
-              <a:pPr/>
+              <a:rPr kumimoji="1" lang="ja-JP" altLang="en-US" smtClean="0"/>
               <a:t>9</a:t>
             </a:fld>
-            <a:endParaRPr lang="ja-JP" altLang="en-US" dirty="0"/>
+            <a:endParaRPr kumimoji="1" lang="ja-JP" altLang="en-US"/>
+          </a:p>
+        </p:txBody>
+      </p:sp>
+      <p:graphicFrame>
+        <p:nvGraphicFramePr>
+          <p:cNvPr id="6" name="表 5"/>
+          <p:cNvGraphicFramePr>
+            <a:graphicFrameLocks noGrp="1"/>
+          </p:cNvGraphicFramePr>
+          <p:nvPr>
+            <p:extLst>
+              <p:ext uri="{D42A27DB-BD31-4B8C-83A1-F6EECF244321}">
+                <p14:modId xmlns:p14="http://schemas.microsoft.com/office/powerpoint/2010/main" val="2012391842"/>
+              </p:ext>
+            </p:extLst>
+          </p:nvPr>
+        </p:nvGraphicFramePr>
+        <p:xfrm>
+          <a:off x="314325" y="3148152"/>
+          <a:ext cx="8114058" cy="1928345"/>
+        </p:xfrm>
+        <a:graphic>
+          <a:graphicData uri="http://schemas.openxmlformats.org/drawingml/2006/table">
+            <a:tbl>
+              <a:tblPr firstRow="1" bandRow="1">
+                <a:tableStyleId>{5940675A-B579-460E-94D1-54222C63F5DA}</a:tableStyleId>
+              </a:tblPr>
+              <a:tblGrid>
+                <a:gridCol w="4057029">
+                  <a:extLst>
+                    <a:ext uri="{9D8B030D-6E8A-4147-A177-3AD203B41FA5}">
+                      <a16:colId xmlns:a16="http://schemas.microsoft.com/office/drawing/2014/main" val="44832925"/>
+                    </a:ext>
+                  </a:extLst>
+                </a:gridCol>
+                <a:gridCol w="4057029">
+                  <a:extLst>
+                    <a:ext uri="{9D8B030D-6E8A-4147-A177-3AD203B41FA5}">
+                      <a16:colId xmlns:a16="http://schemas.microsoft.com/office/drawing/2014/main" val="3833830155"/>
+                    </a:ext>
+                  </a:extLst>
+                </a:gridCol>
+              </a:tblGrid>
+              <a:tr h="385669">
+                <a:tc>
+                  <a:txBody>
+                    <a:bodyPr/>
+                    <a:lstStyle/>
+                    <a:p>
+                      <a:r>
+                        <a:rPr kumimoji="1" lang="en-US" altLang="ja-JP" dirty="0" smtClean="0"/>
+                        <a:t>Electric</a:t>
+                      </a:r>
+                      <a:endParaRPr kumimoji="1" lang="ja-JP" altLang="en-US" dirty="0"/>
+                    </a:p>
+                  </a:txBody>
+                  <a:tcPr/>
+                </a:tc>
+                <a:tc>
+                  <a:txBody>
+                    <a:bodyPr/>
+                    <a:lstStyle/>
+                    <a:p>
+                      <a:r>
+                        <a:rPr kumimoji="1" lang="en-US" altLang="ja-JP" dirty="0" smtClean="0"/>
+                        <a:t>Folk</a:t>
+                      </a:r>
+                      <a:endParaRPr kumimoji="1" lang="ja-JP" altLang="en-US" dirty="0"/>
+                    </a:p>
+                  </a:txBody>
+                  <a:tcPr/>
+                </a:tc>
+                <a:extLst>
+                  <a:ext uri="{0D108BD9-81ED-4DB2-BD59-A6C34878D82A}">
+                    <a16:rowId xmlns:a16="http://schemas.microsoft.com/office/drawing/2014/main" val="2686142808"/>
+                  </a:ext>
+                </a:extLst>
+              </a:tr>
+              <a:tr h="385669">
+                <a:tc>
+                  <a:txBody>
+                    <a:bodyPr/>
+                    <a:lstStyle/>
+                    <a:p>
+                      <a:r>
+                        <a:rPr kumimoji="1" lang="en-US" altLang="ja-JP" dirty="0" smtClean="0"/>
+                        <a:t>Hip-Hop</a:t>
+                      </a:r>
+                      <a:endParaRPr kumimoji="1" lang="ja-JP" altLang="en-US" dirty="0"/>
+                    </a:p>
+                  </a:txBody>
+                  <a:tcPr/>
+                </a:tc>
+                <a:tc>
+                  <a:txBody>
+                    <a:bodyPr/>
+                    <a:lstStyle/>
+                    <a:p>
+                      <a:r>
+                        <a:rPr kumimoji="1" lang="en-US" altLang="ja-JP" dirty="0" smtClean="0"/>
+                        <a:t>International</a:t>
+                      </a:r>
+                      <a:endParaRPr kumimoji="1" lang="ja-JP" altLang="en-US" dirty="0"/>
+                    </a:p>
+                  </a:txBody>
+                  <a:tcPr/>
+                </a:tc>
+                <a:extLst>
+                  <a:ext uri="{0D108BD9-81ED-4DB2-BD59-A6C34878D82A}">
+                    <a16:rowId xmlns:a16="http://schemas.microsoft.com/office/drawing/2014/main" val="2859038245"/>
+                  </a:ext>
+                </a:extLst>
+              </a:tr>
+              <a:tr h="385669">
+                <a:tc>
+                  <a:txBody>
+                    <a:bodyPr/>
+                    <a:lstStyle/>
+                    <a:p>
+                      <a:r>
+                        <a:rPr kumimoji="1" lang="en-US" altLang="ja-JP" dirty="0" smtClean="0"/>
+                        <a:t>Latin</a:t>
+                      </a:r>
+                      <a:endParaRPr kumimoji="1" lang="ja-JP" altLang="en-US" dirty="0"/>
+                    </a:p>
+                  </a:txBody>
+                  <a:tcPr/>
+                </a:tc>
+                <a:tc>
+                  <a:txBody>
+                    <a:bodyPr/>
+                    <a:lstStyle/>
+                    <a:p>
+                      <a:r>
+                        <a:rPr kumimoji="1" lang="en-US" altLang="ja-JP" dirty="0" smtClean="0"/>
+                        <a:t>Metal</a:t>
+                      </a:r>
+                      <a:endParaRPr kumimoji="1" lang="ja-JP" altLang="en-US" dirty="0"/>
+                    </a:p>
+                  </a:txBody>
+                  <a:tcPr/>
+                </a:tc>
+                <a:extLst>
+                  <a:ext uri="{0D108BD9-81ED-4DB2-BD59-A6C34878D82A}">
+                    <a16:rowId xmlns:a16="http://schemas.microsoft.com/office/drawing/2014/main" val="3497973770"/>
+                  </a:ext>
+                </a:extLst>
+              </a:tr>
+              <a:tr h="385669">
+                <a:tc>
+                  <a:txBody>
+                    <a:bodyPr/>
+                    <a:lstStyle/>
+                    <a:p>
+                      <a:r>
+                        <a:rPr kumimoji="1" lang="en-US" altLang="ja-JP" dirty="0" smtClean="0"/>
+                        <a:t>Noise</a:t>
+                      </a:r>
+                      <a:endParaRPr kumimoji="1" lang="ja-JP" altLang="en-US" dirty="0"/>
+                    </a:p>
+                  </a:txBody>
+                  <a:tcPr/>
+                </a:tc>
+                <a:tc>
+                  <a:txBody>
+                    <a:bodyPr/>
+                    <a:lstStyle/>
+                    <a:p>
+                      <a:r>
+                        <a:rPr kumimoji="1" lang="en-US" altLang="ja-JP" dirty="0" smtClean="0"/>
+                        <a:t>Pop</a:t>
+                      </a:r>
+                      <a:endParaRPr kumimoji="1" lang="ja-JP" altLang="en-US" dirty="0"/>
+                    </a:p>
+                  </a:txBody>
+                  <a:tcPr/>
+                </a:tc>
+                <a:extLst>
+                  <a:ext uri="{0D108BD9-81ED-4DB2-BD59-A6C34878D82A}">
+                    <a16:rowId xmlns:a16="http://schemas.microsoft.com/office/drawing/2014/main" val="1183800269"/>
+                  </a:ext>
+                </a:extLst>
+              </a:tr>
+              <a:tr h="385669">
+                <a:tc>
+                  <a:txBody>
+                    <a:bodyPr/>
+                    <a:lstStyle/>
+                    <a:p>
+                      <a:r>
+                        <a:rPr kumimoji="1" lang="en-US" altLang="ja-JP" dirty="0" smtClean="0"/>
+                        <a:t>Punk</a:t>
+                      </a:r>
+                      <a:endParaRPr kumimoji="1" lang="ja-JP" altLang="en-US" dirty="0"/>
+                    </a:p>
+                  </a:txBody>
+                  <a:tcPr/>
+                </a:tc>
+                <a:tc>
+                  <a:txBody>
+                    <a:bodyPr/>
+                    <a:lstStyle/>
+                    <a:p>
+                      <a:r>
+                        <a:rPr kumimoji="1" lang="en-US" altLang="ja-JP" dirty="0" smtClean="0"/>
+                        <a:t>Rock</a:t>
+                      </a:r>
+                      <a:endParaRPr kumimoji="1" lang="ja-JP" altLang="en-US" dirty="0"/>
+                    </a:p>
+                  </a:txBody>
+                  <a:tcPr/>
+                </a:tc>
+                <a:extLst>
+                  <a:ext uri="{0D108BD9-81ED-4DB2-BD59-A6C34878D82A}">
+                    <a16:rowId xmlns:a16="http://schemas.microsoft.com/office/drawing/2014/main" val="415662057"/>
+                  </a:ext>
+                </a:extLst>
+              </a:tr>
+            </a:tbl>
+          </a:graphicData>
+        </a:graphic>
+      </p:graphicFrame>
+      <p:sp>
+        <p:nvSpPr>
+          <p:cNvPr id="7" name="テキスト ボックス 6"/>
+          <p:cNvSpPr txBox="1"/>
+          <p:nvPr/>
+        </p:nvSpPr>
+        <p:spPr>
+          <a:xfrm>
+            <a:off x="314325" y="5454595"/>
+            <a:ext cx="8058398" cy="369332"/>
+          </a:xfrm>
+          <a:prstGeom prst="rect">
+            <a:avLst/>
+          </a:prstGeom>
+          <a:noFill/>
+        </p:spPr>
+        <p:txBody>
+          <a:bodyPr wrap="square" rtlCol="0">
+            <a:spAutoFit/>
+          </a:bodyPr>
+          <a:lstStyle/>
+          <a:p>
+            <a:r>
+              <a:rPr kumimoji="1" lang="ja-JP" altLang="en-US" dirty="0" smtClean="0"/>
+              <a:t>使用するデータセットに基づいて以上の１０ジャンルでマッチング</a:t>
+            </a:r>
+            <a:endParaRPr kumimoji="1" lang="ja-JP" altLang="en-US" dirty="0"/>
           </a:p>
         </p:txBody>
       </p:sp>
     </p:spTree>
     <p:extLst>
       <p:ext uri="{BB962C8B-B14F-4D97-AF65-F5344CB8AC3E}">
-        <p14:creationId xmlns:p14="http://schemas.microsoft.com/office/powerpoint/2010/main" val="2414674720"/>
+        <p14:creationId xmlns:p14="http://schemas.microsoft.com/office/powerpoint/2010/main" val="1923407823"/>
       </p:ext>
     </p:extLst>
   </p:cSld>
   <p:clrMapOvr>
     <a:masterClrMapping/>
   </p:clrMapOvr>
+  <p:timing>
+    <p:tnLst>
+      <p:par>
+        <p:cTn id="1" dur="indefinite" restart="never" nodeType="tmRoot"/>
+      </p:par>
+    </p:tnLst>
+  </p:timing>
 </p:sld>
 </file>
 
